--- a/Tesi e Presentazione/Presentazione tesi.pptx
+++ b/Tesi e Presentazione/Presentazione tesi.pptx
@@ -271,7 +271,7 @@
             <a:pPr rtl="0"/>
             <a:fld id="{EB190EFE-CCCB-4DCD-B1CF-8C3CB119D6FE}" type="datetime1">
               <a:rPr lang="it-IT" smtClean="0"/>
-              <a:t>26/09/2021</a:t>
+              <a:t>28/09/2021</a:t>
             </a:fld>
             <a:endParaRPr lang="it-IT" dirty="0"/>
           </a:p>
@@ -452,7 +452,7 @@
             <a:fld id="{526AC070-77AE-44FC-B0C8-108B581F9765}" type="datetime1">
               <a:rPr lang="it-IT" noProof="0" smtClean="0"/>
               <a:pPr/>
-              <a:t>26/09/2021</a:t>
+              <a:t>28/09/2021</a:t>
             </a:fld>
             <a:endParaRPr lang="it-IT" noProof="0" dirty="0"/>
           </a:p>
@@ -1906,7 +1906,7 @@
             <a:pPr rtl="0"/>
             <a:fld id="{73953276-A596-464E-8131-16FDC4642D35}" type="datetime1">
               <a:rPr lang="it-IT" noProof="0" smtClean="0"/>
-              <a:t>26/09/2021</a:t>
+              <a:t>28/09/2021</a:t>
             </a:fld>
             <a:endParaRPr lang="it-IT" noProof="0" dirty="0"/>
           </a:p>
@@ -2110,7 +2110,7 @@
             <a:pPr rtl="0"/>
             <a:fld id="{59F66E3F-D06F-47DA-A95C-C846DE23F8C0}" type="datetime1">
               <a:rPr lang="it-IT" noProof="0" smtClean="0"/>
-              <a:t>26/09/2021</a:t>
+              <a:t>28/09/2021</a:t>
             </a:fld>
             <a:endParaRPr lang="it-IT" noProof="0" dirty="0"/>
           </a:p>
@@ -2324,7 +2324,7 @@
             <a:pPr rtl="0"/>
             <a:fld id="{46FE6513-E3C7-4048-AC2F-41B0D1F6D895}" type="datetime1">
               <a:rPr lang="it-IT" noProof="0" smtClean="0"/>
-              <a:t>26/09/2021</a:t>
+              <a:t>28/09/2021</a:t>
             </a:fld>
             <a:endParaRPr lang="it-IT" noProof="0" dirty="0"/>
           </a:p>
@@ -2528,7 +2528,7 @@
             <a:pPr rtl="0"/>
             <a:fld id="{4CA1E7DF-6F8F-47CE-8C70-53A994FBF180}" type="datetime1">
               <a:rPr lang="it-IT" noProof="0" smtClean="0"/>
-              <a:t>26/09/2021</a:t>
+              <a:t>28/09/2021</a:t>
             </a:fld>
             <a:endParaRPr lang="it-IT" noProof="0" dirty="0"/>
           </a:p>
@@ -2808,7 +2808,7 @@
             <a:pPr rtl="0"/>
             <a:fld id="{2CFB8710-ABAB-4285-AF31-02779743E1F4}" type="datetime1">
               <a:rPr lang="it-IT" noProof="0" smtClean="0"/>
-              <a:t>26/09/2021</a:t>
+              <a:t>28/09/2021</a:t>
             </a:fld>
             <a:endParaRPr lang="it-IT" noProof="0" dirty="0"/>
           </a:p>
@@ -3080,7 +3080,7 @@
             <a:pPr rtl="0"/>
             <a:fld id="{FE1FD3F1-0F70-4F3C-841E-3B4B1A9982AD}" type="datetime1">
               <a:rPr lang="it-IT" noProof="0" smtClean="0"/>
-              <a:t>26/09/2021</a:t>
+              <a:t>28/09/2021</a:t>
             </a:fld>
             <a:endParaRPr lang="it-IT" noProof="0" dirty="0"/>
           </a:p>
@@ -3499,7 +3499,7 @@
             <a:pPr rtl="0"/>
             <a:fld id="{3195CD94-E959-4436-A899-6BFB5CD81E9E}" type="datetime1">
               <a:rPr lang="it-IT" noProof="0" smtClean="0"/>
-              <a:t>26/09/2021</a:t>
+              <a:t>28/09/2021</a:t>
             </a:fld>
             <a:endParaRPr lang="it-IT" noProof="0" dirty="0"/>
           </a:p>
@@ -3645,7 +3645,7 @@
             <a:pPr rtl="0"/>
             <a:fld id="{327B0C7F-749B-466A-A38A-03B1C8A2F06C}" type="datetime1">
               <a:rPr lang="it-IT" noProof="0" smtClean="0"/>
-              <a:t>26/09/2021</a:t>
+              <a:t>28/09/2021</a:t>
             </a:fld>
             <a:endParaRPr lang="it-IT" noProof="0" dirty="0"/>
           </a:p>
@@ -3761,7 +3761,7 @@
             <a:pPr rtl="0"/>
             <a:fld id="{DEC309BE-2E90-45F2-A626-98CE1308C9C4}" type="datetime1">
               <a:rPr lang="it-IT" noProof="0" smtClean="0"/>
-              <a:t>26/09/2021</a:t>
+              <a:t>28/09/2021</a:t>
             </a:fld>
             <a:endParaRPr lang="it-IT" noProof="0" dirty="0"/>
           </a:p>
@@ -4078,7 +4078,7 @@
             <a:pPr rtl="0"/>
             <a:fld id="{D7D791A9-9A19-4C7D-9EDF-F6B9F670B73C}" type="datetime1">
               <a:rPr lang="it-IT" noProof="0" smtClean="0"/>
-              <a:t>26/09/2021</a:t>
+              <a:t>28/09/2021</a:t>
             </a:fld>
             <a:endParaRPr lang="it-IT" noProof="0" dirty="0"/>
           </a:p>
@@ -4376,7 +4376,7 @@
             <a:pPr rtl="0"/>
             <a:fld id="{1C87147A-BE07-4D89-850F-642EAF1AAEA9}" type="datetime1">
               <a:rPr lang="it-IT" noProof="0" smtClean="0"/>
-              <a:t>26/09/2021</a:t>
+              <a:t>28/09/2021</a:t>
             </a:fld>
             <a:endParaRPr lang="it-IT" noProof="0" dirty="0"/>
           </a:p>
@@ -4621,7 +4621,7 @@
             <a:pPr rtl="0"/>
             <a:fld id="{750AD8DE-E201-43F1-B9CB-48547493CA6A}" type="datetime1">
               <a:rPr lang="it-IT" noProof="0" smtClean="0"/>
-              <a:t>26/09/2021</a:t>
+              <a:t>28/09/2021</a:t>
             </a:fld>
             <a:endParaRPr lang="it-IT" noProof="0" dirty="0"/>
           </a:p>
@@ -5818,7 +5818,7 @@
                   </a:schemeClr>
                 </a:solidFill>
               </a:rPr>
-              <a:t>Interagire con</a:t>
+              <a:t>Manipolare i dati</a:t>
             </a:r>
           </a:p>
           <a:p>
@@ -5832,7 +5832,7 @@
                   </a:schemeClr>
                 </a:solidFill>
               </a:rPr>
-              <a:t>cluster MongoDB</a:t>
+              <a:t>all’interno del cluster</a:t>
             </a:r>
           </a:p>
         </p:txBody>
@@ -5886,6 +5886,495 @@
           </a:fontRef>
         </p:style>
       </p:cxnSp>
+      <p:sp>
+        <p:nvSpPr>
+          <p:cNvPr id="6" name="CasellaDiTesto 5">
+            <a:extLst>
+              <a:ext uri="{FF2B5EF4-FFF2-40B4-BE49-F238E27FC236}">
+                <a16:creationId xmlns:a16="http://schemas.microsoft.com/office/drawing/2014/main" id="{00B95089-CAF3-4B35-99BA-523EDE338C0F}"/>
+              </a:ext>
+            </a:extLst>
+          </p:cNvPr>
+          <p:cNvSpPr txBox="1"/>
+          <p:nvPr/>
+        </p:nvSpPr>
+        <p:spPr>
+          <a:xfrm>
+            <a:off x="1247723" y="2818508"/>
+            <a:ext cx="9696554" cy="1015663"/>
+          </a:xfrm>
+          <a:prstGeom prst="rect">
+            <a:avLst/>
+          </a:prstGeom>
+          <a:noFill/>
+        </p:spPr>
+        <p:txBody>
+          <a:bodyPr wrap="square">
+            <a:spAutoFit/>
+          </a:bodyPr>
+          <a:lstStyle/>
+          <a:p>
+            <a:r>
+              <a:rPr lang="it-IT" sz="2000" dirty="0">
+                <a:solidFill>
+                  <a:srgbClr val="262626"/>
+                </a:solidFill>
+                <a:latin typeface="Montserrat" panose="00000500000000000000"/>
+                <a:ea typeface="Times New Roman" panose="02020603050405020304" pitchFamily="18" charset="0"/>
+              </a:rPr>
+              <a:t>var query = [</a:t>
+            </a:r>
+            <a:r>
+              <a:rPr lang="it-IT" sz="2000" dirty="0">
+                <a:solidFill>
+                  <a:srgbClr val="50B1E1"/>
+                </a:solidFill>
+                <a:latin typeface="Montserrat" panose="00000500000000000000"/>
+                <a:ea typeface="Times New Roman" panose="02020603050405020304" pitchFamily="18" charset="0"/>
+              </a:rPr>
+              <a:t>type</a:t>
+            </a:r>
+            <a:r>
+              <a:rPr lang="it-IT" sz="2000" dirty="0">
+                <a:solidFill>
+                  <a:srgbClr val="262626"/>
+                </a:solidFill>
+                <a:latin typeface="Montserrat" panose="00000500000000000000"/>
+                <a:ea typeface="Times New Roman" panose="02020603050405020304" pitchFamily="18" charset="0"/>
+              </a:rPr>
+              <a:t> = ‘</a:t>
+            </a:r>
+            <a:r>
+              <a:rPr lang="it-IT" sz="2000" b="1" dirty="0">
+                <a:solidFill>
+                  <a:srgbClr val="262626"/>
+                </a:solidFill>
+                <a:latin typeface="Montserrat" panose="00000500000000000000"/>
+                <a:ea typeface="Times New Roman" panose="02020603050405020304" pitchFamily="18" charset="0"/>
+              </a:rPr>
+              <a:t>query</a:t>
+            </a:r>
+            <a:r>
+              <a:rPr lang="it-IT" sz="2000" dirty="0">
+                <a:solidFill>
+                  <a:srgbClr val="262626"/>
+                </a:solidFill>
+                <a:latin typeface="Montserrat" panose="00000500000000000000"/>
+                <a:ea typeface="Times New Roman" panose="02020603050405020304" pitchFamily="18" charset="0"/>
+              </a:rPr>
+              <a:t>’, </a:t>
+            </a:r>
+            <a:r>
+              <a:rPr lang="it-IT" sz="2000" dirty="0">
+                <a:solidFill>
+                  <a:srgbClr val="50B1E1"/>
+                </a:solidFill>
+                <a:latin typeface="Montserrat" panose="00000500000000000000"/>
+                <a:ea typeface="Times New Roman" panose="02020603050405020304" pitchFamily="18" charset="0"/>
+              </a:rPr>
+              <a:t>query_type </a:t>
+            </a:r>
+            <a:r>
+              <a:rPr lang="it-IT" sz="2000" dirty="0">
+                <a:solidFill>
+                  <a:srgbClr val="262626"/>
+                </a:solidFill>
+                <a:latin typeface="Montserrat" panose="00000500000000000000"/>
+                <a:ea typeface="Times New Roman" panose="02020603050405020304" pitchFamily="18" charset="0"/>
+              </a:rPr>
+              <a:t>= ‘…’, </a:t>
+            </a:r>
+            <a:r>
+              <a:rPr lang="it-IT" sz="2000" dirty="0">
+                <a:solidFill>
+                  <a:srgbClr val="50B1E1"/>
+                </a:solidFill>
+                <a:latin typeface="Montserrat" panose="00000500000000000000"/>
+                <a:ea typeface="Times New Roman" panose="02020603050405020304" pitchFamily="18" charset="0"/>
+              </a:rPr>
+              <a:t>database</a:t>
+            </a:r>
+            <a:r>
+              <a:rPr lang="it-IT" sz="2000" dirty="0">
+                <a:solidFill>
+                  <a:srgbClr val="262626"/>
+                </a:solidFill>
+                <a:latin typeface="Montserrat" panose="00000500000000000000"/>
+                <a:ea typeface="Times New Roman" panose="02020603050405020304" pitchFamily="18" charset="0"/>
+              </a:rPr>
+              <a:t> = dbAWS, </a:t>
+            </a:r>
+            <a:r>
+              <a:rPr lang="it-IT" sz="2000" dirty="0">
+                <a:solidFill>
+                  <a:srgbClr val="50B1E1"/>
+                </a:solidFill>
+                <a:latin typeface="Montserrat" panose="00000500000000000000"/>
+                <a:ea typeface="Times New Roman" panose="02020603050405020304" pitchFamily="18" charset="0"/>
+              </a:rPr>
+              <a:t>query</a:t>
+            </a:r>
+            <a:r>
+              <a:rPr lang="it-IT" sz="2000" dirty="0">
+                <a:solidFill>
+                  <a:srgbClr val="262626"/>
+                </a:solidFill>
+                <a:latin typeface="Montserrat" panose="00000500000000000000"/>
+                <a:ea typeface="Times New Roman" panose="02020603050405020304" pitchFamily="18" charset="0"/>
+              </a:rPr>
+              <a:t> = ‘…’]</a:t>
+            </a:r>
+          </a:p>
+          <a:p>
+            <a:endParaRPr lang="it-IT" sz="2000" dirty="0">
+              <a:solidFill>
+                <a:srgbClr val="262626"/>
+              </a:solidFill>
+              <a:latin typeface="Montserrat" panose="00000500000000000000"/>
+            </a:endParaRPr>
+          </a:p>
+          <a:p>
+            <a:r>
+              <a:rPr lang="it-IT" sz="2000" dirty="0">
+                <a:solidFill>
+                  <a:srgbClr val="262626"/>
+                </a:solidFill>
+                <a:latin typeface="Montserrat" panose="00000500000000000000"/>
+              </a:rPr>
+              <a:t>query.execute()</a:t>
+            </a:r>
+            <a:endParaRPr lang="it-IT" sz="2000" dirty="0"/>
+          </a:p>
+        </p:txBody>
+      </p:sp>
+      <p:sp>
+        <p:nvSpPr>
+          <p:cNvPr id="7" name="Rettangolo 6">
+            <a:extLst>
+              <a:ext uri="{FF2B5EF4-FFF2-40B4-BE49-F238E27FC236}">
+                <a16:creationId xmlns:a16="http://schemas.microsoft.com/office/drawing/2014/main" id="{283D20D6-3C25-4AB2-BA8B-3D509359CCB3}"/>
+              </a:ext>
+            </a:extLst>
+          </p:cNvPr>
+          <p:cNvSpPr/>
+          <p:nvPr/>
+        </p:nvSpPr>
+        <p:spPr>
+          <a:xfrm>
+            <a:off x="1186023" y="2697637"/>
+            <a:ext cx="9819954" cy="1257404"/>
+          </a:xfrm>
+          <a:prstGeom prst="rect">
+            <a:avLst/>
+          </a:prstGeom>
+          <a:noFill/>
+          <a:ln w="38100">
+            <a:solidFill>
+              <a:srgbClr val="50B1E1"/>
+            </a:solidFill>
+          </a:ln>
+        </p:spPr>
+        <p:style>
+          <a:lnRef idx="2">
+            <a:schemeClr val="accent1">
+              <a:shade val="50000"/>
+            </a:schemeClr>
+          </a:lnRef>
+          <a:fillRef idx="1">
+            <a:schemeClr val="accent1"/>
+          </a:fillRef>
+          <a:effectRef idx="0">
+            <a:schemeClr val="accent1"/>
+          </a:effectRef>
+          <a:fontRef idx="minor">
+            <a:schemeClr val="lt1"/>
+          </a:fontRef>
+        </p:style>
+        <p:txBody>
+          <a:bodyPr rtlCol="0" anchor="ctr"/>
+          <a:lstStyle/>
+          <a:p>
+            <a:pPr algn="ctr"/>
+            <a:endParaRPr lang="it-IT"/>
+          </a:p>
+        </p:txBody>
+      </p:sp>
+      <p:sp>
+        <p:nvSpPr>
+          <p:cNvPr id="9" name="CasellaDiTesto 8">
+            <a:extLst>
+              <a:ext uri="{FF2B5EF4-FFF2-40B4-BE49-F238E27FC236}">
+                <a16:creationId xmlns:a16="http://schemas.microsoft.com/office/drawing/2014/main" id="{9CA7301D-D149-49F4-AF9C-AC754D5A9084}"/>
+              </a:ext>
+            </a:extLst>
+          </p:cNvPr>
+          <p:cNvSpPr txBox="1"/>
+          <p:nvPr/>
+        </p:nvSpPr>
+        <p:spPr>
+          <a:xfrm>
+            <a:off x="1319108" y="1606676"/>
+            <a:ext cx="9553784" cy="707886"/>
+          </a:xfrm>
+          <a:prstGeom prst="rect">
+            <a:avLst/>
+          </a:prstGeom>
+          <a:noFill/>
+        </p:spPr>
+        <p:txBody>
+          <a:bodyPr wrap="square">
+            <a:spAutoFit/>
+          </a:bodyPr>
+          <a:lstStyle/>
+          <a:p>
+            <a:pPr algn="ctr"/>
+            <a:r>
+              <a:rPr lang="it-IT" sz="2000" dirty="0">
+                <a:solidFill>
+                  <a:srgbClr val="262626"/>
+                </a:solidFill>
+                <a:latin typeface="Montserrat SemiBold" panose="00000700000000000000" pitchFamily="2" charset="0"/>
+                <a:ea typeface="Times New Roman" panose="02020603050405020304" pitchFamily="18" charset="0"/>
+              </a:rPr>
+              <a:t>Per poter effettuare interrogazioni sul database è stata implementato all’interno di FLY l’entità </a:t>
+            </a:r>
+            <a:r>
+              <a:rPr lang="it-IT" sz="2000" b="1" dirty="0">
+                <a:solidFill>
+                  <a:srgbClr val="50B1E1"/>
+                </a:solidFill>
+                <a:latin typeface="Montserrat SemiBold" panose="00000700000000000000" pitchFamily="2" charset="0"/>
+                <a:ea typeface="Times New Roman" panose="02020603050405020304" pitchFamily="18" charset="0"/>
+              </a:rPr>
+              <a:t>query</a:t>
+            </a:r>
+            <a:r>
+              <a:rPr lang="it-IT" sz="2000" dirty="0">
+                <a:solidFill>
+                  <a:srgbClr val="262626"/>
+                </a:solidFill>
+                <a:latin typeface="Montserrat SemiBold" panose="00000700000000000000" pitchFamily="2" charset="0"/>
+                <a:ea typeface="Times New Roman" panose="02020603050405020304" pitchFamily="18" charset="0"/>
+              </a:rPr>
+              <a:t>. </a:t>
+            </a:r>
+            <a:endParaRPr lang="it-IT" sz="2000" dirty="0"/>
+          </a:p>
+        </p:txBody>
+      </p:sp>
+      <p:sp>
+        <p:nvSpPr>
+          <p:cNvPr id="10" name="CasellaDiTesto 9">
+            <a:extLst>
+              <a:ext uri="{FF2B5EF4-FFF2-40B4-BE49-F238E27FC236}">
+                <a16:creationId xmlns:a16="http://schemas.microsoft.com/office/drawing/2014/main" id="{25AA1044-9BC3-44A9-BEB1-2AE849684117}"/>
+              </a:ext>
+            </a:extLst>
+          </p:cNvPr>
+          <p:cNvSpPr txBox="1"/>
+          <p:nvPr/>
+        </p:nvSpPr>
+        <p:spPr>
+          <a:xfrm>
+            <a:off x="1072595" y="4743492"/>
+            <a:ext cx="10046810" cy="1015663"/>
+          </a:xfrm>
+          <a:prstGeom prst="rect">
+            <a:avLst/>
+          </a:prstGeom>
+          <a:noFill/>
+        </p:spPr>
+        <p:txBody>
+          <a:bodyPr wrap="square">
+            <a:spAutoFit/>
+          </a:bodyPr>
+          <a:lstStyle/>
+          <a:p>
+            <a:r>
+              <a:rPr lang="it-IT" sz="2000" dirty="0">
+                <a:solidFill>
+                  <a:srgbClr val="262626"/>
+                </a:solidFill>
+                <a:latin typeface="Montserrat" panose="00000500000000000000"/>
+                <a:ea typeface="Times New Roman" panose="02020603050405020304" pitchFamily="18" charset="0"/>
+              </a:rPr>
+              <a:t>var query = [</a:t>
+            </a:r>
+            <a:r>
+              <a:rPr lang="it-IT" sz="2000" dirty="0">
+                <a:solidFill>
+                  <a:srgbClr val="50B1E1"/>
+                </a:solidFill>
+                <a:latin typeface="Montserrat" panose="00000500000000000000"/>
+                <a:ea typeface="Times New Roman" panose="02020603050405020304" pitchFamily="18" charset="0"/>
+              </a:rPr>
+              <a:t>type</a:t>
+            </a:r>
+            <a:r>
+              <a:rPr lang="it-IT" sz="2000" dirty="0">
+                <a:solidFill>
+                  <a:srgbClr val="262626"/>
+                </a:solidFill>
+                <a:latin typeface="Montserrat" panose="00000500000000000000"/>
+                <a:ea typeface="Times New Roman" panose="02020603050405020304" pitchFamily="18" charset="0"/>
+              </a:rPr>
+              <a:t> = ‘</a:t>
+            </a:r>
+            <a:r>
+              <a:rPr lang="it-IT" sz="2000" b="1" dirty="0">
+                <a:solidFill>
+                  <a:srgbClr val="262626"/>
+                </a:solidFill>
+                <a:latin typeface="Montserrat" panose="00000500000000000000"/>
+                <a:ea typeface="Times New Roman" panose="02020603050405020304" pitchFamily="18" charset="0"/>
+              </a:rPr>
+              <a:t>query</a:t>
+            </a:r>
+            <a:r>
+              <a:rPr lang="it-IT" sz="2000" dirty="0">
+                <a:solidFill>
+                  <a:srgbClr val="262626"/>
+                </a:solidFill>
+                <a:latin typeface="Montserrat" panose="00000500000000000000"/>
+                <a:ea typeface="Times New Roman" panose="02020603050405020304" pitchFamily="18" charset="0"/>
+              </a:rPr>
+              <a:t>’, </a:t>
+            </a:r>
+            <a:r>
+              <a:rPr lang="it-IT" sz="2000" dirty="0">
+                <a:solidFill>
+                  <a:srgbClr val="50B1E1"/>
+                </a:solidFill>
+                <a:latin typeface="Montserrat" panose="00000500000000000000"/>
+                <a:ea typeface="Times New Roman" panose="02020603050405020304" pitchFamily="18" charset="0"/>
+              </a:rPr>
+              <a:t>query_type </a:t>
+            </a:r>
+            <a:r>
+              <a:rPr lang="it-IT" sz="2000" dirty="0">
+                <a:solidFill>
+                  <a:srgbClr val="262626"/>
+                </a:solidFill>
+                <a:latin typeface="Montserrat" panose="00000500000000000000"/>
+                <a:ea typeface="Times New Roman" panose="02020603050405020304" pitchFamily="18" charset="0"/>
+              </a:rPr>
+              <a:t>= ‘…’, </a:t>
+            </a:r>
+            <a:r>
+              <a:rPr lang="it-IT" sz="2000" dirty="0">
+                <a:solidFill>
+                  <a:srgbClr val="50B1E1"/>
+                </a:solidFill>
+                <a:latin typeface="Montserrat" panose="00000500000000000000"/>
+                <a:ea typeface="Times New Roman" panose="02020603050405020304" pitchFamily="18" charset="0"/>
+              </a:rPr>
+              <a:t>database</a:t>
+            </a:r>
+            <a:r>
+              <a:rPr lang="it-IT" sz="2000" dirty="0">
+                <a:solidFill>
+                  <a:srgbClr val="262626"/>
+                </a:solidFill>
+                <a:latin typeface="Montserrat" panose="00000500000000000000"/>
+                <a:ea typeface="Times New Roman" panose="02020603050405020304" pitchFamily="18" charset="0"/>
+              </a:rPr>
+              <a:t> = dbAZURE, </a:t>
+            </a:r>
+            <a:r>
+              <a:rPr lang="it-IT" sz="2000" dirty="0">
+                <a:solidFill>
+                  <a:srgbClr val="50B1E1"/>
+                </a:solidFill>
+                <a:latin typeface="Montserrat" panose="00000500000000000000"/>
+                <a:ea typeface="Times New Roman" panose="02020603050405020304" pitchFamily="18" charset="0"/>
+              </a:rPr>
+              <a:t>query</a:t>
+            </a:r>
+            <a:r>
+              <a:rPr lang="it-IT" sz="2000" dirty="0">
+                <a:solidFill>
+                  <a:srgbClr val="262626"/>
+                </a:solidFill>
+                <a:latin typeface="Montserrat" panose="00000500000000000000"/>
+                <a:ea typeface="Times New Roman" panose="02020603050405020304" pitchFamily="18" charset="0"/>
+              </a:rPr>
+              <a:t> = ‘…’]</a:t>
+            </a:r>
+          </a:p>
+          <a:p>
+            <a:endParaRPr lang="it-IT" sz="2000" dirty="0">
+              <a:solidFill>
+                <a:srgbClr val="262626"/>
+              </a:solidFill>
+              <a:latin typeface="Montserrat" panose="00000500000000000000"/>
+            </a:endParaRPr>
+          </a:p>
+          <a:p>
+            <a:r>
+              <a:rPr lang="it-IT" sz="2000" dirty="0">
+                <a:solidFill>
+                  <a:srgbClr val="262626"/>
+                </a:solidFill>
+                <a:latin typeface="Montserrat" panose="00000500000000000000"/>
+              </a:rPr>
+              <a:t>query.execute()</a:t>
+            </a:r>
+            <a:endParaRPr lang="it-IT" sz="2000" dirty="0"/>
+          </a:p>
+        </p:txBody>
+      </p:sp>
+      <p:sp>
+        <p:nvSpPr>
+          <p:cNvPr id="12" name="Rettangolo 11">
+            <a:extLst>
+              <a:ext uri="{FF2B5EF4-FFF2-40B4-BE49-F238E27FC236}">
+                <a16:creationId xmlns:a16="http://schemas.microsoft.com/office/drawing/2014/main" id="{F47108D2-83BC-4E07-8272-2849FC7345E1}"/>
+              </a:ext>
+            </a:extLst>
+          </p:cNvPr>
+          <p:cNvSpPr/>
+          <p:nvPr/>
+        </p:nvSpPr>
+        <p:spPr>
+          <a:xfrm>
+            <a:off x="974011" y="4622621"/>
+            <a:ext cx="10243977" cy="1257404"/>
+          </a:xfrm>
+          <a:prstGeom prst="rect">
+            <a:avLst/>
+          </a:prstGeom>
+          <a:noFill/>
+          <a:ln w="38100">
+            <a:solidFill>
+              <a:srgbClr val="50B1E1"/>
+            </a:solidFill>
+          </a:ln>
+        </p:spPr>
+        <p:style>
+          <a:lnRef idx="2">
+            <a:schemeClr val="accent1">
+              <a:shade val="50000"/>
+            </a:schemeClr>
+          </a:lnRef>
+          <a:fillRef idx="1">
+            <a:schemeClr val="accent1"/>
+          </a:fillRef>
+          <a:effectRef idx="0">
+            <a:schemeClr val="accent1"/>
+          </a:effectRef>
+          <a:fontRef idx="minor">
+            <a:schemeClr val="lt1"/>
+          </a:fontRef>
+        </p:style>
+        <p:txBody>
+          <a:bodyPr rtlCol="0" anchor="ctr"/>
+          <a:lstStyle/>
+          <a:p>
+            <a:pPr algn="ctr"/>
+            <a:endParaRPr lang="it-IT"/>
+          </a:p>
+        </p:txBody>
+      </p:sp>
     </p:spTree>
     <p:extLst>
       <p:ext uri="{BB962C8B-B14F-4D97-AF65-F5344CB8AC3E}">
@@ -6109,6 +6598,397 @@
           </a:fontRef>
         </p:style>
       </p:cxnSp>
+      <p:sp>
+        <p:nvSpPr>
+          <p:cNvPr id="6" name="CasellaDiTesto 5">
+            <a:extLst>
+              <a:ext uri="{FF2B5EF4-FFF2-40B4-BE49-F238E27FC236}">
+                <a16:creationId xmlns:a16="http://schemas.microsoft.com/office/drawing/2014/main" id="{CA3D02BF-0572-423F-A5AD-43C83296DAF7}"/>
+              </a:ext>
+            </a:extLst>
+          </p:cNvPr>
+          <p:cNvSpPr txBox="1"/>
+          <p:nvPr/>
+        </p:nvSpPr>
+        <p:spPr>
+          <a:xfrm>
+            <a:off x="625615" y="1076163"/>
+            <a:ext cx="5758252" cy="5218352"/>
+          </a:xfrm>
+          <a:prstGeom prst="rect">
+            <a:avLst/>
+          </a:prstGeom>
+          <a:noFill/>
+        </p:spPr>
+        <p:txBody>
+          <a:bodyPr wrap="square">
+            <a:spAutoFit/>
+          </a:bodyPr>
+          <a:lstStyle/>
+          <a:p>
+            <a:pPr>
+              <a:lnSpc>
+                <a:spcPct val="107000"/>
+              </a:lnSpc>
+              <a:spcAft>
+                <a:spcPts val="800"/>
+              </a:spcAft>
+            </a:pPr>
+            <a:r>
+              <a:rPr lang="it-IT" sz="2000" b="1" dirty="0">
+                <a:solidFill>
+                  <a:srgbClr val="50B1E1"/>
+                </a:solidFill>
+                <a:latin typeface="Montserrat SemiBold" panose="00000700000000000000" pitchFamily="2" charset="0"/>
+                <a:ea typeface="Times New Roman" panose="02020603050405020304" pitchFamily="18" charset="0"/>
+              </a:rPr>
+              <a:t>L’obiettivo</a:t>
+            </a:r>
+            <a:r>
+              <a:rPr lang="it-IT" sz="2000" b="1" dirty="0">
+                <a:solidFill>
+                  <a:srgbClr val="262626"/>
+                </a:solidFill>
+                <a:latin typeface="Montserrat SemiBold" panose="00000700000000000000" pitchFamily="2" charset="0"/>
+                <a:ea typeface="Times New Roman" panose="02020603050405020304" pitchFamily="18" charset="0"/>
+              </a:rPr>
+              <a:t> di implementare all’interno di FLY un supporto per i database MongoDB è stato </a:t>
+            </a:r>
+            <a:r>
+              <a:rPr lang="it-IT" sz="2000" b="1" dirty="0">
+                <a:solidFill>
+                  <a:srgbClr val="50B1E1"/>
+                </a:solidFill>
+                <a:latin typeface="Montserrat SemiBold" panose="00000700000000000000" pitchFamily="2" charset="0"/>
+                <a:ea typeface="Times New Roman" panose="02020603050405020304" pitchFamily="18" charset="0"/>
+              </a:rPr>
+              <a:t>raggiunto</a:t>
+            </a:r>
+            <a:r>
+              <a:rPr lang="it-IT" sz="2000" b="1" dirty="0">
+                <a:solidFill>
+                  <a:srgbClr val="262626"/>
+                </a:solidFill>
+                <a:latin typeface="Montserrat SemiBold" panose="00000700000000000000" pitchFamily="2" charset="0"/>
+                <a:ea typeface="Times New Roman" panose="02020603050405020304" pitchFamily="18" charset="0"/>
+              </a:rPr>
+              <a:t> con </a:t>
+            </a:r>
+            <a:r>
+              <a:rPr lang="it-IT" sz="2000" b="1" dirty="0">
+                <a:solidFill>
+                  <a:srgbClr val="50B1E1"/>
+                </a:solidFill>
+                <a:latin typeface="Montserrat SemiBold" panose="00000700000000000000" pitchFamily="2" charset="0"/>
+                <a:ea typeface="Times New Roman" panose="02020603050405020304" pitchFamily="18" charset="0"/>
+              </a:rPr>
+              <a:t>successo</a:t>
+            </a:r>
+            <a:r>
+              <a:rPr lang="it-IT" sz="2000" b="1" dirty="0">
+                <a:solidFill>
+                  <a:srgbClr val="262626"/>
+                </a:solidFill>
+                <a:latin typeface="Montserrat SemiBold" panose="00000700000000000000" pitchFamily="2" charset="0"/>
+                <a:ea typeface="Times New Roman" panose="02020603050405020304" pitchFamily="18" charset="0"/>
+              </a:rPr>
+              <a:t> tramite l’implementazione dei costrutti </a:t>
+            </a:r>
+            <a:r>
+              <a:rPr lang="it-IT" sz="2000" b="1" dirty="0">
+                <a:solidFill>
+                  <a:srgbClr val="50B1E1"/>
+                </a:solidFill>
+                <a:latin typeface="Montserrat SemiBold" panose="00000700000000000000" pitchFamily="2" charset="0"/>
+                <a:ea typeface="Times New Roman" panose="02020603050405020304" pitchFamily="18" charset="0"/>
+              </a:rPr>
+              <a:t>nosql</a:t>
+            </a:r>
+            <a:r>
+              <a:rPr lang="it-IT" sz="2000" b="1" dirty="0">
+                <a:solidFill>
+                  <a:srgbClr val="262626"/>
+                </a:solidFill>
+                <a:latin typeface="Montserrat SemiBold" panose="00000700000000000000" pitchFamily="2" charset="0"/>
+                <a:ea typeface="Times New Roman" panose="02020603050405020304" pitchFamily="18" charset="0"/>
+              </a:rPr>
+              <a:t> e </a:t>
+            </a:r>
+            <a:r>
+              <a:rPr lang="it-IT" sz="2000" b="1" dirty="0">
+                <a:solidFill>
+                  <a:srgbClr val="50B1E1"/>
+                </a:solidFill>
+                <a:latin typeface="Montserrat SemiBold" panose="00000700000000000000" pitchFamily="2" charset="0"/>
+                <a:ea typeface="Times New Roman" panose="02020603050405020304" pitchFamily="18" charset="0"/>
+              </a:rPr>
+              <a:t>query</a:t>
+            </a:r>
+            <a:r>
+              <a:rPr lang="it-IT" sz="2000" b="1" dirty="0">
+                <a:solidFill>
+                  <a:srgbClr val="262626"/>
+                </a:solidFill>
+                <a:latin typeface="Montserrat SemiBold" panose="00000700000000000000" pitchFamily="2" charset="0"/>
+                <a:ea typeface="Times New Roman" panose="02020603050405020304" pitchFamily="18" charset="0"/>
+              </a:rPr>
+              <a:t>.</a:t>
+            </a:r>
+            <a:br>
+              <a:rPr lang="it-IT" sz="2000" b="1" dirty="0">
+                <a:solidFill>
+                  <a:srgbClr val="262626"/>
+                </a:solidFill>
+                <a:latin typeface="Montserrat SemiBold" panose="00000700000000000000" pitchFamily="2" charset="0"/>
+                <a:ea typeface="Times New Roman" panose="02020603050405020304" pitchFamily="18" charset="0"/>
+              </a:rPr>
+            </a:br>
+            <a:br>
+              <a:rPr lang="it-IT" sz="2000" b="1" dirty="0">
+                <a:solidFill>
+                  <a:srgbClr val="262626"/>
+                </a:solidFill>
+                <a:latin typeface="Montserrat SemiBold" panose="00000700000000000000" pitchFamily="2" charset="0"/>
+                <a:ea typeface="Times New Roman" panose="02020603050405020304" pitchFamily="18" charset="0"/>
+              </a:rPr>
+            </a:br>
+            <a:r>
+              <a:rPr lang="it-IT" sz="2000" b="1" dirty="0">
+                <a:solidFill>
+                  <a:srgbClr val="262626"/>
+                </a:solidFill>
+                <a:latin typeface="Montserrat SemiBold" panose="00000700000000000000" pitchFamily="2" charset="0"/>
+                <a:ea typeface="Times New Roman" panose="02020603050405020304" pitchFamily="18" charset="0"/>
+              </a:rPr>
+              <a:t>Inoltre, l’implementazione ha seguito quelli che sono i </a:t>
+            </a:r>
+            <a:r>
+              <a:rPr lang="it-IT" sz="2000" b="1" dirty="0">
+                <a:solidFill>
+                  <a:srgbClr val="50B1E1"/>
+                </a:solidFill>
+                <a:latin typeface="Montserrat SemiBold" panose="00000700000000000000" pitchFamily="2" charset="0"/>
+                <a:ea typeface="Times New Roman" panose="02020603050405020304" pitchFamily="18" charset="0"/>
+              </a:rPr>
+              <a:t>vincoli</a:t>
+            </a:r>
+            <a:r>
+              <a:rPr lang="it-IT" sz="2000" b="1" dirty="0">
+                <a:solidFill>
+                  <a:srgbClr val="262626"/>
+                </a:solidFill>
+                <a:latin typeface="Montserrat SemiBold" panose="00000700000000000000" pitchFamily="2" charset="0"/>
+                <a:ea typeface="Times New Roman" panose="02020603050405020304" pitchFamily="18" charset="0"/>
+              </a:rPr>
+              <a:t> </a:t>
+            </a:r>
+            <a:r>
+              <a:rPr lang="it-IT" sz="2000" b="1" dirty="0">
+                <a:solidFill>
+                  <a:srgbClr val="50B1E1"/>
+                </a:solidFill>
+                <a:latin typeface="Montserrat SemiBold" panose="00000700000000000000" pitchFamily="2" charset="0"/>
+                <a:ea typeface="Times New Roman" panose="02020603050405020304" pitchFamily="18" charset="0"/>
+              </a:rPr>
+              <a:t>implementativi</a:t>
+            </a:r>
+            <a:r>
+              <a:rPr lang="it-IT" sz="2000" b="1" dirty="0">
+                <a:solidFill>
+                  <a:srgbClr val="262626"/>
+                </a:solidFill>
+                <a:latin typeface="Montserrat SemiBold" panose="00000700000000000000" pitchFamily="2" charset="0"/>
+                <a:ea typeface="Times New Roman" panose="02020603050405020304" pitchFamily="18" charset="0"/>
+              </a:rPr>
+              <a:t> di FLY:</a:t>
+            </a:r>
+          </a:p>
+          <a:p>
+            <a:pPr marL="342900" indent="-342900">
+              <a:lnSpc>
+                <a:spcPct val="107000"/>
+              </a:lnSpc>
+              <a:spcAft>
+                <a:spcPts val="800"/>
+              </a:spcAft>
+              <a:buFont typeface="Arial" panose="020B0604020202020204" pitchFamily="34" charset="0"/>
+              <a:buChar char="•"/>
+            </a:pPr>
+            <a:r>
+              <a:rPr lang="it-IT" sz="2000" b="1" dirty="0">
+                <a:solidFill>
+                  <a:srgbClr val="262626"/>
+                </a:solidFill>
+                <a:latin typeface="Montserrat SemiBold" panose="00000700000000000000" pitchFamily="2" charset="0"/>
+                <a:ea typeface="Times New Roman" panose="02020603050405020304" pitchFamily="18" charset="0"/>
+              </a:rPr>
+              <a:t>le nuove implementazioni devono comprendere </a:t>
+            </a:r>
+            <a:r>
+              <a:rPr lang="it-IT" sz="2000" b="1" dirty="0">
+                <a:solidFill>
+                  <a:srgbClr val="50B1E1"/>
+                </a:solidFill>
+                <a:latin typeface="Montserrat SemiBold" panose="00000700000000000000" pitchFamily="2" charset="0"/>
+                <a:ea typeface="Times New Roman" panose="02020603050405020304" pitchFamily="18" charset="0"/>
+              </a:rPr>
+              <a:t>l’integrazione</a:t>
+            </a:r>
+            <a:r>
+              <a:rPr lang="it-IT" sz="2000" b="1" dirty="0">
+                <a:solidFill>
+                  <a:srgbClr val="262626"/>
+                </a:solidFill>
+                <a:latin typeface="Montserrat SemiBold" panose="00000700000000000000" pitchFamily="2" charset="0"/>
+                <a:ea typeface="Times New Roman" panose="02020603050405020304" pitchFamily="18" charset="0"/>
+              </a:rPr>
+              <a:t> con l’ambiente </a:t>
+            </a:r>
+            <a:r>
+              <a:rPr lang="it-IT" sz="2000" b="1" dirty="0">
+                <a:solidFill>
+                  <a:srgbClr val="50B1E1"/>
+                </a:solidFill>
+                <a:latin typeface="Montserrat SemiBold" panose="00000700000000000000" pitchFamily="2" charset="0"/>
+                <a:ea typeface="Times New Roman" panose="02020603050405020304" pitchFamily="18" charset="0"/>
+              </a:rPr>
+              <a:t>Cloud</a:t>
+            </a:r>
+            <a:r>
+              <a:rPr lang="it-IT" sz="2000" b="1" dirty="0">
+                <a:solidFill>
+                  <a:srgbClr val="262626"/>
+                </a:solidFill>
+                <a:latin typeface="Montserrat SemiBold" panose="00000700000000000000" pitchFamily="2" charset="0"/>
+                <a:ea typeface="Times New Roman" panose="02020603050405020304" pitchFamily="18" charset="0"/>
+              </a:rPr>
+              <a:t>;</a:t>
+            </a:r>
+          </a:p>
+          <a:p>
+            <a:pPr marL="342900" indent="-342900">
+              <a:lnSpc>
+                <a:spcPct val="107000"/>
+              </a:lnSpc>
+              <a:spcAft>
+                <a:spcPts val="800"/>
+              </a:spcAft>
+              <a:buFont typeface="Arial" panose="020B0604020202020204" pitchFamily="34" charset="0"/>
+              <a:buChar char="•"/>
+            </a:pPr>
+            <a:r>
+              <a:rPr lang="it-IT" sz="2000" b="1" dirty="0">
+                <a:solidFill>
+                  <a:srgbClr val="262626"/>
+                </a:solidFill>
+                <a:latin typeface="Montserrat SemiBold" panose="00000700000000000000" pitchFamily="2" charset="0"/>
+                <a:ea typeface="Times New Roman" panose="02020603050405020304" pitchFamily="18" charset="0"/>
+              </a:rPr>
+              <a:t>la </a:t>
+            </a:r>
+            <a:r>
+              <a:rPr lang="it-IT" sz="2000" b="1" dirty="0">
+                <a:solidFill>
+                  <a:srgbClr val="50B1E1"/>
+                </a:solidFill>
+                <a:latin typeface="Montserrat SemiBold" panose="00000700000000000000" pitchFamily="2" charset="0"/>
+                <a:ea typeface="Times New Roman" panose="02020603050405020304" pitchFamily="18" charset="0"/>
+              </a:rPr>
+              <a:t>sintassi</a:t>
+            </a:r>
+            <a:r>
+              <a:rPr lang="it-IT" sz="2000" b="1" dirty="0">
+                <a:solidFill>
+                  <a:srgbClr val="262626"/>
+                </a:solidFill>
+                <a:latin typeface="Montserrat SemiBold" panose="00000700000000000000" pitchFamily="2" charset="0"/>
+                <a:ea typeface="Times New Roman" panose="02020603050405020304" pitchFamily="18" charset="0"/>
+              </a:rPr>
+              <a:t> necessaria per </a:t>
+            </a:r>
+            <a:r>
+              <a:rPr lang="it-IT" sz="2000" b="1" dirty="0">
+                <a:solidFill>
+                  <a:srgbClr val="50B1E1"/>
+                </a:solidFill>
+                <a:latin typeface="Montserrat SemiBold" panose="00000700000000000000" pitchFamily="2" charset="0"/>
+                <a:ea typeface="Times New Roman" panose="02020603050405020304" pitchFamily="18" charset="0"/>
+              </a:rPr>
+              <a:t>interagire</a:t>
+            </a:r>
+            <a:r>
+              <a:rPr lang="it-IT" sz="2000" b="1" dirty="0">
+                <a:solidFill>
+                  <a:srgbClr val="262626"/>
+                </a:solidFill>
+                <a:latin typeface="Montserrat SemiBold" panose="00000700000000000000" pitchFamily="2" charset="0"/>
+                <a:ea typeface="Times New Roman" panose="02020603050405020304" pitchFamily="18" charset="0"/>
+              </a:rPr>
+              <a:t> con i diversi </a:t>
+            </a:r>
+            <a:r>
+              <a:rPr lang="it-IT" sz="2000" b="1" dirty="0">
+                <a:solidFill>
+                  <a:srgbClr val="50B1E1"/>
+                </a:solidFill>
+                <a:latin typeface="Montserrat SemiBold" panose="00000700000000000000" pitchFamily="2" charset="0"/>
+                <a:ea typeface="Times New Roman" panose="02020603050405020304" pitchFamily="18" charset="0"/>
+              </a:rPr>
+              <a:t>servizi</a:t>
+            </a:r>
+            <a:r>
+              <a:rPr lang="it-IT" sz="2000" b="1" dirty="0">
+                <a:solidFill>
+                  <a:srgbClr val="262626"/>
+                </a:solidFill>
+                <a:latin typeface="Montserrat SemiBold" panose="00000700000000000000" pitchFamily="2" charset="0"/>
+                <a:ea typeface="Times New Roman" panose="02020603050405020304" pitchFamily="18" charset="0"/>
+              </a:rPr>
+              <a:t> deve essere </a:t>
+            </a:r>
+            <a:r>
+              <a:rPr lang="it-IT" sz="2000" b="1" dirty="0">
+                <a:solidFill>
+                  <a:srgbClr val="50B1E1"/>
+                </a:solidFill>
+                <a:latin typeface="Montserrat SemiBold" panose="00000700000000000000" pitchFamily="2" charset="0"/>
+                <a:ea typeface="Times New Roman" panose="02020603050405020304" pitchFamily="18" charset="0"/>
+              </a:rPr>
+              <a:t>indipendente</a:t>
+            </a:r>
+            <a:r>
+              <a:rPr lang="it-IT" sz="2000" b="1" dirty="0">
+                <a:solidFill>
+                  <a:srgbClr val="262626"/>
+                </a:solidFill>
+                <a:latin typeface="Montserrat SemiBold" panose="00000700000000000000" pitchFamily="2" charset="0"/>
+                <a:ea typeface="Times New Roman" panose="02020603050405020304" pitchFamily="18" charset="0"/>
+              </a:rPr>
+              <a:t> dalla loro </a:t>
+            </a:r>
+            <a:r>
+              <a:rPr lang="it-IT" sz="2000" b="1" dirty="0">
+                <a:solidFill>
+                  <a:srgbClr val="50B1E1"/>
+                </a:solidFill>
+                <a:latin typeface="Montserrat SemiBold" panose="00000700000000000000" pitchFamily="2" charset="0"/>
+                <a:ea typeface="Times New Roman" panose="02020603050405020304" pitchFamily="18" charset="0"/>
+              </a:rPr>
+              <a:t>distribuzione</a:t>
+            </a:r>
+            <a:r>
+              <a:rPr lang="it-IT" sz="2000" b="1" dirty="0">
+                <a:solidFill>
+                  <a:srgbClr val="262626"/>
+                </a:solidFill>
+                <a:latin typeface="Montserrat SemiBold" panose="00000700000000000000" pitchFamily="2" charset="0"/>
+                <a:ea typeface="Times New Roman" panose="02020603050405020304" pitchFamily="18" charset="0"/>
+              </a:rPr>
+              <a:t>.</a:t>
+            </a:r>
+          </a:p>
+        </p:txBody>
+      </p:sp>
     </p:spTree>
     <p:extLst>
       <p:ext uri="{BB962C8B-B14F-4D97-AF65-F5344CB8AC3E}">
@@ -8475,8 +9355,8 @@
         </p:nvSpPr>
         <p:spPr>
           <a:xfrm>
-            <a:off x="781290" y="1385082"/>
-            <a:ext cx="5314710" cy="4786439"/>
+            <a:off x="781290" y="1283350"/>
+            <a:ext cx="5314710" cy="4991623"/>
           </a:xfrm>
           <a:prstGeom prst="rect">
             <a:avLst/>
@@ -8656,59 +9536,67 @@
               </a:rPr>
               <a:t>.</a:t>
             </a:r>
-            <a:br>
-              <a:rPr lang="it-IT" sz="2000" dirty="0">
-                <a:solidFill>
-                  <a:srgbClr val="262626"/>
-                </a:solidFill>
-                <a:latin typeface="Montserrat SemiBold" panose="00000700000000000000" pitchFamily="2" charset="0"/>
-                <a:ea typeface="Times New Roman" panose="02020603050405020304" pitchFamily="18" charset="0"/>
-              </a:rPr>
-            </a:br>
-            <a:br>
-              <a:rPr lang="it-IT" sz="2000" dirty="0">
-                <a:solidFill>
-                  <a:srgbClr val="262626"/>
-                </a:solidFill>
-                <a:latin typeface="Montserrat SemiBold" panose="00000700000000000000" pitchFamily="2" charset="0"/>
-                <a:ea typeface="Times New Roman" panose="02020603050405020304" pitchFamily="18" charset="0"/>
-              </a:rPr>
-            </a:br>
-            <a:r>
-              <a:rPr lang="it-IT" sz="2000" dirty="0">
-                <a:solidFill>
-                  <a:srgbClr val="262626"/>
-                </a:solidFill>
-                <a:latin typeface="Montserrat SemiBold" panose="00000700000000000000" pitchFamily="2" charset="0"/>
-                <a:ea typeface="Times New Roman" panose="02020603050405020304" pitchFamily="18" charset="0"/>
-              </a:rPr>
-              <a:t>L’aumento della mole di dati e la velocità con cui essi vengono prodotti ha determinato la nascita dei </a:t>
-            </a:r>
-            <a:r>
-              <a:rPr lang="it-IT" sz="2000" dirty="0">
-                <a:solidFill>
-                  <a:srgbClr val="50B1E1"/>
-                </a:solidFill>
-                <a:latin typeface="Montserrat SemiBold" panose="00000700000000000000" pitchFamily="2" charset="0"/>
-                <a:ea typeface="Times New Roman" panose="02020603050405020304" pitchFamily="18" charset="0"/>
-              </a:rPr>
-              <a:t>database non relazionali</a:t>
-            </a:r>
-            <a:r>
-              <a:rPr lang="it-IT" sz="2000" dirty="0">
-                <a:solidFill>
-                  <a:srgbClr val="262626"/>
-                </a:solidFill>
-                <a:latin typeface="Montserrat SemiBold" panose="00000700000000000000" pitchFamily="2" charset="0"/>
-                <a:ea typeface="Times New Roman" panose="02020603050405020304" pitchFamily="18" charset="0"/>
-              </a:rPr>
-              <a:t>.</a:t>
-            </a:r>
+          </a:p>
+          <a:p>
+            <a:pPr>
+              <a:lnSpc>
+                <a:spcPct val="107000"/>
+              </a:lnSpc>
+              <a:spcAft>
+                <a:spcPts val="800"/>
+              </a:spcAft>
+            </a:pPr>
             <a:endParaRPr lang="it-IT" sz="2000" dirty="0">
               <a:solidFill>
-                <a:srgbClr val="0D0D0D"/>
+                <a:srgbClr val="262626"/>
               </a:solidFill>
-              <a:effectLst/>
+              <a:latin typeface="Montserrat SemiBold" panose="00000700000000000000" pitchFamily="2" charset="0"/>
+              <a:ea typeface="Times New Roman" panose="02020603050405020304" pitchFamily="18" charset="0"/>
+            </a:endParaRPr>
+          </a:p>
+          <a:p>
+            <a:pPr>
+              <a:lnSpc>
+                <a:spcPct val="107000"/>
+              </a:lnSpc>
+              <a:spcAft>
+                <a:spcPts val="800"/>
+              </a:spcAft>
+            </a:pPr>
+            <a:r>
+              <a:rPr lang="it-IT" sz="2000" dirty="0">
+                <a:solidFill>
+                  <a:srgbClr val="262626"/>
+                </a:solidFill>
+                <a:latin typeface="Montserrat SemiBold" panose="00000700000000000000" pitchFamily="2" charset="0"/>
+                <a:ea typeface="Times New Roman" panose="02020603050405020304" pitchFamily="18" charset="0"/>
+              </a:rPr>
+              <a:t>L’aumento della mole di dati e la velocità con cui essi vengono prodotti ha determinato la nascita dei </a:t>
+            </a:r>
+            <a:r>
+              <a:rPr lang="it-IT" sz="2000" dirty="0">
+                <a:solidFill>
+                  <a:srgbClr val="50B1E1"/>
+                </a:solidFill>
+                <a:latin typeface="Montserrat SemiBold" panose="00000700000000000000" pitchFamily="2" charset="0"/>
+                <a:ea typeface="Times New Roman" panose="02020603050405020304" pitchFamily="18" charset="0"/>
+              </a:rPr>
+              <a:t>database non relazionali</a:t>
+            </a:r>
+            <a:r>
+              <a:rPr lang="it-IT" sz="2000" dirty="0">
+                <a:solidFill>
+                  <a:srgbClr val="262626"/>
+                </a:solidFill>
+                <a:latin typeface="Montserrat SemiBold" panose="00000700000000000000" pitchFamily="2" charset="0"/>
+                <a:ea typeface="Times New Roman" panose="02020603050405020304" pitchFamily="18" charset="0"/>
+              </a:rPr>
+              <a:t>.</a:t>
+            </a:r>
+            <a:endParaRPr lang="it-IT" sz="2000" b="1" dirty="0">
+              <a:solidFill>
+                <a:srgbClr val="262626"/>
+              </a:solidFill>
               <a:latin typeface="Montserrat SemiBold" panose="00000700000000000000" pitchFamily="2" charset="0"/>
               <a:ea typeface="Times New Roman" panose="02020603050405020304" pitchFamily="18" charset="0"/>
             </a:endParaRPr>
@@ -8792,7 +9680,7 @@
         </p:blipFill>
         <p:spPr>
           <a:xfrm>
-            <a:off x="6946085" y="966096"/>
+            <a:off x="6844485" y="1385082"/>
             <a:ext cx="3726394" cy="3726394"/>
           </a:xfrm>
           <a:prstGeom prst="rect">
@@ -9045,8 +9933,8 @@
         </p:nvSpPr>
         <p:spPr>
           <a:xfrm>
-            <a:off x="714135" y="1807787"/>
-            <a:ext cx="5314710" cy="3242426"/>
+            <a:off x="617149" y="1313805"/>
+            <a:ext cx="5314710" cy="4230389"/>
           </a:xfrm>
           <a:prstGeom prst="rect">
             <a:avLst/>
@@ -9075,27 +9963,7 @@
                 <a:latin typeface="Montserrat SemiBold" panose="00000700000000000000" pitchFamily="2" charset="0"/>
                 <a:ea typeface="Times New Roman" panose="02020603050405020304" pitchFamily="18" charset="0"/>
               </a:rPr>
-              <a:t>I </a:t>
-            </a:r>
-            <a:r>
-              <a:rPr lang="it-IT" sz="2000" b="1" dirty="0">
-                <a:solidFill>
-                  <a:srgbClr val="50B1E1"/>
-                </a:solidFill>
-                <a:latin typeface="Montserrat SemiBold" panose="00000700000000000000" pitchFamily="2" charset="0"/>
-                <a:ea typeface="Times New Roman" panose="02020603050405020304" pitchFamily="18" charset="0"/>
-              </a:rPr>
-              <a:t>database non relazionali</a:t>
-            </a:r>
-            <a:r>
-              <a:rPr lang="it-IT" sz="2000" b="1" dirty="0">
-                <a:solidFill>
-                  <a:srgbClr val="262626"/>
-                </a:solidFill>
-                <a:latin typeface="Montserrat SemiBold" panose="00000700000000000000" pitchFamily="2" charset="0"/>
-                <a:ea typeface="Times New Roman" panose="02020603050405020304" pitchFamily="18" charset="0"/>
-              </a:rPr>
-              <a:t>, anche chiamati </a:t>
+              <a:t>I database non relazionali, anche chiamati </a:t>
             </a:r>
             <a:r>
               <a:rPr lang="it-IT" sz="2000" b="1" dirty="0">
@@ -9145,42 +10013,95 @@
               </a:spcAft>
             </a:pPr>
             <a:r>
-              <a:rPr lang="it-IT" sz="2000" dirty="0">
-                <a:solidFill>
-                  <a:srgbClr val="0D0D0D"/>
-                </a:solidFill>
-                <a:latin typeface="Montserrat SemiBold" panose="00000700000000000000" pitchFamily="2" charset="0"/>
-                <a:ea typeface="Times New Roman" panose="02020603050405020304" pitchFamily="18" charset="0"/>
-              </a:rPr>
-              <a:t>I database NoSQL offrono una soluzione molto più </a:t>
-            </a:r>
-            <a:r>
-              <a:rPr lang="it-IT" sz="2000" dirty="0">
+              <a:rPr lang="it-IT" sz="2000" b="1" dirty="0">
+                <a:solidFill>
+                  <a:srgbClr val="262626"/>
+                </a:solidFill>
+                <a:latin typeface="Montserrat SemiBold" panose="00000700000000000000" pitchFamily="2" charset="0"/>
+                <a:ea typeface="Times New Roman" panose="02020603050405020304" pitchFamily="18" charset="0"/>
+              </a:rPr>
+              <a:t>La </a:t>
+            </a:r>
+            <a:r>
+              <a:rPr lang="it-IT" sz="2000" b="1" dirty="0">
                 <a:solidFill>
                   <a:srgbClr val="50B1E1"/>
                 </a:solidFill>
                 <a:latin typeface="Montserrat SemiBold" panose="00000700000000000000" pitchFamily="2" charset="0"/>
                 <a:ea typeface="Times New Roman" panose="02020603050405020304" pitchFamily="18" charset="0"/>
               </a:rPr>
-              <a:t>scalabile</a:t>
-            </a:r>
-            <a:r>
-              <a:rPr lang="it-IT" sz="2000" dirty="0">
-                <a:solidFill>
-                  <a:srgbClr val="0D0D0D"/>
-                </a:solidFill>
-                <a:latin typeface="Montserrat SemiBold" panose="00000700000000000000" pitchFamily="2" charset="0"/>
-                <a:ea typeface="Times New Roman" panose="02020603050405020304" pitchFamily="18" charset="0"/>
-              </a:rPr>
-              <a:t> grazie alla scalabilità orizzontale.</a:t>
-            </a:r>
-            <a:endParaRPr lang="it-IT" sz="2000" b="1" dirty="0">
-              <a:solidFill>
-                <a:srgbClr val="262626"/>
-              </a:solidFill>
-              <a:latin typeface="Montserrat SemiBold" panose="00000700000000000000" pitchFamily="2" charset="0"/>
-              <a:ea typeface="Times New Roman" panose="02020603050405020304" pitchFamily="18" charset="0"/>
-            </a:endParaRPr>
+              <a:t>soluzione</a:t>
+            </a:r>
+            <a:r>
+              <a:rPr lang="it-IT" sz="2000" b="1" dirty="0">
+                <a:solidFill>
+                  <a:srgbClr val="262626"/>
+                </a:solidFill>
+                <a:latin typeface="Montserrat SemiBold" panose="00000700000000000000" pitchFamily="2" charset="0"/>
+                <a:ea typeface="Times New Roman" panose="02020603050405020304" pitchFamily="18" charset="0"/>
+              </a:rPr>
+              <a:t> offerta dai database NoSQL risulta essere molto </a:t>
+            </a:r>
+            <a:r>
+              <a:rPr lang="it-IT" sz="2000" b="1" dirty="0">
+                <a:solidFill>
+                  <a:srgbClr val="50B1E1"/>
+                </a:solidFill>
+                <a:latin typeface="Montserrat SemiBold" panose="00000700000000000000" pitchFamily="2" charset="0"/>
+                <a:ea typeface="Times New Roman" panose="02020603050405020304" pitchFamily="18" charset="0"/>
+              </a:rPr>
+              <a:t>vantaggiosa</a:t>
+            </a:r>
+            <a:r>
+              <a:rPr lang="it-IT" sz="2000" b="1" dirty="0">
+                <a:solidFill>
+                  <a:srgbClr val="262626"/>
+                </a:solidFill>
+                <a:latin typeface="Montserrat SemiBold" panose="00000700000000000000" pitchFamily="2" charset="0"/>
+                <a:ea typeface="Times New Roman" panose="02020603050405020304" pitchFamily="18" charset="0"/>
+              </a:rPr>
+              <a:t> per ambiti come il Calcolo Scientifico, per questo è risultato necessario </a:t>
+            </a:r>
+            <a:r>
+              <a:rPr lang="it-IT" sz="2000" b="1" dirty="0">
+                <a:solidFill>
+                  <a:srgbClr val="50B1E1"/>
+                </a:solidFill>
+                <a:latin typeface="Montserrat SemiBold" panose="00000700000000000000" pitchFamily="2" charset="0"/>
+                <a:ea typeface="Times New Roman" panose="02020603050405020304" pitchFamily="18" charset="0"/>
+              </a:rPr>
+              <a:t>implementare un supporto ai database NoSQL </a:t>
+            </a:r>
+            <a:r>
+              <a:rPr lang="it-IT" sz="2000" b="1" dirty="0">
+                <a:solidFill>
+                  <a:srgbClr val="262626"/>
+                </a:solidFill>
+                <a:latin typeface="Montserrat SemiBold" panose="00000700000000000000" pitchFamily="2" charset="0"/>
+                <a:ea typeface="Times New Roman" panose="02020603050405020304" pitchFamily="18" charset="0"/>
+              </a:rPr>
+              <a:t>all’interno di </a:t>
+            </a:r>
+            <a:r>
+              <a:rPr lang="it-IT" sz="2000" b="1" dirty="0">
+                <a:solidFill>
+                  <a:srgbClr val="50B1E1"/>
+                </a:solidFill>
+                <a:latin typeface="Montserrat SemiBold" panose="00000700000000000000" pitchFamily="2" charset="0"/>
+                <a:ea typeface="Times New Roman" panose="02020603050405020304" pitchFamily="18" charset="0"/>
+              </a:rPr>
+              <a:t>FLY</a:t>
+            </a:r>
+            <a:r>
+              <a:rPr lang="it-IT" sz="2000" b="1" dirty="0">
+                <a:solidFill>
+                  <a:srgbClr val="262626"/>
+                </a:solidFill>
+                <a:latin typeface="Montserrat SemiBold" panose="00000700000000000000" pitchFamily="2" charset="0"/>
+                <a:ea typeface="Times New Roman" panose="02020603050405020304" pitchFamily="18" charset="0"/>
+              </a:rPr>
+              <a:t>.</a:t>
+            </a:r>
           </a:p>
         </p:txBody>
       </p:sp>
@@ -9946,7 +10867,7 @@
                   </a:schemeClr>
                 </a:solidFill>
               </a:rPr>
-              <a:t>Costrutti</a:t>
+              <a:t>Stabilire una</a:t>
             </a:r>
           </a:p>
           <a:p>
@@ -9960,7 +10881,7 @@
                   </a:schemeClr>
                 </a:solidFill>
               </a:rPr>
-              <a:t>implementati</a:t>
+              <a:t>connessione ad un cluster</a:t>
             </a:r>
           </a:p>
         </p:txBody>
@@ -10028,8 +10949,8 @@
         </p:nvSpPr>
         <p:spPr>
           <a:xfrm>
-            <a:off x="1669255" y="2552920"/>
-            <a:ext cx="8839719" cy="619021"/>
+            <a:off x="663851" y="2552920"/>
+            <a:ext cx="11113282" cy="619021"/>
           </a:xfrm>
           <a:prstGeom prst="rect">
             <a:avLst/>
@@ -10080,7 +11001,7 @@
         </p:nvSpPr>
         <p:spPr>
           <a:xfrm>
-            <a:off x="446224" y="2661093"/>
+            <a:off x="663851" y="2661093"/>
             <a:ext cx="11299549" cy="402674"/>
           </a:xfrm>
           <a:prstGeom prst="rect">
@@ -10110,7 +11031,7 @@
                 <a:latin typeface="Montserrat" panose="00000500000000000000"/>
                 <a:ea typeface="Times New Roman" panose="02020603050405020304" pitchFamily="18" charset="0"/>
               </a:rPr>
-              <a:t>var db = [</a:t>
+              <a:t>var dbAWS = [</a:t>
             </a:r>
             <a:r>
               <a:rPr lang="it-IT" sz="2000" dirty="0">
@@ -10170,7 +11091,7 @@
                 <a:latin typeface="Montserrat" panose="00000500000000000000"/>
                 <a:ea typeface="Times New Roman" panose="02020603050405020304" pitchFamily="18" charset="0"/>
               </a:rPr>
-              <a:t> = ‘…’, </a:t>
+              <a:t> = ‘documentdb’, </a:t>
             </a:r>
             <a:r>
               <a:rPr lang="it-IT" sz="2000" dirty="0">
@@ -10225,10 +11146,10 @@
       </p:sp>
       <p:sp>
         <p:nvSpPr>
-          <p:cNvPr id="13" name="CasellaDiTesto 12">
-            <a:extLst>
-              <a:ext uri="{FF2B5EF4-FFF2-40B4-BE49-F238E27FC236}">
-                <a16:creationId xmlns:a16="http://schemas.microsoft.com/office/drawing/2014/main" id="{97357509-53E8-4FBA-BC68-BFC79D7F2228}"/>
+          <p:cNvPr id="17" name="CasellaDiTesto 16">
+            <a:extLst>
+              <a:ext uri="{FF2B5EF4-FFF2-40B4-BE49-F238E27FC236}">
+                <a16:creationId xmlns:a16="http://schemas.microsoft.com/office/drawing/2014/main" id="{DDA96783-D283-4203-9841-62E0F7F911DD}"/>
               </a:ext>
             </a:extLst>
           </p:cNvPr>
@@ -10237,8 +11158,8 @@
         </p:nvSpPr>
         <p:spPr>
           <a:xfrm>
-            <a:off x="1669255" y="4816642"/>
-            <a:ext cx="9696554" cy="1015663"/>
+            <a:off x="1387852" y="1635653"/>
+            <a:ext cx="9553784" cy="707886"/>
           </a:xfrm>
           <a:prstGeom prst="rect">
             <a:avLst/>
@@ -10251,134 +11172,36 @@
           </a:bodyPr>
           <a:lstStyle/>
           <a:p>
+            <a:pPr algn="ctr"/>
             <a:r>
               <a:rPr lang="it-IT" sz="2000" dirty="0">
                 <a:solidFill>
                   <a:srgbClr val="262626"/>
                 </a:solidFill>
-                <a:latin typeface="Montserrat" panose="00000500000000000000"/>
-                <a:ea typeface="Times New Roman" panose="02020603050405020304" pitchFamily="18" charset="0"/>
-              </a:rPr>
-              <a:t>var query = [</a:t>
+                <a:latin typeface="Montserrat SemiBold" panose="00000700000000000000" pitchFamily="2" charset="0"/>
+                <a:ea typeface="Times New Roman" panose="02020603050405020304" pitchFamily="18" charset="0"/>
+              </a:rPr>
+              <a:t>Per permettere all’utente di stabilire una connessione ad un database MongoDB è stata implementato all’interno di FLY l’entità </a:t>
+            </a:r>
+            <a:r>
+              <a:rPr lang="it-IT" sz="2000" b="1" dirty="0">
+                <a:solidFill>
+                  <a:srgbClr val="50B1E1"/>
+                </a:solidFill>
+                <a:latin typeface="Montserrat SemiBold" panose="00000700000000000000" pitchFamily="2" charset="0"/>
+                <a:ea typeface="Times New Roman" panose="02020603050405020304" pitchFamily="18" charset="0"/>
+              </a:rPr>
+              <a:t>nosql</a:t>
             </a:r>
             <a:r>
               <a:rPr lang="it-IT" sz="2000" dirty="0">
                 <a:solidFill>
-                  <a:srgbClr val="50B1E1"/>
-                </a:solidFill>
-                <a:latin typeface="Montserrat" panose="00000500000000000000"/>
-                <a:ea typeface="Times New Roman" panose="02020603050405020304" pitchFamily="18" charset="0"/>
-              </a:rPr>
-              <a:t>type</a:t>
-            </a:r>
-            <a:r>
-              <a:rPr lang="it-IT" sz="2000" dirty="0">
-                <a:solidFill>
                   <a:srgbClr val="262626"/>
                 </a:solidFill>
-                <a:latin typeface="Montserrat" panose="00000500000000000000"/>
-                <a:ea typeface="Times New Roman" panose="02020603050405020304" pitchFamily="18" charset="0"/>
-              </a:rPr>
-              <a:t> = ‘</a:t>
-            </a:r>
-            <a:r>
-              <a:rPr lang="it-IT" sz="2000" b="1" dirty="0">
-                <a:solidFill>
-                  <a:srgbClr val="262626"/>
-                </a:solidFill>
-                <a:latin typeface="Montserrat" panose="00000500000000000000"/>
-                <a:ea typeface="Times New Roman" panose="02020603050405020304" pitchFamily="18" charset="0"/>
-              </a:rPr>
-              <a:t>query</a:t>
-            </a:r>
-            <a:r>
-              <a:rPr lang="it-IT" sz="2000" dirty="0">
-                <a:solidFill>
-                  <a:srgbClr val="262626"/>
-                </a:solidFill>
-                <a:latin typeface="Montserrat" panose="00000500000000000000"/>
-                <a:ea typeface="Times New Roman" panose="02020603050405020304" pitchFamily="18" charset="0"/>
-              </a:rPr>
-              <a:t>’, </a:t>
-            </a:r>
-            <a:r>
-              <a:rPr lang="it-IT" sz="2000" dirty="0">
-                <a:solidFill>
-                  <a:srgbClr val="50B1E1"/>
-                </a:solidFill>
-                <a:latin typeface="Montserrat" panose="00000500000000000000"/>
-                <a:ea typeface="Times New Roman" panose="02020603050405020304" pitchFamily="18" charset="0"/>
-              </a:rPr>
-              <a:t>query_type </a:t>
-            </a:r>
-            <a:r>
-              <a:rPr lang="it-IT" sz="2000" dirty="0">
-                <a:solidFill>
-                  <a:srgbClr val="262626"/>
-                </a:solidFill>
-                <a:latin typeface="Montserrat" panose="00000500000000000000"/>
-                <a:ea typeface="Times New Roman" panose="02020603050405020304" pitchFamily="18" charset="0"/>
-              </a:rPr>
-              <a:t>= ‘…’, </a:t>
-            </a:r>
-            <a:r>
-              <a:rPr lang="it-IT" sz="2000" dirty="0">
-                <a:solidFill>
-                  <a:srgbClr val="50B1E1"/>
-                </a:solidFill>
-                <a:latin typeface="Montserrat" panose="00000500000000000000"/>
-                <a:ea typeface="Times New Roman" panose="02020603050405020304" pitchFamily="18" charset="0"/>
-              </a:rPr>
-              <a:t>database</a:t>
-            </a:r>
-            <a:r>
-              <a:rPr lang="it-IT" sz="2000" dirty="0">
-                <a:solidFill>
-                  <a:srgbClr val="262626"/>
-                </a:solidFill>
-                <a:latin typeface="Montserrat" panose="00000500000000000000"/>
-                <a:ea typeface="Times New Roman" panose="02020603050405020304" pitchFamily="18" charset="0"/>
-              </a:rPr>
-              <a:t> = db, </a:t>
-            </a:r>
-            <a:r>
-              <a:rPr lang="it-IT" sz="2000" dirty="0">
-                <a:solidFill>
-                  <a:srgbClr val="50B1E1"/>
-                </a:solidFill>
-                <a:latin typeface="Montserrat" panose="00000500000000000000"/>
-                <a:ea typeface="Times New Roman" panose="02020603050405020304" pitchFamily="18" charset="0"/>
-              </a:rPr>
-              <a:t>query</a:t>
-            </a:r>
-            <a:r>
-              <a:rPr lang="it-IT" sz="2000" dirty="0">
-                <a:solidFill>
-                  <a:srgbClr val="262626"/>
-                </a:solidFill>
-                <a:latin typeface="Montserrat" panose="00000500000000000000"/>
-                <a:ea typeface="Times New Roman" panose="02020603050405020304" pitchFamily="18" charset="0"/>
-              </a:rPr>
-              <a:t> = ‘…’]</a:t>
-            </a:r>
-          </a:p>
-          <a:p>
-            <a:endParaRPr lang="it-IT" sz="2000" dirty="0">
-              <a:solidFill>
-                <a:srgbClr val="262626"/>
-              </a:solidFill>
-              <a:latin typeface="Montserrat" panose="00000500000000000000"/>
-            </a:endParaRPr>
-          </a:p>
-          <a:p>
-            <a:r>
-              <a:rPr lang="it-IT" sz="2000" dirty="0">
-                <a:solidFill>
-                  <a:srgbClr val="262626"/>
-                </a:solidFill>
-                <a:latin typeface="Montserrat" panose="00000500000000000000"/>
-              </a:rPr>
-              <a:t>query.execute()</a:t>
+                <a:latin typeface="Montserrat SemiBold" panose="00000700000000000000" pitchFamily="2" charset="0"/>
+                <a:ea typeface="Times New Roman" panose="02020603050405020304" pitchFamily="18" charset="0"/>
+              </a:rPr>
+              <a:t>.</a:t>
             </a:r>
             <a:endParaRPr lang="it-IT" sz="2000" dirty="0"/>
           </a:p>
@@ -10386,10 +11209,10 @@
       </p:sp>
       <p:sp>
         <p:nvSpPr>
-          <p:cNvPr id="15" name="Rettangolo 14">
-            <a:extLst>
-              <a:ext uri="{FF2B5EF4-FFF2-40B4-BE49-F238E27FC236}">
-                <a16:creationId xmlns:a16="http://schemas.microsoft.com/office/drawing/2014/main" id="{75AD3603-E612-4FAA-9369-4ED437D271BE}"/>
+          <p:cNvPr id="18" name="Rettangolo 17">
+            <a:extLst>
+              <a:ext uri="{FF2B5EF4-FFF2-40B4-BE49-F238E27FC236}">
+                <a16:creationId xmlns:a16="http://schemas.microsoft.com/office/drawing/2014/main" id="{EA52CB0B-12EA-473F-8A06-C7E923E9C44B}"/>
               </a:ext>
             </a:extLst>
           </p:cNvPr>
@@ -10398,8 +11221,8 @@
         </p:nvSpPr>
         <p:spPr>
           <a:xfrm>
-            <a:off x="1568723" y="4695772"/>
-            <a:ext cx="9192042" cy="1257404"/>
+            <a:off x="663851" y="4847387"/>
+            <a:ext cx="11113282" cy="619021"/>
           </a:xfrm>
           <a:prstGeom prst="rect">
             <a:avLst/>
@@ -10438,10 +11261,10 @@
       </p:sp>
       <p:sp>
         <p:nvSpPr>
-          <p:cNvPr id="16" name="CasellaDiTesto 15">
-            <a:extLst>
-              <a:ext uri="{FF2B5EF4-FFF2-40B4-BE49-F238E27FC236}">
-                <a16:creationId xmlns:a16="http://schemas.microsoft.com/office/drawing/2014/main" id="{5C7208D5-75AA-4027-9126-97D32678D09A}"/>
+          <p:cNvPr id="19" name="CasellaDiTesto 18">
+            <a:extLst>
+              <a:ext uri="{FF2B5EF4-FFF2-40B4-BE49-F238E27FC236}">
+                <a16:creationId xmlns:a16="http://schemas.microsoft.com/office/drawing/2014/main" id="{A7F99112-2795-4D39-983A-B4A294522BCF}"/>
               </a:ext>
             </a:extLst>
           </p:cNvPr>
@@ -10450,7 +11273,164 @@
         </p:nvSpPr>
         <p:spPr>
           <a:xfrm>
-            <a:off x="1319106" y="3799543"/>
+            <a:off x="663851" y="4955560"/>
+            <a:ext cx="11299549" cy="402674"/>
+          </a:xfrm>
+          <a:prstGeom prst="rect">
+            <a:avLst/>
+          </a:prstGeom>
+          <a:noFill/>
+        </p:spPr>
+        <p:txBody>
+          <a:bodyPr wrap="square">
+            <a:spAutoFit/>
+          </a:bodyPr>
+          <a:lstStyle/>
+          <a:p>
+            <a:pPr algn="ctr">
+              <a:lnSpc>
+                <a:spcPct val="107000"/>
+              </a:lnSpc>
+              <a:spcAft>
+                <a:spcPts val="800"/>
+              </a:spcAft>
+            </a:pPr>
+            <a:r>
+              <a:rPr lang="it-IT" sz="2000" dirty="0">
+                <a:solidFill>
+                  <a:srgbClr val="262626"/>
+                </a:solidFill>
+                <a:latin typeface="Montserrat" panose="00000500000000000000"/>
+                <a:ea typeface="Times New Roman" panose="02020603050405020304" pitchFamily="18" charset="0"/>
+              </a:rPr>
+              <a:t>var dbAZURE = [</a:t>
+            </a:r>
+            <a:r>
+              <a:rPr lang="it-IT" sz="2000" dirty="0">
+                <a:solidFill>
+                  <a:srgbClr val="50B1E1"/>
+                </a:solidFill>
+                <a:latin typeface="Montserrat" panose="00000500000000000000"/>
+                <a:ea typeface="Times New Roman" panose="02020603050405020304" pitchFamily="18" charset="0"/>
+              </a:rPr>
+              <a:t>type</a:t>
+            </a:r>
+            <a:r>
+              <a:rPr lang="it-IT" sz="2000" dirty="0">
+                <a:solidFill>
+                  <a:srgbClr val="262626"/>
+                </a:solidFill>
+                <a:latin typeface="Montserrat" panose="00000500000000000000"/>
+                <a:ea typeface="Times New Roman" panose="02020603050405020304" pitchFamily="18" charset="0"/>
+              </a:rPr>
+              <a:t> = ‘</a:t>
+            </a:r>
+            <a:r>
+              <a:rPr lang="it-IT" sz="2000" b="1" dirty="0">
+                <a:solidFill>
+                  <a:srgbClr val="262626"/>
+                </a:solidFill>
+                <a:latin typeface="Montserrat" panose="00000500000000000000"/>
+                <a:ea typeface="Times New Roman" panose="02020603050405020304" pitchFamily="18" charset="0"/>
+              </a:rPr>
+              <a:t>nosql</a:t>
+            </a:r>
+            <a:r>
+              <a:rPr lang="it-IT" sz="2000" dirty="0">
+                <a:solidFill>
+                  <a:srgbClr val="262626"/>
+                </a:solidFill>
+                <a:latin typeface="Montserrat" panose="00000500000000000000"/>
+                <a:ea typeface="Times New Roman" panose="02020603050405020304" pitchFamily="18" charset="0"/>
+              </a:rPr>
+              <a:t>’, </a:t>
+            </a:r>
+            <a:r>
+              <a:rPr lang="it-IT" sz="2000" dirty="0">
+                <a:solidFill>
+                  <a:srgbClr val="50B1E1"/>
+                </a:solidFill>
+                <a:latin typeface="Montserrat" panose="00000500000000000000"/>
+                <a:ea typeface="Times New Roman" panose="02020603050405020304" pitchFamily="18" charset="0"/>
+              </a:rPr>
+              <a:t>endpoint</a:t>
+            </a:r>
+            <a:r>
+              <a:rPr lang="it-IT" sz="2000" dirty="0">
+                <a:solidFill>
+                  <a:srgbClr val="262626"/>
+                </a:solidFill>
+                <a:latin typeface="Montserrat" panose="00000500000000000000"/>
+                <a:ea typeface="Times New Roman" panose="02020603050405020304" pitchFamily="18" charset="0"/>
+              </a:rPr>
+              <a:t> = ‘cosmosdb’, </a:t>
+            </a:r>
+            <a:r>
+              <a:rPr lang="it-IT" sz="2000" dirty="0">
+                <a:solidFill>
+                  <a:srgbClr val="50B1E1"/>
+                </a:solidFill>
+                <a:latin typeface="Montserrat" panose="00000500000000000000"/>
+                <a:ea typeface="Times New Roman" panose="02020603050405020304" pitchFamily="18" charset="0"/>
+              </a:rPr>
+              <a:t>db_name</a:t>
+            </a:r>
+            <a:r>
+              <a:rPr lang="it-IT" sz="2000" dirty="0">
+                <a:solidFill>
+                  <a:srgbClr val="262626"/>
+                </a:solidFill>
+                <a:latin typeface="Montserrat" panose="00000500000000000000"/>
+                <a:ea typeface="Times New Roman" panose="02020603050405020304" pitchFamily="18" charset="0"/>
+              </a:rPr>
+              <a:t> = ‘…’, </a:t>
+            </a:r>
+            <a:r>
+              <a:rPr lang="it-IT" sz="2000" dirty="0">
+                <a:solidFill>
+                  <a:srgbClr val="50B1E1"/>
+                </a:solidFill>
+                <a:latin typeface="Montserrat" panose="00000500000000000000"/>
+                <a:ea typeface="Times New Roman" panose="02020603050405020304" pitchFamily="18" charset="0"/>
+              </a:rPr>
+              <a:t>collection</a:t>
+            </a:r>
+            <a:r>
+              <a:rPr lang="it-IT" sz="2000" dirty="0">
+                <a:solidFill>
+                  <a:srgbClr val="262626"/>
+                </a:solidFill>
+                <a:latin typeface="Montserrat" panose="00000500000000000000"/>
+                <a:ea typeface="Times New Roman" panose="02020603050405020304" pitchFamily="18" charset="0"/>
+              </a:rPr>
+              <a:t> = ‘…’]</a:t>
+            </a:r>
+            <a:endParaRPr lang="it-IT" sz="2000" dirty="0">
+              <a:solidFill>
+                <a:srgbClr val="262626"/>
+              </a:solidFill>
+              <a:effectLst/>
+              <a:latin typeface="Montserrat" panose="00000500000000000000"/>
+              <a:ea typeface="Times New Roman" panose="02020603050405020304" pitchFamily="18" charset="0"/>
+            </a:endParaRPr>
+          </a:p>
+        </p:txBody>
+      </p:sp>
+      <p:sp>
+        <p:nvSpPr>
+          <p:cNvPr id="20" name="CasellaDiTesto 19">
+            <a:extLst>
+              <a:ext uri="{FF2B5EF4-FFF2-40B4-BE49-F238E27FC236}">
+                <a16:creationId xmlns:a16="http://schemas.microsoft.com/office/drawing/2014/main" id="{0AC97AC8-EEE2-4000-B9B0-1A0D433F60A7}"/>
+              </a:ext>
+            </a:extLst>
+          </p:cNvPr>
+          <p:cNvSpPr txBox="1"/>
+          <p:nvPr/>
+        </p:nvSpPr>
+        <p:spPr>
+          <a:xfrm>
+            <a:off x="1443600" y="3913444"/>
             <a:ext cx="9553784" cy="707886"/>
           </a:xfrm>
           <a:prstGeom prst="rect">
@@ -10471,19 +11451,17 @@
                   <a:srgbClr val="262626"/>
                 </a:solidFill>
                 <a:latin typeface="Montserrat SemiBold" panose="00000700000000000000" pitchFamily="2" charset="0"/>
-                <a:ea typeface="Times New Roman" panose="02020603050405020304" pitchFamily="18" charset="0"/>
-              </a:rPr>
-              <a:t>Per poter effettuare interrogazioni sul database è stata implementato all’interno di FLY l’entità </a:t>
-            </a:r>
-            <a:r>
-              <a:rPr lang="it-IT" sz="2000" b="1" dirty="0">
+              </a:rPr>
+              <a:t>La </a:t>
+            </a:r>
+            <a:r>
+              <a:rPr lang="it-IT" sz="2000" dirty="0">
                 <a:solidFill>
                   <a:srgbClr val="50B1E1"/>
                 </a:solidFill>
                 <a:latin typeface="Montserrat SemiBold" panose="00000700000000000000" pitchFamily="2" charset="0"/>
-                <a:ea typeface="Times New Roman" panose="02020603050405020304" pitchFamily="18" charset="0"/>
-              </a:rPr>
-              <a:t>query</a:t>
+              </a:rPr>
+              <a:t>sintassi</a:t>
             </a:r>
             <a:r>
               <a:rPr lang="it-IT" sz="2000" dirty="0">
@@ -10491,62 +11469,35 @@
                   <a:srgbClr val="262626"/>
                 </a:solidFill>
                 <a:latin typeface="Montserrat SemiBold" panose="00000700000000000000" pitchFamily="2" charset="0"/>
-                <a:ea typeface="Times New Roman" panose="02020603050405020304" pitchFamily="18" charset="0"/>
-              </a:rPr>
-              <a:t>. </a:t>
-            </a:r>
-            <a:endParaRPr lang="it-IT" sz="2000" dirty="0"/>
-          </a:p>
-        </p:txBody>
-      </p:sp>
-      <p:sp>
-        <p:nvSpPr>
-          <p:cNvPr id="17" name="CasellaDiTesto 16">
-            <a:extLst>
-              <a:ext uri="{FF2B5EF4-FFF2-40B4-BE49-F238E27FC236}">
-                <a16:creationId xmlns:a16="http://schemas.microsoft.com/office/drawing/2014/main" id="{DDA96783-D283-4203-9841-62E0F7F911DD}"/>
-              </a:ext>
-            </a:extLst>
-          </p:cNvPr>
-          <p:cNvSpPr txBox="1"/>
-          <p:nvPr/>
-        </p:nvSpPr>
-        <p:spPr>
-          <a:xfrm>
-            <a:off x="1387852" y="1635653"/>
-            <a:ext cx="9553784" cy="707886"/>
-          </a:xfrm>
-          <a:prstGeom prst="rect">
-            <a:avLst/>
-          </a:prstGeom>
-          <a:noFill/>
-        </p:spPr>
-        <p:txBody>
-          <a:bodyPr wrap="square">
-            <a:spAutoFit/>
-          </a:bodyPr>
-          <a:lstStyle/>
-          <a:p>
-            <a:pPr algn="ctr"/>
+              </a:rPr>
+              <a:t> per istanziare una variabile di tipo nosql è del tutto </a:t>
+            </a:r>
             <a:r>
               <a:rPr lang="it-IT" sz="2000" dirty="0">
                 <a:solidFill>
+                  <a:srgbClr val="50B1E1"/>
+                </a:solidFill>
+                <a:latin typeface="Montserrat SemiBold" panose="00000700000000000000" pitchFamily="2" charset="0"/>
+              </a:rPr>
+              <a:t>indipendente</a:t>
+            </a:r>
+            <a:r>
+              <a:rPr lang="it-IT" sz="2000" dirty="0">
+                <a:solidFill>
                   <a:srgbClr val="262626"/>
                 </a:solidFill>
                 <a:latin typeface="Montserrat SemiBold" panose="00000700000000000000" pitchFamily="2" charset="0"/>
-                <a:ea typeface="Times New Roman" panose="02020603050405020304" pitchFamily="18" charset="0"/>
-              </a:rPr>
-              <a:t>Per permettere all’utente di stabilire una connessione ad un database NoSQL è stata implementato all’interno di FLY l’entità </a:t>
-            </a:r>
-            <a:r>
-              <a:rPr lang="it-IT" sz="2000" b="1" dirty="0">
+              </a:rPr>
+              <a:t> dalla </a:t>
+            </a:r>
+            <a:r>
+              <a:rPr lang="it-IT" sz="2000" dirty="0">
                 <a:solidFill>
                   <a:srgbClr val="50B1E1"/>
                 </a:solidFill>
                 <a:latin typeface="Montserrat SemiBold" panose="00000700000000000000" pitchFamily="2" charset="0"/>
-                <a:ea typeface="Times New Roman" panose="02020603050405020304" pitchFamily="18" charset="0"/>
-              </a:rPr>
-              <a:t>nosql</a:t>
+              </a:rPr>
+              <a:t>distribuzione</a:t>
             </a:r>
             <a:r>
               <a:rPr lang="it-IT" sz="2000" dirty="0">
@@ -10554,9 +11505,8 @@
                   <a:srgbClr val="262626"/>
                 </a:solidFill>
                 <a:latin typeface="Montserrat SemiBold" panose="00000700000000000000" pitchFamily="2" charset="0"/>
-                <a:ea typeface="Times New Roman" panose="02020603050405020304" pitchFamily="18" charset="0"/>
-              </a:rPr>
-              <a:t>.</a:t>
+              </a:rPr>
+              <a:t> del cluster MongoDB.</a:t>
             </a:r>
             <a:endParaRPr lang="it-IT" sz="2000" dirty="0"/>
           </a:p>

--- a/Tesi e Presentazione/Presentazione tesi.pptx
+++ b/Tesi e Presentazione/Presentazione tesi.pptx
@@ -6989,6 +6989,42 @@
           </a:p>
         </p:txBody>
       </p:sp>
+      <p:pic>
+        <p:nvPicPr>
+          <p:cNvPr id="3" name="Immagine 2">
+            <a:extLst>
+              <a:ext uri="{FF2B5EF4-FFF2-40B4-BE49-F238E27FC236}">
+                <a16:creationId xmlns:a16="http://schemas.microsoft.com/office/drawing/2014/main" id="{7D52CF71-2523-4DCE-8C3D-A1CF37C7BD64}"/>
+              </a:ext>
+            </a:extLst>
+          </p:cNvPr>
+          <p:cNvPicPr>
+            <a:picLocks noChangeAspect="1"/>
+          </p:cNvPicPr>
+          <p:nvPr/>
+        </p:nvPicPr>
+        <p:blipFill>
+          <a:blip r:embed="rId3">
+            <a:extLst>
+              <a:ext uri="{28A0092B-C50C-407E-A947-70E740481C1C}">
+                <a14:useLocalDpi xmlns:a14="http://schemas.microsoft.com/office/drawing/2010/main" val="0"/>
+              </a:ext>
+            </a:extLst>
+          </a:blip>
+          <a:stretch>
+            <a:fillRect/>
+          </a:stretch>
+        </p:blipFill>
+        <p:spPr>
+          <a:xfrm>
+            <a:off x="7744612" y="1975269"/>
+            <a:ext cx="3134059" cy="3134059"/>
+          </a:xfrm>
+          <a:prstGeom prst="rect">
+            <a:avLst/>
+          </a:prstGeom>
+        </p:spPr>
+      </p:pic>
     </p:spTree>
     <p:extLst>
       <p:ext uri="{BB962C8B-B14F-4D97-AF65-F5344CB8AC3E}">

--- a/Tesi e Presentazione/Presentazione tesi.pptx
+++ b/Tesi e Presentazione/Presentazione tesi.pptx
@@ -5,24 +5,23 @@
     <p:sldMasterId id="2147483648" r:id="rId1"/>
   </p:sldMasterIdLst>
   <p:notesMasterIdLst>
-    <p:notesMasterId r:id="rId14"/>
+    <p:notesMasterId r:id="rId13"/>
   </p:notesMasterIdLst>
   <p:handoutMasterIdLst>
-    <p:handoutMasterId r:id="rId15"/>
+    <p:handoutMasterId r:id="rId14"/>
   </p:handoutMasterIdLst>
   <p:sldIdLst>
     <p:sldId id="256" r:id="rId2"/>
     <p:sldId id="289" r:id="rId3"/>
-    <p:sldId id="387" r:id="rId4"/>
-    <p:sldId id="388" r:id="rId5"/>
-    <p:sldId id="386" r:id="rId6"/>
-    <p:sldId id="365" r:id="rId7"/>
-    <p:sldId id="390" r:id="rId8"/>
-    <p:sldId id="348" r:id="rId9"/>
-    <p:sldId id="349" r:id="rId10"/>
-    <p:sldId id="391" r:id="rId11"/>
-    <p:sldId id="392" r:id="rId12"/>
-    <p:sldId id="285" r:id="rId13"/>
+    <p:sldId id="388" r:id="rId4"/>
+    <p:sldId id="386" r:id="rId5"/>
+    <p:sldId id="365" r:id="rId6"/>
+    <p:sldId id="390" r:id="rId7"/>
+    <p:sldId id="348" r:id="rId8"/>
+    <p:sldId id="349" r:id="rId9"/>
+    <p:sldId id="391" r:id="rId10"/>
+    <p:sldId id="392" r:id="rId11"/>
+    <p:sldId id="285" r:id="rId12"/>
   </p:sldIdLst>
   <p:sldSz cx="12192000" cy="6858000"/>
   <p:notesSz cx="6858000" cy="9144000"/>
@@ -884,7 +883,7 @@
     </p:spTree>
     <p:extLst>
       <p:ext uri="{BB962C8B-B14F-4D97-AF65-F5344CB8AC3E}">
-        <p14:creationId xmlns:p14="http://schemas.microsoft.com/office/powerpoint/2010/main" val="3551859751"/>
+        <p14:creationId xmlns:p14="http://schemas.microsoft.com/office/powerpoint/2010/main" val="84544941"/>
       </p:ext>
     </p:extLst>
   </p:cSld>
@@ -962,92 +961,6 @@
             <a:fld id="{BE60DC36-8EFA-4378-9855-E019C55AC472}" type="slidenum">
               <a:rPr lang="it-IT" smtClean="0"/>
               <a:t>11</a:t>
-            </a:fld>
-            <a:endParaRPr lang="it-IT" dirty="0"/>
-          </a:p>
-        </p:txBody>
-      </p:sp>
-    </p:spTree>
-    <p:extLst>
-      <p:ext uri="{BB962C8B-B14F-4D97-AF65-F5344CB8AC3E}">
-        <p14:creationId xmlns:p14="http://schemas.microsoft.com/office/powerpoint/2010/main" val="84544941"/>
-      </p:ext>
-    </p:extLst>
-  </p:cSld>
-  <p:clrMapOvr>
-    <a:masterClrMapping/>
-  </p:clrMapOvr>
-</p:notes>
-</file>
-
-<file path=ppt/notesSlides/notesSlide12.xml><?xml version="1.0" encoding="utf-8"?>
-<p:notes xmlns:a="http://schemas.openxmlformats.org/drawingml/2006/main" xmlns:r="http://schemas.openxmlformats.org/officeDocument/2006/relationships" xmlns:p="http://schemas.openxmlformats.org/presentationml/2006/main">
-  <p:cSld>
-    <p:spTree>
-      <p:nvGrpSpPr>
-        <p:cNvPr id="1" name=""/>
-        <p:cNvGrpSpPr/>
-        <p:nvPr/>
-      </p:nvGrpSpPr>
-      <p:grpSpPr>
-        <a:xfrm>
-          <a:off x="0" y="0"/>
-          <a:ext cx="0" cy="0"/>
-          <a:chOff x="0" y="0"/>
-          <a:chExt cx="0" cy="0"/>
-        </a:xfrm>
-      </p:grpSpPr>
-      <p:sp>
-        <p:nvSpPr>
-          <p:cNvPr id="2" name="Segnaposto immagine diapositiva 1"/>
-          <p:cNvSpPr>
-            <a:spLocks noGrp="1" noRot="1" noChangeAspect="1"/>
-          </p:cNvSpPr>
-          <p:nvPr>
-            <p:ph type="sldImg"/>
-          </p:nvPr>
-        </p:nvSpPr>
-        <p:spPr/>
-      </p:sp>
-      <p:sp>
-        <p:nvSpPr>
-          <p:cNvPr id="3" name="Segnaposto note 2"/>
-          <p:cNvSpPr>
-            <a:spLocks noGrp="1"/>
-          </p:cNvSpPr>
-          <p:nvPr>
-            <p:ph type="body" idx="1"/>
-          </p:nvPr>
-        </p:nvSpPr>
-        <p:spPr/>
-        <p:txBody>
-          <a:bodyPr rtlCol="0"/>
-          <a:lstStyle/>
-          <a:p>
-            <a:pPr rtl="0"/>
-            <a:endParaRPr lang="it-IT" dirty="0"/>
-          </a:p>
-        </p:txBody>
-      </p:sp>
-      <p:sp>
-        <p:nvSpPr>
-          <p:cNvPr id="4" name="Segnaposto numero diapositiva 3"/>
-          <p:cNvSpPr>
-            <a:spLocks noGrp="1"/>
-          </p:cNvSpPr>
-          <p:nvPr>
-            <p:ph type="sldNum" sz="quarter" idx="5"/>
-          </p:nvPr>
-        </p:nvSpPr>
-        <p:spPr/>
-        <p:txBody>
-          <a:bodyPr rtlCol="0"/>
-          <a:lstStyle/>
-          <a:p>
-            <a:pPr rtl="0"/>
-            <a:fld id="{BE60DC36-8EFA-4378-9855-E019C55AC472}" type="slidenum">
-              <a:rPr lang="it-IT" smtClean="0"/>
-              <a:t>12</a:t>
             </a:fld>
             <a:endParaRPr lang="it-IT" dirty="0"/>
           </a:p>
@@ -1228,7 +1141,7 @@
     </p:spTree>
     <p:extLst>
       <p:ext uri="{BB962C8B-B14F-4D97-AF65-F5344CB8AC3E}">
-        <p14:creationId xmlns:p14="http://schemas.microsoft.com/office/powerpoint/2010/main" val="3797888199"/>
+        <p14:creationId xmlns:p14="http://schemas.microsoft.com/office/powerpoint/2010/main" val="1854000772"/>
       </p:ext>
     </p:extLst>
   </p:cSld>
@@ -1314,7 +1227,7 @@
     </p:spTree>
     <p:extLst>
       <p:ext uri="{BB962C8B-B14F-4D97-AF65-F5344CB8AC3E}">
-        <p14:creationId xmlns:p14="http://schemas.microsoft.com/office/powerpoint/2010/main" val="1854000772"/>
+        <p14:creationId xmlns:p14="http://schemas.microsoft.com/office/powerpoint/2010/main" val="3737098118"/>
       </p:ext>
     </p:extLst>
   </p:cSld>
@@ -1400,7 +1313,7 @@
     </p:spTree>
     <p:extLst>
       <p:ext uri="{BB962C8B-B14F-4D97-AF65-F5344CB8AC3E}">
-        <p14:creationId xmlns:p14="http://schemas.microsoft.com/office/powerpoint/2010/main" val="3737098118"/>
+        <p14:creationId xmlns:p14="http://schemas.microsoft.com/office/powerpoint/2010/main" val="3257063864"/>
       </p:ext>
     </p:extLst>
   </p:cSld>
@@ -1486,7 +1399,7 @@
     </p:spTree>
     <p:extLst>
       <p:ext uri="{BB962C8B-B14F-4D97-AF65-F5344CB8AC3E}">
-        <p14:creationId xmlns:p14="http://schemas.microsoft.com/office/powerpoint/2010/main" val="3257063864"/>
+        <p14:creationId xmlns:p14="http://schemas.microsoft.com/office/powerpoint/2010/main" val="3509478145"/>
       </p:ext>
     </p:extLst>
   </p:cSld>
@@ -1572,7 +1485,7 @@
     </p:spTree>
     <p:extLst>
       <p:ext uri="{BB962C8B-B14F-4D97-AF65-F5344CB8AC3E}">
-        <p14:creationId xmlns:p14="http://schemas.microsoft.com/office/powerpoint/2010/main" val="3509478145"/>
+        <p14:creationId xmlns:p14="http://schemas.microsoft.com/office/powerpoint/2010/main" val="2077075482"/>
       </p:ext>
     </p:extLst>
   </p:cSld>
@@ -1658,7 +1571,7 @@
     </p:spTree>
     <p:extLst>
       <p:ext uri="{BB962C8B-B14F-4D97-AF65-F5344CB8AC3E}">
-        <p14:creationId xmlns:p14="http://schemas.microsoft.com/office/powerpoint/2010/main" val="2077075482"/>
+        <p14:creationId xmlns:p14="http://schemas.microsoft.com/office/powerpoint/2010/main" val="3799875904"/>
       </p:ext>
     </p:extLst>
   </p:cSld>
@@ -1744,7 +1657,7 @@
     </p:spTree>
     <p:extLst>
       <p:ext uri="{BB962C8B-B14F-4D97-AF65-F5344CB8AC3E}">
-        <p14:creationId xmlns:p14="http://schemas.microsoft.com/office/powerpoint/2010/main" val="3799875904"/>
+        <p14:creationId xmlns:p14="http://schemas.microsoft.com/office/powerpoint/2010/main" val="3551859751"/>
       </p:ext>
     </p:extLst>
   </p:cSld>
@@ -5778,7 +5691,7 @@
         <p:spPr>
           <a:xfrm>
             <a:off x="228600" y="217133"/>
-            <a:ext cx="11734800" cy="886397"/>
+            <a:ext cx="11734800" cy="443198"/>
           </a:xfrm>
           <a:prstGeom prst="rect">
             <a:avLst/>
@@ -5818,21 +5731,7 @@
                   </a:schemeClr>
                 </a:solidFill>
               </a:rPr>
-              <a:t>Manipolare i dati</a:t>
-            </a:r>
-          </a:p>
-          <a:p>
-            <a:pPr algn="ctr" rtl="0"/>
-            <a:r>
-              <a:rPr lang="it-IT" sz="3200" b="1" dirty="0">
-                <a:solidFill>
-                  <a:schemeClr val="tx1">
-                    <a:lumMod val="75000"/>
-                    <a:lumOff val="25000"/>
-                  </a:schemeClr>
-                </a:solidFill>
-              </a:rPr>
-              <a:t>all’interno del cluster</a:t>
+              <a:t>Conclusioni</a:t>
             </a:r>
           </a:p>
         </p:txBody>
@@ -5891,718 +5790,6 @@
           <p:cNvPr id="6" name="CasellaDiTesto 5">
             <a:extLst>
               <a:ext uri="{FF2B5EF4-FFF2-40B4-BE49-F238E27FC236}">
-                <a16:creationId xmlns:a16="http://schemas.microsoft.com/office/drawing/2014/main" id="{00B95089-CAF3-4B35-99BA-523EDE338C0F}"/>
-              </a:ext>
-            </a:extLst>
-          </p:cNvPr>
-          <p:cNvSpPr txBox="1"/>
-          <p:nvPr/>
-        </p:nvSpPr>
-        <p:spPr>
-          <a:xfrm>
-            <a:off x="1247723" y="2818508"/>
-            <a:ext cx="9696554" cy="1015663"/>
-          </a:xfrm>
-          <a:prstGeom prst="rect">
-            <a:avLst/>
-          </a:prstGeom>
-          <a:noFill/>
-        </p:spPr>
-        <p:txBody>
-          <a:bodyPr wrap="square">
-            <a:spAutoFit/>
-          </a:bodyPr>
-          <a:lstStyle/>
-          <a:p>
-            <a:r>
-              <a:rPr lang="it-IT" sz="2000" dirty="0">
-                <a:solidFill>
-                  <a:srgbClr val="262626"/>
-                </a:solidFill>
-                <a:latin typeface="Montserrat" panose="00000500000000000000"/>
-                <a:ea typeface="Times New Roman" panose="02020603050405020304" pitchFamily="18" charset="0"/>
-              </a:rPr>
-              <a:t>var query = [</a:t>
-            </a:r>
-            <a:r>
-              <a:rPr lang="it-IT" sz="2000" dirty="0">
-                <a:solidFill>
-                  <a:srgbClr val="50B1E1"/>
-                </a:solidFill>
-                <a:latin typeface="Montserrat" panose="00000500000000000000"/>
-                <a:ea typeface="Times New Roman" panose="02020603050405020304" pitchFamily="18" charset="0"/>
-              </a:rPr>
-              <a:t>type</a:t>
-            </a:r>
-            <a:r>
-              <a:rPr lang="it-IT" sz="2000" dirty="0">
-                <a:solidFill>
-                  <a:srgbClr val="262626"/>
-                </a:solidFill>
-                <a:latin typeface="Montserrat" panose="00000500000000000000"/>
-                <a:ea typeface="Times New Roman" panose="02020603050405020304" pitchFamily="18" charset="0"/>
-              </a:rPr>
-              <a:t> = ‘</a:t>
-            </a:r>
-            <a:r>
-              <a:rPr lang="it-IT" sz="2000" b="1" dirty="0">
-                <a:solidFill>
-                  <a:srgbClr val="262626"/>
-                </a:solidFill>
-                <a:latin typeface="Montserrat" panose="00000500000000000000"/>
-                <a:ea typeface="Times New Roman" panose="02020603050405020304" pitchFamily="18" charset="0"/>
-              </a:rPr>
-              <a:t>query</a:t>
-            </a:r>
-            <a:r>
-              <a:rPr lang="it-IT" sz="2000" dirty="0">
-                <a:solidFill>
-                  <a:srgbClr val="262626"/>
-                </a:solidFill>
-                <a:latin typeface="Montserrat" panose="00000500000000000000"/>
-                <a:ea typeface="Times New Roman" panose="02020603050405020304" pitchFamily="18" charset="0"/>
-              </a:rPr>
-              <a:t>’, </a:t>
-            </a:r>
-            <a:r>
-              <a:rPr lang="it-IT" sz="2000" dirty="0">
-                <a:solidFill>
-                  <a:srgbClr val="50B1E1"/>
-                </a:solidFill>
-                <a:latin typeface="Montserrat" panose="00000500000000000000"/>
-                <a:ea typeface="Times New Roman" panose="02020603050405020304" pitchFamily="18" charset="0"/>
-              </a:rPr>
-              <a:t>query_type </a:t>
-            </a:r>
-            <a:r>
-              <a:rPr lang="it-IT" sz="2000" dirty="0">
-                <a:solidFill>
-                  <a:srgbClr val="262626"/>
-                </a:solidFill>
-                <a:latin typeface="Montserrat" panose="00000500000000000000"/>
-                <a:ea typeface="Times New Roman" panose="02020603050405020304" pitchFamily="18" charset="0"/>
-              </a:rPr>
-              <a:t>= ‘…’, </a:t>
-            </a:r>
-            <a:r>
-              <a:rPr lang="it-IT" sz="2000" dirty="0">
-                <a:solidFill>
-                  <a:srgbClr val="50B1E1"/>
-                </a:solidFill>
-                <a:latin typeface="Montserrat" panose="00000500000000000000"/>
-                <a:ea typeface="Times New Roman" panose="02020603050405020304" pitchFamily="18" charset="0"/>
-              </a:rPr>
-              <a:t>database</a:t>
-            </a:r>
-            <a:r>
-              <a:rPr lang="it-IT" sz="2000" dirty="0">
-                <a:solidFill>
-                  <a:srgbClr val="262626"/>
-                </a:solidFill>
-                <a:latin typeface="Montserrat" panose="00000500000000000000"/>
-                <a:ea typeface="Times New Roman" panose="02020603050405020304" pitchFamily="18" charset="0"/>
-              </a:rPr>
-              <a:t> = dbAWS, </a:t>
-            </a:r>
-            <a:r>
-              <a:rPr lang="it-IT" sz="2000" dirty="0">
-                <a:solidFill>
-                  <a:srgbClr val="50B1E1"/>
-                </a:solidFill>
-                <a:latin typeface="Montserrat" panose="00000500000000000000"/>
-                <a:ea typeface="Times New Roman" panose="02020603050405020304" pitchFamily="18" charset="0"/>
-              </a:rPr>
-              <a:t>query</a:t>
-            </a:r>
-            <a:r>
-              <a:rPr lang="it-IT" sz="2000" dirty="0">
-                <a:solidFill>
-                  <a:srgbClr val="262626"/>
-                </a:solidFill>
-                <a:latin typeface="Montserrat" panose="00000500000000000000"/>
-                <a:ea typeface="Times New Roman" panose="02020603050405020304" pitchFamily="18" charset="0"/>
-              </a:rPr>
-              <a:t> = ‘…’]</a:t>
-            </a:r>
-          </a:p>
-          <a:p>
-            <a:endParaRPr lang="it-IT" sz="2000" dirty="0">
-              <a:solidFill>
-                <a:srgbClr val="262626"/>
-              </a:solidFill>
-              <a:latin typeface="Montserrat" panose="00000500000000000000"/>
-            </a:endParaRPr>
-          </a:p>
-          <a:p>
-            <a:r>
-              <a:rPr lang="it-IT" sz="2000" dirty="0">
-                <a:solidFill>
-                  <a:srgbClr val="262626"/>
-                </a:solidFill>
-                <a:latin typeface="Montserrat" panose="00000500000000000000"/>
-              </a:rPr>
-              <a:t>query.execute()</a:t>
-            </a:r>
-            <a:endParaRPr lang="it-IT" sz="2000" dirty="0"/>
-          </a:p>
-        </p:txBody>
-      </p:sp>
-      <p:sp>
-        <p:nvSpPr>
-          <p:cNvPr id="7" name="Rettangolo 6">
-            <a:extLst>
-              <a:ext uri="{FF2B5EF4-FFF2-40B4-BE49-F238E27FC236}">
-                <a16:creationId xmlns:a16="http://schemas.microsoft.com/office/drawing/2014/main" id="{283D20D6-3C25-4AB2-BA8B-3D509359CCB3}"/>
-              </a:ext>
-            </a:extLst>
-          </p:cNvPr>
-          <p:cNvSpPr/>
-          <p:nvPr/>
-        </p:nvSpPr>
-        <p:spPr>
-          <a:xfrm>
-            <a:off x="1186023" y="2697637"/>
-            <a:ext cx="9819954" cy="1257404"/>
-          </a:xfrm>
-          <a:prstGeom prst="rect">
-            <a:avLst/>
-          </a:prstGeom>
-          <a:noFill/>
-          <a:ln w="38100">
-            <a:solidFill>
-              <a:srgbClr val="50B1E1"/>
-            </a:solidFill>
-          </a:ln>
-        </p:spPr>
-        <p:style>
-          <a:lnRef idx="2">
-            <a:schemeClr val="accent1">
-              <a:shade val="50000"/>
-            </a:schemeClr>
-          </a:lnRef>
-          <a:fillRef idx="1">
-            <a:schemeClr val="accent1"/>
-          </a:fillRef>
-          <a:effectRef idx="0">
-            <a:schemeClr val="accent1"/>
-          </a:effectRef>
-          <a:fontRef idx="minor">
-            <a:schemeClr val="lt1"/>
-          </a:fontRef>
-        </p:style>
-        <p:txBody>
-          <a:bodyPr rtlCol="0" anchor="ctr"/>
-          <a:lstStyle/>
-          <a:p>
-            <a:pPr algn="ctr"/>
-            <a:endParaRPr lang="it-IT"/>
-          </a:p>
-        </p:txBody>
-      </p:sp>
-      <p:sp>
-        <p:nvSpPr>
-          <p:cNvPr id="9" name="CasellaDiTesto 8">
-            <a:extLst>
-              <a:ext uri="{FF2B5EF4-FFF2-40B4-BE49-F238E27FC236}">
-                <a16:creationId xmlns:a16="http://schemas.microsoft.com/office/drawing/2014/main" id="{9CA7301D-D149-49F4-AF9C-AC754D5A9084}"/>
-              </a:ext>
-            </a:extLst>
-          </p:cNvPr>
-          <p:cNvSpPr txBox="1"/>
-          <p:nvPr/>
-        </p:nvSpPr>
-        <p:spPr>
-          <a:xfrm>
-            <a:off x="1319108" y="1606676"/>
-            <a:ext cx="9553784" cy="707886"/>
-          </a:xfrm>
-          <a:prstGeom prst="rect">
-            <a:avLst/>
-          </a:prstGeom>
-          <a:noFill/>
-        </p:spPr>
-        <p:txBody>
-          <a:bodyPr wrap="square">
-            <a:spAutoFit/>
-          </a:bodyPr>
-          <a:lstStyle/>
-          <a:p>
-            <a:pPr algn="ctr"/>
-            <a:r>
-              <a:rPr lang="it-IT" sz="2000" dirty="0">
-                <a:solidFill>
-                  <a:srgbClr val="262626"/>
-                </a:solidFill>
-                <a:latin typeface="Montserrat SemiBold" panose="00000700000000000000" pitchFamily="2" charset="0"/>
-                <a:ea typeface="Times New Roman" panose="02020603050405020304" pitchFamily="18" charset="0"/>
-              </a:rPr>
-              <a:t>Per poter effettuare interrogazioni sul database è stata implementato all’interno di FLY l’entità </a:t>
-            </a:r>
-            <a:r>
-              <a:rPr lang="it-IT" sz="2000" b="1" dirty="0">
-                <a:solidFill>
-                  <a:srgbClr val="50B1E1"/>
-                </a:solidFill>
-                <a:latin typeface="Montserrat SemiBold" panose="00000700000000000000" pitchFamily="2" charset="0"/>
-                <a:ea typeface="Times New Roman" panose="02020603050405020304" pitchFamily="18" charset="0"/>
-              </a:rPr>
-              <a:t>query</a:t>
-            </a:r>
-            <a:r>
-              <a:rPr lang="it-IT" sz="2000" dirty="0">
-                <a:solidFill>
-                  <a:srgbClr val="262626"/>
-                </a:solidFill>
-                <a:latin typeface="Montserrat SemiBold" panose="00000700000000000000" pitchFamily="2" charset="0"/>
-                <a:ea typeface="Times New Roman" panose="02020603050405020304" pitchFamily="18" charset="0"/>
-              </a:rPr>
-              <a:t>. </a:t>
-            </a:r>
-            <a:endParaRPr lang="it-IT" sz="2000" dirty="0"/>
-          </a:p>
-        </p:txBody>
-      </p:sp>
-      <p:sp>
-        <p:nvSpPr>
-          <p:cNvPr id="10" name="CasellaDiTesto 9">
-            <a:extLst>
-              <a:ext uri="{FF2B5EF4-FFF2-40B4-BE49-F238E27FC236}">
-                <a16:creationId xmlns:a16="http://schemas.microsoft.com/office/drawing/2014/main" id="{25AA1044-9BC3-44A9-BEB1-2AE849684117}"/>
-              </a:ext>
-            </a:extLst>
-          </p:cNvPr>
-          <p:cNvSpPr txBox="1"/>
-          <p:nvPr/>
-        </p:nvSpPr>
-        <p:spPr>
-          <a:xfrm>
-            <a:off x="1072595" y="4743492"/>
-            <a:ext cx="10046810" cy="1015663"/>
-          </a:xfrm>
-          <a:prstGeom prst="rect">
-            <a:avLst/>
-          </a:prstGeom>
-          <a:noFill/>
-        </p:spPr>
-        <p:txBody>
-          <a:bodyPr wrap="square">
-            <a:spAutoFit/>
-          </a:bodyPr>
-          <a:lstStyle/>
-          <a:p>
-            <a:r>
-              <a:rPr lang="it-IT" sz="2000" dirty="0">
-                <a:solidFill>
-                  <a:srgbClr val="262626"/>
-                </a:solidFill>
-                <a:latin typeface="Montserrat" panose="00000500000000000000"/>
-                <a:ea typeface="Times New Roman" panose="02020603050405020304" pitchFamily="18" charset="0"/>
-              </a:rPr>
-              <a:t>var query = [</a:t>
-            </a:r>
-            <a:r>
-              <a:rPr lang="it-IT" sz="2000" dirty="0">
-                <a:solidFill>
-                  <a:srgbClr val="50B1E1"/>
-                </a:solidFill>
-                <a:latin typeface="Montserrat" panose="00000500000000000000"/>
-                <a:ea typeface="Times New Roman" panose="02020603050405020304" pitchFamily="18" charset="0"/>
-              </a:rPr>
-              <a:t>type</a:t>
-            </a:r>
-            <a:r>
-              <a:rPr lang="it-IT" sz="2000" dirty="0">
-                <a:solidFill>
-                  <a:srgbClr val="262626"/>
-                </a:solidFill>
-                <a:latin typeface="Montserrat" panose="00000500000000000000"/>
-                <a:ea typeface="Times New Roman" panose="02020603050405020304" pitchFamily="18" charset="0"/>
-              </a:rPr>
-              <a:t> = ‘</a:t>
-            </a:r>
-            <a:r>
-              <a:rPr lang="it-IT" sz="2000" b="1" dirty="0">
-                <a:solidFill>
-                  <a:srgbClr val="262626"/>
-                </a:solidFill>
-                <a:latin typeface="Montserrat" panose="00000500000000000000"/>
-                <a:ea typeface="Times New Roman" panose="02020603050405020304" pitchFamily="18" charset="0"/>
-              </a:rPr>
-              <a:t>query</a:t>
-            </a:r>
-            <a:r>
-              <a:rPr lang="it-IT" sz="2000" dirty="0">
-                <a:solidFill>
-                  <a:srgbClr val="262626"/>
-                </a:solidFill>
-                <a:latin typeface="Montserrat" panose="00000500000000000000"/>
-                <a:ea typeface="Times New Roman" panose="02020603050405020304" pitchFamily="18" charset="0"/>
-              </a:rPr>
-              <a:t>’, </a:t>
-            </a:r>
-            <a:r>
-              <a:rPr lang="it-IT" sz="2000" dirty="0">
-                <a:solidFill>
-                  <a:srgbClr val="50B1E1"/>
-                </a:solidFill>
-                <a:latin typeface="Montserrat" panose="00000500000000000000"/>
-                <a:ea typeface="Times New Roman" panose="02020603050405020304" pitchFamily="18" charset="0"/>
-              </a:rPr>
-              <a:t>query_type </a:t>
-            </a:r>
-            <a:r>
-              <a:rPr lang="it-IT" sz="2000" dirty="0">
-                <a:solidFill>
-                  <a:srgbClr val="262626"/>
-                </a:solidFill>
-                <a:latin typeface="Montserrat" panose="00000500000000000000"/>
-                <a:ea typeface="Times New Roman" panose="02020603050405020304" pitchFamily="18" charset="0"/>
-              </a:rPr>
-              <a:t>= ‘…’, </a:t>
-            </a:r>
-            <a:r>
-              <a:rPr lang="it-IT" sz="2000" dirty="0">
-                <a:solidFill>
-                  <a:srgbClr val="50B1E1"/>
-                </a:solidFill>
-                <a:latin typeface="Montserrat" panose="00000500000000000000"/>
-                <a:ea typeface="Times New Roman" panose="02020603050405020304" pitchFamily="18" charset="0"/>
-              </a:rPr>
-              <a:t>database</a:t>
-            </a:r>
-            <a:r>
-              <a:rPr lang="it-IT" sz="2000" dirty="0">
-                <a:solidFill>
-                  <a:srgbClr val="262626"/>
-                </a:solidFill>
-                <a:latin typeface="Montserrat" panose="00000500000000000000"/>
-                <a:ea typeface="Times New Roman" panose="02020603050405020304" pitchFamily="18" charset="0"/>
-              </a:rPr>
-              <a:t> = dbAZURE, </a:t>
-            </a:r>
-            <a:r>
-              <a:rPr lang="it-IT" sz="2000" dirty="0">
-                <a:solidFill>
-                  <a:srgbClr val="50B1E1"/>
-                </a:solidFill>
-                <a:latin typeface="Montserrat" panose="00000500000000000000"/>
-                <a:ea typeface="Times New Roman" panose="02020603050405020304" pitchFamily="18" charset="0"/>
-              </a:rPr>
-              <a:t>query</a:t>
-            </a:r>
-            <a:r>
-              <a:rPr lang="it-IT" sz="2000" dirty="0">
-                <a:solidFill>
-                  <a:srgbClr val="262626"/>
-                </a:solidFill>
-                <a:latin typeface="Montserrat" panose="00000500000000000000"/>
-                <a:ea typeface="Times New Roman" panose="02020603050405020304" pitchFamily="18" charset="0"/>
-              </a:rPr>
-              <a:t> = ‘…’]</a:t>
-            </a:r>
-          </a:p>
-          <a:p>
-            <a:endParaRPr lang="it-IT" sz="2000" dirty="0">
-              <a:solidFill>
-                <a:srgbClr val="262626"/>
-              </a:solidFill>
-              <a:latin typeface="Montserrat" panose="00000500000000000000"/>
-            </a:endParaRPr>
-          </a:p>
-          <a:p>
-            <a:r>
-              <a:rPr lang="it-IT" sz="2000" dirty="0">
-                <a:solidFill>
-                  <a:srgbClr val="262626"/>
-                </a:solidFill>
-                <a:latin typeface="Montserrat" panose="00000500000000000000"/>
-              </a:rPr>
-              <a:t>query.execute()</a:t>
-            </a:r>
-            <a:endParaRPr lang="it-IT" sz="2000" dirty="0"/>
-          </a:p>
-        </p:txBody>
-      </p:sp>
-      <p:sp>
-        <p:nvSpPr>
-          <p:cNvPr id="12" name="Rettangolo 11">
-            <a:extLst>
-              <a:ext uri="{FF2B5EF4-FFF2-40B4-BE49-F238E27FC236}">
-                <a16:creationId xmlns:a16="http://schemas.microsoft.com/office/drawing/2014/main" id="{F47108D2-83BC-4E07-8272-2849FC7345E1}"/>
-              </a:ext>
-            </a:extLst>
-          </p:cNvPr>
-          <p:cNvSpPr/>
-          <p:nvPr/>
-        </p:nvSpPr>
-        <p:spPr>
-          <a:xfrm>
-            <a:off x="974011" y="4622621"/>
-            <a:ext cx="10243977" cy="1257404"/>
-          </a:xfrm>
-          <a:prstGeom prst="rect">
-            <a:avLst/>
-          </a:prstGeom>
-          <a:noFill/>
-          <a:ln w="38100">
-            <a:solidFill>
-              <a:srgbClr val="50B1E1"/>
-            </a:solidFill>
-          </a:ln>
-        </p:spPr>
-        <p:style>
-          <a:lnRef idx="2">
-            <a:schemeClr val="accent1">
-              <a:shade val="50000"/>
-            </a:schemeClr>
-          </a:lnRef>
-          <a:fillRef idx="1">
-            <a:schemeClr val="accent1"/>
-          </a:fillRef>
-          <a:effectRef idx="0">
-            <a:schemeClr val="accent1"/>
-          </a:effectRef>
-          <a:fontRef idx="minor">
-            <a:schemeClr val="lt1"/>
-          </a:fontRef>
-        </p:style>
-        <p:txBody>
-          <a:bodyPr rtlCol="0" anchor="ctr"/>
-          <a:lstStyle/>
-          <a:p>
-            <a:pPr algn="ctr"/>
-            <a:endParaRPr lang="it-IT"/>
-          </a:p>
-        </p:txBody>
-      </p:sp>
-    </p:spTree>
-    <p:extLst>
-      <p:ext uri="{BB962C8B-B14F-4D97-AF65-F5344CB8AC3E}">
-        <p14:creationId xmlns:p14="http://schemas.microsoft.com/office/powerpoint/2010/main" val="2553102470"/>
-      </p:ext>
-    </p:extLst>
-  </p:cSld>
-  <p:clrMapOvr>
-    <a:masterClrMapping/>
-  </p:clrMapOvr>
-</p:sld>
-</file>
-
-<file path=ppt/slides/slide11.xml><?xml version="1.0" encoding="utf-8"?>
-<p:sld xmlns:a="http://schemas.openxmlformats.org/drawingml/2006/main" xmlns:r="http://schemas.openxmlformats.org/officeDocument/2006/relationships" xmlns:p="http://schemas.openxmlformats.org/presentationml/2006/main">
-  <p:cSld>
-    <p:spTree>
-      <p:nvGrpSpPr>
-        <p:cNvPr id="1" name=""/>
-        <p:cNvGrpSpPr/>
-        <p:nvPr/>
-      </p:nvGrpSpPr>
-      <p:grpSpPr>
-        <a:xfrm>
-          <a:off x="0" y="0"/>
-          <a:ext cx="0" cy="0"/>
-          <a:chOff x="0" y="0"/>
-          <a:chExt cx="0" cy="0"/>
-        </a:xfrm>
-      </p:grpSpPr>
-      <p:sp>
-        <p:nvSpPr>
-          <p:cNvPr id="4" name="Titolo 3" hidden="1">
-            <a:extLst>
-              <a:ext uri="{FF2B5EF4-FFF2-40B4-BE49-F238E27FC236}">
-                <a16:creationId xmlns:a16="http://schemas.microsoft.com/office/drawing/2014/main" id="{B5981CF1-BC08-49F8-B0F9-AAF98EC67450}"/>
-              </a:ext>
-            </a:extLst>
-          </p:cNvPr>
-          <p:cNvSpPr>
-            <a:spLocks noGrp="1"/>
-          </p:cNvSpPr>
-          <p:nvPr>
-            <p:ph type="title" idx="4294967295"/>
-          </p:nvPr>
-        </p:nvSpPr>
-        <p:spPr>
-          <a:xfrm>
-            <a:off x="0" y="365125"/>
-            <a:ext cx="10515600" cy="1325563"/>
-          </a:xfrm>
-        </p:spPr>
-        <p:txBody>
-          <a:bodyPr rtlCol="0"/>
-          <a:lstStyle/>
-          <a:p>
-            <a:r>
-              <a:rPr lang="it-IT" dirty="0"/>
-              <a:t>Analisi progetto diapositiva 2</a:t>
-            </a:r>
-          </a:p>
-        </p:txBody>
-      </p:sp>
-      <p:cxnSp>
-        <p:nvCxnSpPr>
-          <p:cNvPr id="8" name="Connettore diritto 7">
-            <a:extLst>
-              <a:ext uri="{FF2B5EF4-FFF2-40B4-BE49-F238E27FC236}">
-                <a16:creationId xmlns:a16="http://schemas.microsoft.com/office/drawing/2014/main" id="{D0986099-F5F2-4E8B-BE17-81194861A00C}"/>
-              </a:ext>
-              <a:ext uri="{C183D7F6-B498-43B3-948B-1728B52AA6E4}">
-                <adec:decorative xmlns:adec="http://schemas.microsoft.com/office/drawing/2017/decorative" val="1"/>
-              </a:ext>
-            </a:extLst>
-          </p:cNvPr>
-          <p:cNvCxnSpPr>
-            <a:cxnSpLocks/>
-          </p:cNvCxnSpPr>
-          <p:nvPr/>
-        </p:nvCxnSpPr>
-        <p:spPr>
-          <a:xfrm>
-            <a:off x="8105775" y="522898"/>
-            <a:ext cx="4086225" cy="0"/>
-          </a:xfrm>
-          <a:prstGeom prst="line">
-            <a:avLst/>
-          </a:prstGeom>
-          <a:ln>
-            <a:solidFill>
-              <a:schemeClr val="accent3">
-                <a:lumMod val="50000"/>
-              </a:schemeClr>
-            </a:solidFill>
-            <a:headEnd type="oval"/>
-          </a:ln>
-        </p:spPr>
-        <p:style>
-          <a:lnRef idx="1">
-            <a:schemeClr val="accent1"/>
-          </a:lnRef>
-          <a:fillRef idx="0">
-            <a:schemeClr val="accent1"/>
-          </a:fillRef>
-          <a:effectRef idx="0">
-            <a:schemeClr val="accent1"/>
-          </a:effectRef>
-          <a:fontRef idx="minor">
-            <a:schemeClr val="tx1"/>
-          </a:fontRef>
-        </p:style>
-      </p:cxnSp>
-      <p:sp>
-        <p:nvSpPr>
-          <p:cNvPr id="11" name="Titolo 1">
-            <a:extLst>
-              <a:ext uri="{FF2B5EF4-FFF2-40B4-BE49-F238E27FC236}">
-                <a16:creationId xmlns:a16="http://schemas.microsoft.com/office/drawing/2014/main" id="{4E3F5479-058B-4FA8-92E9-18CAB8CDC5C5}"/>
-              </a:ext>
-            </a:extLst>
-          </p:cNvPr>
-          <p:cNvSpPr txBox="1">
-            <a:spLocks/>
-          </p:cNvSpPr>
-          <p:nvPr/>
-        </p:nvSpPr>
-        <p:spPr>
-          <a:xfrm>
-            <a:off x="228600" y="217133"/>
-            <a:ext cx="11734800" cy="443198"/>
-          </a:xfrm>
-          <a:prstGeom prst="rect">
-            <a:avLst/>
-          </a:prstGeom>
-        </p:spPr>
-        <p:txBody>
-          <a:bodyPr vert="horz" wrap="square" lIns="0" tIns="0" rIns="0" bIns="0" rtlCol="0" anchor="t">
-            <a:spAutoFit/>
-          </a:bodyPr>
-          <a:lstStyle>
-            <a:lvl1pPr algn="l" defTabSz="914400" rtl="0" eaLnBrk="1" latinLnBrk="0" hangingPunct="1">
-              <a:lnSpc>
-                <a:spcPct val="90000"/>
-              </a:lnSpc>
-              <a:spcBef>
-                <a:spcPct val="0"/>
-              </a:spcBef>
-              <a:buNone/>
-              <a:defRPr sz="4400" kern="1200">
-                <a:solidFill>
-                  <a:schemeClr val="tx1"/>
-                </a:solidFill>
-                <a:latin typeface="+mj-lt"/>
-                <a:ea typeface="+mj-ea"/>
-                <a:cs typeface="+mj-cs"/>
-              </a:defRPr>
-            </a:lvl1pPr>
-          </a:lstStyle>
-          <a:p>
-            <a:pPr algn="ctr" rtl="0"/>
-            <a:r>
-              <a:rPr lang="it-IT" sz="3200" b="1" dirty="0">
-                <a:solidFill>
-                  <a:schemeClr val="tx1">
-                    <a:lumMod val="75000"/>
-                    <a:lumOff val="25000"/>
-                  </a:schemeClr>
-                </a:solidFill>
-              </a:rPr>
-              <a:t>Conclusioni</a:t>
-            </a:r>
-          </a:p>
-        </p:txBody>
-      </p:sp>
-      <p:cxnSp>
-        <p:nvCxnSpPr>
-          <p:cNvPr id="14" name="Connettore diritto 13">
-            <a:extLst>
-              <a:ext uri="{FF2B5EF4-FFF2-40B4-BE49-F238E27FC236}">
-                <a16:creationId xmlns:a16="http://schemas.microsoft.com/office/drawing/2014/main" id="{83E690F4-843A-47A5-8620-4FB01C0D8E68}"/>
-              </a:ext>
-              <a:ext uri="{C183D7F6-B498-43B3-948B-1728B52AA6E4}">
-                <adec:decorative xmlns:adec="http://schemas.microsoft.com/office/drawing/2017/decorative" val="1"/>
-              </a:ext>
-            </a:extLst>
-          </p:cNvPr>
-          <p:cNvCxnSpPr>
-            <a:cxnSpLocks/>
-          </p:cNvCxnSpPr>
-          <p:nvPr/>
-        </p:nvCxnSpPr>
-        <p:spPr>
-          <a:xfrm>
-            <a:off x="0" y="522898"/>
-            <a:ext cx="4086225" cy="0"/>
-          </a:xfrm>
-          <a:prstGeom prst="line">
-            <a:avLst/>
-          </a:prstGeom>
-          <a:ln>
-            <a:solidFill>
-              <a:schemeClr val="accent3">
-                <a:lumMod val="50000"/>
-              </a:schemeClr>
-            </a:solidFill>
-            <a:tailEnd type="oval"/>
-          </a:ln>
-        </p:spPr>
-        <p:style>
-          <a:lnRef idx="1">
-            <a:schemeClr val="accent1"/>
-          </a:lnRef>
-          <a:fillRef idx="0">
-            <a:schemeClr val="accent1"/>
-          </a:fillRef>
-          <a:effectRef idx="0">
-            <a:schemeClr val="accent1"/>
-          </a:effectRef>
-          <a:fontRef idx="minor">
-            <a:schemeClr val="tx1"/>
-          </a:fontRef>
-        </p:style>
-      </p:cxnSp>
-      <p:sp>
-        <p:nvSpPr>
-          <p:cNvPr id="6" name="CasellaDiTesto 5">
-            <a:extLst>
-              <a:ext uri="{FF2B5EF4-FFF2-40B4-BE49-F238E27FC236}">
                 <a16:creationId xmlns:a16="http://schemas.microsoft.com/office/drawing/2014/main" id="{CA3D02BF-0572-423F-A5AD-43C83296DAF7}"/>
               </a:ext>
             </a:extLst>
@@ -7038,7 +6225,7 @@
 </p:sld>
 </file>
 
-<file path=ppt/slides/slide12.xml><?xml version="1.0" encoding="utf-8"?>
+<file path=ppt/slides/slide11.xml><?xml version="1.0" encoding="utf-8"?>
 <p:sld xmlns:a="http://schemas.openxmlformats.org/drawingml/2006/main" xmlns:r="http://schemas.openxmlformats.org/officeDocument/2006/relationships" xmlns:p="http://schemas.openxmlformats.org/presentationml/2006/main">
   <p:cSld>
     <p:bg>
@@ -7808,7 +6995,7 @@
                   </a:schemeClr>
                 </a:solidFill>
               </a:rPr>
-              <a:t>Modelli di servizio</a:t>
+              <a:t>Multi-Cloud</a:t>
             </a:r>
             <a:endParaRPr lang="it-IT" sz="3200" dirty="0">
               <a:solidFill>
@@ -7933,8 +7120,8 @@
         </p:nvSpPr>
         <p:spPr>
           <a:xfrm>
-            <a:off x="781290" y="1597735"/>
-            <a:ext cx="5314710" cy="3901068"/>
+            <a:off x="781290" y="1478466"/>
+            <a:ext cx="5314710" cy="4538165"/>
           </a:xfrm>
           <a:prstGeom prst="rect">
             <a:avLst/>
@@ -7963,7 +7150,7 @@
                 <a:latin typeface="Montserrat SemiBold" panose="00000700000000000000" pitchFamily="2" charset="0"/>
                 <a:ea typeface="Times New Roman" panose="02020603050405020304" pitchFamily="18" charset="0"/>
               </a:rPr>
-              <a:t>I vari servizi offerti dai Cloud Provider vengono divisi in diversi </a:t>
+              <a:t>Il </a:t>
             </a:r>
             <a:r>
               <a:rPr lang="it-IT" sz="2000" b="1" dirty="0">
@@ -7973,7 +7160,7 @@
                 <a:latin typeface="Montserrat SemiBold" panose="00000700000000000000" pitchFamily="2" charset="0"/>
                 <a:ea typeface="Times New Roman" panose="02020603050405020304" pitchFamily="18" charset="0"/>
               </a:rPr>
-              <a:t>modelli</a:t>
+              <a:t>multi-cloud</a:t>
             </a:r>
             <a:r>
               <a:rPr lang="it-IT" sz="2000" b="1" dirty="0">
@@ -7983,27 +7170,7 @@
                 <a:latin typeface="Montserrat SemiBold" panose="00000700000000000000" pitchFamily="2" charset="0"/>
                 <a:ea typeface="Times New Roman" panose="02020603050405020304" pitchFamily="18" charset="0"/>
               </a:rPr>
-              <a:t>, andando in questo modo a differenziarli in a base </a:t>
-            </a:r>
-            <a:r>
-              <a:rPr lang="it-IT" sz="2000" b="1" dirty="0">
-                <a:solidFill>
-                  <a:srgbClr val="50B1E1"/>
-                </a:solidFill>
-                <a:latin typeface="Montserrat SemiBold" panose="00000700000000000000" pitchFamily="2" charset="0"/>
-                <a:ea typeface="Times New Roman" panose="02020603050405020304" pitchFamily="18" charset="0"/>
-              </a:rPr>
-              <a:t>al livello di astrazione</a:t>
-            </a:r>
-            <a:r>
-              <a:rPr lang="it-IT" sz="2000" b="1" dirty="0">
-                <a:solidFill>
-                  <a:srgbClr val="262626"/>
-                </a:solidFill>
-                <a:latin typeface="Montserrat SemiBold" panose="00000700000000000000" pitchFamily="2" charset="0"/>
-                <a:ea typeface="Times New Roman" panose="02020603050405020304" pitchFamily="18" charset="0"/>
-              </a:rPr>
-              <a:t> offerto all’utente.</a:t>
+              <a:t> è un paradigma nato per trarre vantaggio dall’esistenza di diversi Cloud Provider. Nella pratica consiste nell’integrare all’interno della stessa architettura i servizi offerti da diversi Cloud Provider.</a:t>
             </a:r>
           </a:p>
           <a:p>
@@ -8040,8 +7207,20 @@
                 <a:latin typeface="Montserrat SemiBold" panose="00000700000000000000" pitchFamily="2" charset="0"/>
                 <a:ea typeface="Times New Roman" panose="02020603050405020304" pitchFamily="18" charset="0"/>
               </a:rPr>
-              <a:t>Tra i diversi modelli di servizio vi è il modello </a:t>
-            </a:r>
+              <a:t>L’utilizzo del multi-cloud da luogo a diversi vantaggi:</a:t>
+            </a:r>
+          </a:p>
+          <a:p>
+            <a:pPr marL="342900" indent="-342900">
+              <a:lnSpc>
+                <a:spcPct val="107000"/>
+              </a:lnSpc>
+              <a:spcAft>
+                <a:spcPts val="800"/>
+              </a:spcAft>
+              <a:buFontTx/>
+              <a:buChar char="-"/>
+            </a:pPr>
             <a:r>
               <a:rPr lang="it-IT" sz="2000" b="1" dirty="0">
                 <a:solidFill>
@@ -8050,53 +7229,91 @@
                 <a:latin typeface="Montserrat SemiBold" panose="00000700000000000000" pitchFamily="2" charset="0"/>
                 <a:ea typeface="Times New Roman" panose="02020603050405020304" pitchFamily="18" charset="0"/>
               </a:rPr>
-              <a:t>Function-as-a-Service (FaaS)</a:t>
+              <a:t>costo-efficienza</a:t>
             </a:r>
             <a:r>
               <a:rPr lang="it-IT" sz="2000" b="1" dirty="0">
+                <a:solidFill>
+                  <a:srgbClr val="262626"/>
+                </a:solidFill>
+                <a:latin typeface="Montserrat SemiBold" panose="00000700000000000000" pitchFamily="2" charset="0"/>
+                <a:ea typeface="Times New Roman" panose="02020603050405020304" pitchFamily="18" charset="0"/>
+              </a:rPr>
+              <a:t>;</a:t>
+            </a:r>
+          </a:p>
+          <a:p>
+            <a:pPr marL="342900" indent="-342900">
+              <a:lnSpc>
+                <a:spcPct val="107000"/>
+              </a:lnSpc>
+              <a:spcAft>
+                <a:spcPts val="800"/>
+              </a:spcAft>
+              <a:buFontTx/>
+              <a:buChar char="-"/>
+            </a:pPr>
+            <a:r>
+              <a:rPr lang="it-IT" sz="2000" b="1" dirty="0">
+                <a:solidFill>
+                  <a:srgbClr val="50B1E1"/>
+                </a:solidFill>
+                <a:latin typeface="Montserrat SemiBold" panose="00000700000000000000" pitchFamily="2" charset="0"/>
+                <a:ea typeface="Times New Roman" panose="02020603050405020304" pitchFamily="18" charset="0"/>
+              </a:rPr>
+              <a:t>riduzione della dipendenza</a:t>
+            </a:r>
+            <a:r>
+              <a:rPr lang="it-IT" sz="2000" b="1" dirty="0">
+                <a:solidFill>
+                  <a:srgbClr val="262626"/>
+                </a:solidFill>
+                <a:latin typeface="Montserrat SemiBold" panose="00000700000000000000" pitchFamily="2" charset="0"/>
+                <a:ea typeface="Times New Roman" panose="02020603050405020304" pitchFamily="18" charset="0"/>
+              </a:rPr>
+              <a:t>;</a:t>
+            </a:r>
+          </a:p>
+          <a:p>
+            <a:pPr marL="342900" indent="-342900">
+              <a:lnSpc>
+                <a:spcPct val="107000"/>
+              </a:lnSpc>
+              <a:spcAft>
+                <a:spcPts val="800"/>
+              </a:spcAft>
+              <a:buFontTx/>
+              <a:buChar char="-"/>
+            </a:pPr>
+            <a:r>
+              <a:rPr lang="it-IT" sz="2000" b="1" dirty="0">
+                <a:solidFill>
+                  <a:srgbClr val="50B1E1"/>
+                </a:solidFill>
+                <a:latin typeface="Montserrat SemiBold" panose="00000700000000000000" pitchFamily="2" charset="0"/>
+                <a:ea typeface="Times New Roman" panose="02020603050405020304" pitchFamily="18" charset="0"/>
+              </a:rPr>
+              <a:t>tolleranza agli errori</a:t>
+            </a:r>
+            <a:r>
+              <a:rPr lang="it-IT" sz="2000" b="1" dirty="0">
+                <a:solidFill>
+                  <a:srgbClr val="262626"/>
+                </a:solidFill>
                 <a:latin typeface="Montserrat SemiBold" panose="00000700000000000000" pitchFamily="2" charset="0"/>
                 <a:ea typeface="Times New Roman" panose="02020603050405020304" pitchFamily="18" charset="0"/>
               </a:rPr>
               <a:t>.</a:t>
-            </a:r>
-            <a:r>
-              <a:rPr lang="it-IT" sz="2000" b="1" dirty="0">
-                <a:solidFill>
-                  <a:srgbClr val="50B1E1"/>
-                </a:solidFill>
-                <a:latin typeface="Montserrat SemiBold" panose="00000700000000000000" pitchFamily="2" charset="0"/>
-                <a:ea typeface="Times New Roman" panose="02020603050405020304" pitchFamily="18" charset="0"/>
-              </a:rPr>
-              <a:t> </a:t>
-            </a:r>
-            <a:br>
-              <a:rPr lang="it-IT" sz="2000" b="1" dirty="0">
-                <a:solidFill>
-                  <a:srgbClr val="262626"/>
-                </a:solidFill>
-                <a:latin typeface="Montserrat SemiBold" panose="00000700000000000000" pitchFamily="2" charset="0"/>
-                <a:ea typeface="Times New Roman" panose="02020603050405020304" pitchFamily="18" charset="0"/>
-              </a:rPr>
-            </a:br>
-            <a:r>
-              <a:rPr lang="it-IT" sz="2000" b="1" dirty="0">
-                <a:solidFill>
-                  <a:srgbClr val="262626"/>
-                </a:solidFill>
-                <a:latin typeface="Montserrat SemiBold" panose="00000700000000000000" pitchFamily="2" charset="0"/>
-                <a:ea typeface="Times New Roman" panose="02020603050405020304" pitchFamily="18" charset="0"/>
-              </a:rPr>
-              <a:t>Esso permette di eseguire un blocco di codice indipendente su Cloud in risposta ad uno specifico evento.</a:t>
             </a:r>
           </a:p>
         </p:txBody>
       </p:sp>
       <p:pic>
         <p:nvPicPr>
-          <p:cNvPr id="3" name="Immagine 2">
-            <a:extLst>
-              <a:ext uri="{FF2B5EF4-FFF2-40B4-BE49-F238E27FC236}">
-                <a16:creationId xmlns:a16="http://schemas.microsoft.com/office/drawing/2014/main" id="{FE28D992-3684-4826-B0D8-B213E731D072}"/>
+          <p:cNvPr id="3" name="Immagine 2" descr="Immagine che contiene testo, stanza, grafica vettoriale, clipart&#10;&#10;Descrizione generata automaticamente">
+            <a:extLst>
+              <a:ext uri="{FF2B5EF4-FFF2-40B4-BE49-F238E27FC236}">
+                <a16:creationId xmlns:a16="http://schemas.microsoft.com/office/drawing/2014/main" id="{FFE04F1C-1517-4043-A773-75405AC92AD0}"/>
               </a:ext>
             </a:extLst>
           </p:cNvPr>
@@ -8119,8 +7336,8 @@
         </p:blipFill>
         <p:spPr>
           <a:xfrm>
-            <a:off x="6957696" y="1478466"/>
-            <a:ext cx="3803069" cy="3803069"/>
+            <a:off x="7143226" y="1409294"/>
+            <a:ext cx="3901068" cy="3901068"/>
           </a:xfrm>
           <a:prstGeom prst="rect">
             <a:avLst/>
@@ -8130,7 +7347,7 @@
     </p:spTree>
     <p:extLst>
       <p:ext uri="{BB962C8B-B14F-4D97-AF65-F5344CB8AC3E}">
-        <p14:creationId xmlns:p14="http://schemas.microsoft.com/office/powerpoint/2010/main" val="299208561"/>
+        <p14:creationId xmlns:p14="http://schemas.microsoft.com/office/powerpoint/2010/main" val="3805035624"/>
       </p:ext>
     </p:extLst>
   </p:cSld>
@@ -8247,7 +7464,1048 @@
                   </a:schemeClr>
                 </a:solidFill>
               </a:rPr>
-              <a:t>Multi-Cloud</a:t>
+              <a:t>Introduzione a FLY</a:t>
+            </a:r>
+            <a:endParaRPr lang="it-IT" sz="3200" dirty="0">
+              <a:solidFill>
+                <a:schemeClr val="tx1">
+                  <a:lumMod val="75000"/>
+                  <a:lumOff val="25000"/>
+                </a:schemeClr>
+              </a:solidFill>
+            </a:endParaRPr>
+          </a:p>
+        </p:txBody>
+      </p:sp>
+      <p:cxnSp>
+        <p:nvCxnSpPr>
+          <p:cNvPr id="14" name="Connettore diritto 13">
+            <a:extLst>
+              <a:ext uri="{FF2B5EF4-FFF2-40B4-BE49-F238E27FC236}">
+                <a16:creationId xmlns:a16="http://schemas.microsoft.com/office/drawing/2014/main" id="{83E690F4-843A-47A5-8620-4FB01C0D8E68}"/>
+              </a:ext>
+              <a:ext uri="{C183D7F6-B498-43B3-948B-1728B52AA6E4}">
+                <adec:decorative xmlns:adec="http://schemas.microsoft.com/office/drawing/2017/decorative" val="1"/>
+              </a:ext>
+            </a:extLst>
+          </p:cNvPr>
+          <p:cNvCxnSpPr>
+            <a:cxnSpLocks/>
+          </p:cNvCxnSpPr>
+          <p:nvPr/>
+        </p:nvCxnSpPr>
+        <p:spPr>
+          <a:xfrm>
+            <a:off x="0" y="522898"/>
+            <a:ext cx="4086225" cy="0"/>
+          </a:xfrm>
+          <a:prstGeom prst="line">
+            <a:avLst/>
+          </a:prstGeom>
+          <a:ln>
+            <a:solidFill>
+              <a:schemeClr val="accent3">
+                <a:lumMod val="50000"/>
+              </a:schemeClr>
+            </a:solidFill>
+            <a:tailEnd type="oval"/>
+          </a:ln>
+        </p:spPr>
+        <p:style>
+          <a:lnRef idx="1">
+            <a:schemeClr val="accent1"/>
+          </a:lnRef>
+          <a:fillRef idx="0">
+            <a:schemeClr val="accent1"/>
+          </a:fillRef>
+          <a:effectRef idx="0">
+            <a:schemeClr val="accent1"/>
+          </a:effectRef>
+          <a:fontRef idx="minor">
+            <a:schemeClr val="tx1"/>
+          </a:fontRef>
+        </p:style>
+      </p:cxnSp>
+      <p:sp>
+        <p:nvSpPr>
+          <p:cNvPr id="12" name="CasellaDiTesto 11">
+            <a:extLst>
+              <a:ext uri="{FF2B5EF4-FFF2-40B4-BE49-F238E27FC236}">
+                <a16:creationId xmlns:a16="http://schemas.microsoft.com/office/drawing/2014/main" id="{FD4702C9-3125-4377-9BC4-5760A8A23A6A}"/>
+              </a:ext>
+            </a:extLst>
+          </p:cNvPr>
+          <p:cNvSpPr txBox="1"/>
+          <p:nvPr/>
+        </p:nvSpPr>
+        <p:spPr>
+          <a:xfrm>
+            <a:off x="847288" y="1692242"/>
+            <a:ext cx="5314710" cy="3798476"/>
+          </a:xfrm>
+          <a:prstGeom prst="rect">
+            <a:avLst/>
+          </a:prstGeom>
+          <a:noFill/>
+        </p:spPr>
+        <p:txBody>
+          <a:bodyPr wrap="square">
+            <a:spAutoFit/>
+          </a:bodyPr>
+          <a:lstStyle/>
+          <a:p>
+            <a:pPr>
+              <a:lnSpc>
+                <a:spcPct val="107000"/>
+              </a:lnSpc>
+              <a:spcAft>
+                <a:spcPts val="800"/>
+              </a:spcAft>
+            </a:pPr>
+            <a:r>
+              <a:rPr lang="it-IT" sz="2000" b="1" dirty="0">
+                <a:solidFill>
+                  <a:srgbClr val="50B1E1"/>
+                </a:solidFill>
+                <a:effectLst/>
+                <a:latin typeface="Montserrat SemiBold" panose="00000700000000000000" pitchFamily="2" charset="0"/>
+                <a:ea typeface="Times New Roman" panose="02020603050405020304" pitchFamily="18" charset="0"/>
+              </a:rPr>
+              <a:t>FLY</a:t>
+            </a:r>
+            <a:r>
+              <a:rPr lang="it-IT" sz="2000" dirty="0">
+                <a:solidFill>
+                  <a:srgbClr val="262626"/>
+                </a:solidFill>
+                <a:effectLst/>
+                <a:latin typeface="Montserrat SemiBold" panose="00000700000000000000" pitchFamily="2" charset="0"/>
+                <a:ea typeface="Times New Roman" panose="02020603050405020304" pitchFamily="18" charset="0"/>
+              </a:rPr>
+              <a:t> nasce per il Calcolo Scientifico sul </a:t>
+            </a:r>
+            <a:r>
+              <a:rPr lang="it-IT" sz="2000" b="1" dirty="0">
+                <a:solidFill>
+                  <a:srgbClr val="50B1E1"/>
+                </a:solidFill>
+                <a:effectLst/>
+                <a:latin typeface="Montserrat SemiBold" panose="00000700000000000000" pitchFamily="2" charset="0"/>
+                <a:ea typeface="Times New Roman" panose="02020603050405020304" pitchFamily="18" charset="0"/>
+              </a:rPr>
+              <a:t>multi-cloud</a:t>
+            </a:r>
+            <a:r>
+              <a:rPr lang="it-IT" sz="2000" b="1" dirty="0">
+                <a:solidFill>
+                  <a:srgbClr val="262626"/>
+                </a:solidFill>
+                <a:effectLst/>
+                <a:latin typeface="Montserrat SemiBold" panose="00000700000000000000" pitchFamily="2" charset="0"/>
+                <a:ea typeface="Times New Roman" panose="02020603050405020304" pitchFamily="18" charset="0"/>
+              </a:rPr>
+              <a:t> </a:t>
+            </a:r>
+            <a:r>
+              <a:rPr lang="it-IT" sz="2000" dirty="0">
+                <a:solidFill>
+                  <a:srgbClr val="262626"/>
+                </a:solidFill>
+                <a:effectLst/>
+                <a:latin typeface="Montserrat SemiBold" panose="00000700000000000000" pitchFamily="2" charset="0"/>
+                <a:ea typeface="Times New Roman" panose="02020603050405020304" pitchFamily="18" charset="0"/>
+              </a:rPr>
+              <a:t>con l’obiettivo di </a:t>
+            </a:r>
+            <a:r>
+              <a:rPr lang="it-IT" sz="2000" b="1" dirty="0">
+                <a:solidFill>
+                  <a:srgbClr val="50B1E1"/>
+                </a:solidFill>
+                <a:effectLst/>
+                <a:latin typeface="Montserrat SemiBold" panose="00000700000000000000" pitchFamily="2" charset="0"/>
+                <a:ea typeface="Times New Roman" panose="02020603050405020304" pitchFamily="18" charset="0"/>
+              </a:rPr>
+              <a:t>semplificare</a:t>
+            </a:r>
+            <a:r>
+              <a:rPr lang="it-IT" sz="2000" dirty="0">
+                <a:solidFill>
+                  <a:srgbClr val="262626"/>
+                </a:solidFill>
+                <a:effectLst/>
+                <a:latin typeface="Montserrat SemiBold" panose="00000700000000000000" pitchFamily="2" charset="0"/>
+                <a:ea typeface="Times New Roman" panose="02020603050405020304" pitchFamily="18" charset="0"/>
+              </a:rPr>
+              <a:t> lo sviluppo di applicazioni che sfruttino la potenza computazionale offerta da molteplici Cloud Provider.</a:t>
+            </a:r>
+          </a:p>
+          <a:p>
+            <a:pPr>
+              <a:lnSpc>
+                <a:spcPct val="107000"/>
+              </a:lnSpc>
+              <a:spcAft>
+                <a:spcPts val="800"/>
+              </a:spcAft>
+            </a:pPr>
+            <a:br>
+              <a:rPr lang="it-IT" sz="2000" dirty="0">
+                <a:solidFill>
+                  <a:srgbClr val="0D0D0D"/>
+                </a:solidFill>
+                <a:latin typeface="Montserrat SemiBold" panose="00000700000000000000" pitchFamily="2" charset="0"/>
+                <a:ea typeface="Times New Roman" panose="02020603050405020304" pitchFamily="18" charset="0"/>
+              </a:rPr>
+            </a:br>
+            <a:r>
+              <a:rPr lang="it-IT" sz="2000" dirty="0">
+                <a:solidFill>
+                  <a:srgbClr val="0D0D0D"/>
+                </a:solidFill>
+                <a:latin typeface="Montserrat SemiBold" panose="00000700000000000000" pitchFamily="2" charset="0"/>
+                <a:ea typeface="Times New Roman" panose="02020603050405020304" pitchFamily="18" charset="0"/>
+              </a:rPr>
+              <a:t>FLY aggiunge un livello di </a:t>
+            </a:r>
+            <a:r>
+              <a:rPr lang="it-IT" sz="2000" dirty="0">
+                <a:solidFill>
+                  <a:srgbClr val="50B1E1"/>
+                </a:solidFill>
+                <a:latin typeface="Montserrat SemiBold" panose="00000700000000000000" pitchFamily="2" charset="0"/>
+                <a:ea typeface="Times New Roman" panose="02020603050405020304" pitchFamily="18" charset="0"/>
+              </a:rPr>
+              <a:t>astrazione</a:t>
+            </a:r>
+            <a:r>
+              <a:rPr lang="it-IT" sz="2000" dirty="0">
+                <a:solidFill>
+                  <a:srgbClr val="0D0D0D"/>
+                </a:solidFill>
+                <a:latin typeface="Montserrat SemiBold" panose="00000700000000000000" pitchFamily="2" charset="0"/>
+                <a:ea typeface="Times New Roman" panose="02020603050405020304" pitchFamily="18" charset="0"/>
+              </a:rPr>
+              <a:t> tale da rendere </a:t>
+            </a:r>
+            <a:r>
+              <a:rPr lang="it-IT" sz="2000" dirty="0">
+                <a:solidFill>
+                  <a:srgbClr val="50B1E1"/>
+                </a:solidFill>
+                <a:latin typeface="Montserrat SemiBold" panose="00000700000000000000" pitchFamily="2" charset="0"/>
+                <a:ea typeface="Times New Roman" panose="02020603050405020304" pitchFamily="18" charset="0"/>
+              </a:rPr>
+              <a:t>omogenea</a:t>
+            </a:r>
+            <a:r>
+              <a:rPr lang="it-IT" sz="2000" dirty="0">
+                <a:solidFill>
+                  <a:srgbClr val="0D0D0D"/>
+                </a:solidFill>
+                <a:latin typeface="Montserrat SemiBold" panose="00000700000000000000" pitchFamily="2" charset="0"/>
+                <a:ea typeface="Times New Roman" panose="02020603050405020304" pitchFamily="18" charset="0"/>
+              </a:rPr>
+              <a:t> l’interazione con i servizi offerti dai diversi Cloud Provider.</a:t>
+            </a:r>
+            <a:endParaRPr lang="it-IT" sz="2000" dirty="0">
+              <a:solidFill>
+                <a:srgbClr val="262626"/>
+              </a:solidFill>
+              <a:effectLst/>
+              <a:latin typeface="Montserrat SemiBold" panose="00000700000000000000" pitchFamily="2" charset="0"/>
+              <a:ea typeface="Times New Roman" panose="02020603050405020304" pitchFamily="18" charset="0"/>
+            </a:endParaRPr>
+          </a:p>
+        </p:txBody>
+      </p:sp>
+      <p:cxnSp>
+        <p:nvCxnSpPr>
+          <p:cNvPr id="10" name="Connettore diritto 9">
+            <a:extLst>
+              <a:ext uri="{FF2B5EF4-FFF2-40B4-BE49-F238E27FC236}">
+                <a16:creationId xmlns:a16="http://schemas.microsoft.com/office/drawing/2014/main" id="{2A762262-C229-4416-B03D-105B254E18BC}"/>
+              </a:ext>
+              <a:ext uri="{C183D7F6-B498-43B3-948B-1728B52AA6E4}">
+                <adec:decorative xmlns:adec="http://schemas.microsoft.com/office/drawing/2017/decorative" val="1"/>
+              </a:ext>
+            </a:extLst>
+          </p:cNvPr>
+          <p:cNvCxnSpPr>
+            <a:cxnSpLocks/>
+          </p:cNvCxnSpPr>
+          <p:nvPr/>
+        </p:nvCxnSpPr>
+        <p:spPr>
+          <a:xfrm>
+            <a:off x="8105775" y="522898"/>
+            <a:ext cx="4086225" cy="0"/>
+          </a:xfrm>
+          <a:prstGeom prst="line">
+            <a:avLst/>
+          </a:prstGeom>
+          <a:ln>
+            <a:solidFill>
+              <a:schemeClr val="accent3">
+                <a:lumMod val="50000"/>
+              </a:schemeClr>
+            </a:solidFill>
+            <a:headEnd type="oval"/>
+          </a:ln>
+        </p:spPr>
+        <p:style>
+          <a:lnRef idx="1">
+            <a:schemeClr val="accent1"/>
+          </a:lnRef>
+          <a:fillRef idx="0">
+            <a:schemeClr val="accent1"/>
+          </a:fillRef>
+          <a:effectRef idx="0">
+            <a:schemeClr val="accent1"/>
+          </a:effectRef>
+          <a:fontRef idx="minor">
+            <a:schemeClr val="tx1"/>
+          </a:fontRef>
+        </p:style>
+      </p:cxnSp>
+      <p:pic>
+        <p:nvPicPr>
+          <p:cNvPr id="13" name="Elemento grafico 12">
+            <a:extLst>
+              <a:ext uri="{FF2B5EF4-FFF2-40B4-BE49-F238E27FC236}">
+                <a16:creationId xmlns:a16="http://schemas.microsoft.com/office/drawing/2014/main" id="{E2735990-DC47-4E8F-83A0-5710FF6644CE}"/>
+              </a:ext>
+            </a:extLst>
+          </p:cNvPr>
+          <p:cNvPicPr>
+            <a:picLocks noChangeAspect="1"/>
+          </p:cNvPicPr>
+          <p:nvPr/>
+        </p:nvPicPr>
+        <p:blipFill>
+          <a:blip r:embed="rId3">
+            <a:extLst>
+              <a:ext uri="{28A0092B-C50C-407E-A947-70E740481C1C}">
+                <a14:useLocalDpi xmlns:a14="http://schemas.microsoft.com/office/drawing/2010/main" val="0"/>
+              </a:ext>
+              <a:ext uri="{96DAC541-7B7A-43D3-8B79-37D633B846F1}">
+                <asvg:svgBlip xmlns:asvg="http://schemas.microsoft.com/office/drawing/2016/SVG/main" r:embed="rId4"/>
+              </a:ext>
+            </a:extLst>
+          </a:blip>
+          <a:stretch>
+            <a:fillRect/>
+          </a:stretch>
+        </p:blipFill>
+        <p:spPr>
+          <a:xfrm>
+            <a:off x="6673371" y="1142982"/>
+            <a:ext cx="4572036" cy="4572036"/>
+          </a:xfrm>
+          <a:prstGeom prst="rect">
+            <a:avLst/>
+          </a:prstGeom>
+        </p:spPr>
+      </p:pic>
+    </p:spTree>
+    <p:extLst>
+      <p:ext uri="{BB962C8B-B14F-4D97-AF65-F5344CB8AC3E}">
+        <p14:creationId xmlns:p14="http://schemas.microsoft.com/office/powerpoint/2010/main" val="2484678588"/>
+      </p:ext>
+    </p:extLst>
+  </p:cSld>
+  <p:clrMapOvr>
+    <a:masterClrMapping/>
+  </p:clrMapOvr>
+</p:sld>
+</file>
+
+<file path=ppt/slides/slide5.xml><?xml version="1.0" encoding="utf-8"?>
+<p:sld xmlns:a="http://schemas.openxmlformats.org/drawingml/2006/main" xmlns:r="http://schemas.openxmlformats.org/officeDocument/2006/relationships" xmlns:p="http://schemas.openxmlformats.org/presentationml/2006/main">
+  <p:cSld>
+    <p:spTree>
+      <p:nvGrpSpPr>
+        <p:cNvPr id="1" name=""/>
+        <p:cNvGrpSpPr/>
+        <p:nvPr/>
+      </p:nvGrpSpPr>
+      <p:grpSpPr>
+        <a:xfrm>
+          <a:off x="0" y="0"/>
+          <a:ext cx="0" cy="0"/>
+          <a:chOff x="0" y="0"/>
+          <a:chExt cx="0" cy="0"/>
+        </a:xfrm>
+      </p:grpSpPr>
+      <p:sp>
+        <p:nvSpPr>
+          <p:cNvPr id="4" name="Titolo 3" hidden="1">
+            <a:extLst>
+              <a:ext uri="{FF2B5EF4-FFF2-40B4-BE49-F238E27FC236}">
+                <a16:creationId xmlns:a16="http://schemas.microsoft.com/office/drawing/2014/main" id="{B5981CF1-BC08-49F8-B0F9-AAF98EC67450}"/>
+              </a:ext>
+            </a:extLst>
+          </p:cNvPr>
+          <p:cNvSpPr>
+            <a:spLocks noGrp="1"/>
+          </p:cNvSpPr>
+          <p:nvPr>
+            <p:ph type="title" idx="4294967295"/>
+          </p:nvPr>
+        </p:nvSpPr>
+        <p:spPr>
+          <a:xfrm>
+            <a:off x="0" y="365125"/>
+            <a:ext cx="10515600" cy="1325563"/>
+          </a:xfrm>
+        </p:spPr>
+        <p:txBody>
+          <a:bodyPr rtlCol="0"/>
+          <a:lstStyle/>
+          <a:p>
+            <a:r>
+              <a:rPr lang="it-IT" dirty="0"/>
+              <a:t>Analisi progetto diapositiva 2</a:t>
+            </a:r>
+          </a:p>
+        </p:txBody>
+      </p:sp>
+      <p:cxnSp>
+        <p:nvCxnSpPr>
+          <p:cNvPr id="8" name="Connettore diritto 7">
+            <a:extLst>
+              <a:ext uri="{FF2B5EF4-FFF2-40B4-BE49-F238E27FC236}">
+                <a16:creationId xmlns:a16="http://schemas.microsoft.com/office/drawing/2014/main" id="{D0986099-F5F2-4E8B-BE17-81194861A00C}"/>
+              </a:ext>
+              <a:ext uri="{C183D7F6-B498-43B3-948B-1728B52AA6E4}">
+                <adec:decorative xmlns:adec="http://schemas.microsoft.com/office/drawing/2017/decorative" val="1"/>
+              </a:ext>
+            </a:extLst>
+          </p:cNvPr>
+          <p:cNvCxnSpPr>
+            <a:cxnSpLocks/>
+          </p:cNvCxnSpPr>
+          <p:nvPr/>
+        </p:nvCxnSpPr>
+        <p:spPr>
+          <a:xfrm>
+            <a:off x="8105775" y="522898"/>
+            <a:ext cx="4086225" cy="0"/>
+          </a:xfrm>
+          <a:prstGeom prst="line">
+            <a:avLst/>
+          </a:prstGeom>
+          <a:ln>
+            <a:solidFill>
+              <a:schemeClr val="accent3">
+                <a:lumMod val="50000"/>
+              </a:schemeClr>
+            </a:solidFill>
+            <a:headEnd type="oval"/>
+          </a:ln>
+        </p:spPr>
+        <p:style>
+          <a:lnRef idx="1">
+            <a:schemeClr val="accent1"/>
+          </a:lnRef>
+          <a:fillRef idx="0">
+            <a:schemeClr val="accent1"/>
+          </a:fillRef>
+          <a:effectRef idx="0">
+            <a:schemeClr val="accent1"/>
+          </a:effectRef>
+          <a:fontRef idx="minor">
+            <a:schemeClr val="tx1"/>
+          </a:fontRef>
+        </p:style>
+      </p:cxnSp>
+      <p:sp>
+        <p:nvSpPr>
+          <p:cNvPr id="11" name="Titolo 1">
+            <a:extLst>
+              <a:ext uri="{FF2B5EF4-FFF2-40B4-BE49-F238E27FC236}">
+                <a16:creationId xmlns:a16="http://schemas.microsoft.com/office/drawing/2014/main" id="{4E3F5479-058B-4FA8-92E9-18CAB8CDC5C5}"/>
+              </a:ext>
+            </a:extLst>
+          </p:cNvPr>
+          <p:cNvSpPr txBox="1">
+            <a:spLocks/>
+          </p:cNvSpPr>
+          <p:nvPr/>
+        </p:nvSpPr>
+        <p:spPr>
+          <a:xfrm>
+            <a:off x="228600" y="217133"/>
+            <a:ext cx="11734800" cy="443198"/>
+          </a:xfrm>
+          <a:prstGeom prst="rect">
+            <a:avLst/>
+          </a:prstGeom>
+        </p:spPr>
+        <p:txBody>
+          <a:bodyPr vert="horz" wrap="square" lIns="0" tIns="0" rIns="0" bIns="0" rtlCol="0" anchor="t">
+            <a:spAutoFit/>
+          </a:bodyPr>
+          <a:lstStyle>
+            <a:lvl1pPr algn="l" defTabSz="914400" rtl="0" eaLnBrk="1" latinLnBrk="0" hangingPunct="1">
+              <a:lnSpc>
+                <a:spcPct val="90000"/>
+              </a:lnSpc>
+              <a:spcBef>
+                <a:spcPct val="0"/>
+              </a:spcBef>
+              <a:buNone/>
+              <a:defRPr sz="4400" kern="1200">
+                <a:solidFill>
+                  <a:schemeClr val="tx1"/>
+                </a:solidFill>
+                <a:latin typeface="+mj-lt"/>
+                <a:ea typeface="+mj-ea"/>
+                <a:cs typeface="+mj-cs"/>
+              </a:defRPr>
+            </a:lvl1pPr>
+          </a:lstStyle>
+          <a:p>
+            <a:pPr algn="ctr" rtl="0"/>
+            <a:r>
+              <a:rPr lang="it-IT" sz="3200" b="1" dirty="0">
+                <a:solidFill>
+                  <a:schemeClr val="tx1">
+                    <a:lumMod val="75000"/>
+                    <a:lumOff val="25000"/>
+                  </a:schemeClr>
+                </a:solidFill>
+              </a:rPr>
+              <a:t>Gestire i dati in FLY</a:t>
+            </a:r>
+            <a:endParaRPr lang="it-IT" sz="3200" dirty="0">
+              <a:solidFill>
+                <a:schemeClr val="tx1">
+                  <a:lumMod val="75000"/>
+                  <a:lumOff val="25000"/>
+                </a:schemeClr>
+              </a:solidFill>
+            </a:endParaRPr>
+          </a:p>
+        </p:txBody>
+      </p:sp>
+      <p:cxnSp>
+        <p:nvCxnSpPr>
+          <p:cNvPr id="14" name="Connettore diritto 13">
+            <a:extLst>
+              <a:ext uri="{FF2B5EF4-FFF2-40B4-BE49-F238E27FC236}">
+                <a16:creationId xmlns:a16="http://schemas.microsoft.com/office/drawing/2014/main" id="{83E690F4-843A-47A5-8620-4FB01C0D8E68}"/>
+              </a:ext>
+              <a:ext uri="{C183D7F6-B498-43B3-948B-1728B52AA6E4}">
+                <adec:decorative xmlns:adec="http://schemas.microsoft.com/office/drawing/2017/decorative" val="1"/>
+              </a:ext>
+            </a:extLst>
+          </p:cNvPr>
+          <p:cNvCxnSpPr>
+            <a:cxnSpLocks/>
+          </p:cNvCxnSpPr>
+          <p:nvPr/>
+        </p:nvCxnSpPr>
+        <p:spPr>
+          <a:xfrm>
+            <a:off x="0" y="522898"/>
+            <a:ext cx="4086225" cy="0"/>
+          </a:xfrm>
+          <a:prstGeom prst="line">
+            <a:avLst/>
+          </a:prstGeom>
+          <a:ln>
+            <a:solidFill>
+              <a:schemeClr val="accent3">
+                <a:lumMod val="50000"/>
+              </a:schemeClr>
+            </a:solidFill>
+            <a:tailEnd type="oval"/>
+          </a:ln>
+        </p:spPr>
+        <p:style>
+          <a:lnRef idx="1">
+            <a:schemeClr val="accent1"/>
+          </a:lnRef>
+          <a:fillRef idx="0">
+            <a:schemeClr val="accent1"/>
+          </a:fillRef>
+          <a:effectRef idx="0">
+            <a:schemeClr val="accent1"/>
+          </a:effectRef>
+          <a:fontRef idx="minor">
+            <a:schemeClr val="tx1"/>
+          </a:fontRef>
+        </p:style>
+      </p:cxnSp>
+      <p:sp>
+        <p:nvSpPr>
+          <p:cNvPr id="12" name="CasellaDiTesto 11">
+            <a:extLst>
+              <a:ext uri="{FF2B5EF4-FFF2-40B4-BE49-F238E27FC236}">
+                <a16:creationId xmlns:a16="http://schemas.microsoft.com/office/drawing/2014/main" id="{FD4702C9-3125-4377-9BC4-5760A8A23A6A}"/>
+              </a:ext>
+            </a:extLst>
+          </p:cNvPr>
+          <p:cNvSpPr txBox="1"/>
+          <p:nvPr/>
+        </p:nvSpPr>
+        <p:spPr>
+          <a:xfrm>
+            <a:off x="781290" y="1283350"/>
+            <a:ext cx="5314710" cy="4991623"/>
+          </a:xfrm>
+          <a:prstGeom prst="rect">
+            <a:avLst/>
+          </a:prstGeom>
+          <a:noFill/>
+        </p:spPr>
+        <p:txBody>
+          <a:bodyPr wrap="square">
+            <a:spAutoFit/>
+          </a:bodyPr>
+          <a:lstStyle/>
+          <a:p>
+            <a:pPr>
+              <a:lnSpc>
+                <a:spcPct val="107000"/>
+              </a:lnSpc>
+              <a:spcAft>
+                <a:spcPts val="800"/>
+              </a:spcAft>
+            </a:pPr>
+            <a:r>
+              <a:rPr lang="it-IT" sz="2000" dirty="0">
+                <a:solidFill>
+                  <a:srgbClr val="262626"/>
+                </a:solidFill>
+                <a:latin typeface="Montserrat SemiBold" panose="00000700000000000000" pitchFamily="2" charset="0"/>
+                <a:ea typeface="Times New Roman" panose="02020603050405020304" pitchFamily="18" charset="0"/>
+              </a:rPr>
+              <a:t>L’ambito del Calcolo Scientifico richiede la necessità di interagire con dati provenienti da </a:t>
+            </a:r>
+            <a:r>
+              <a:rPr lang="it-IT" sz="2000" dirty="0">
+                <a:solidFill>
+                  <a:srgbClr val="50B1E1"/>
+                </a:solidFill>
+                <a:latin typeface="Montserrat SemiBold" panose="00000700000000000000" pitchFamily="2" charset="0"/>
+                <a:ea typeface="Times New Roman" panose="02020603050405020304" pitchFamily="18" charset="0"/>
+              </a:rPr>
+              <a:t>sorgenti esterne</a:t>
+            </a:r>
+            <a:r>
+              <a:rPr lang="it-IT" sz="2000" dirty="0">
+                <a:solidFill>
+                  <a:srgbClr val="262626"/>
+                </a:solidFill>
+                <a:latin typeface="Montserrat SemiBold" panose="00000700000000000000" pitchFamily="2" charset="0"/>
+                <a:ea typeface="Times New Roman" panose="02020603050405020304" pitchFamily="18" charset="0"/>
+              </a:rPr>
+              <a:t>.</a:t>
+            </a:r>
+          </a:p>
+          <a:p>
+            <a:pPr>
+              <a:lnSpc>
+                <a:spcPct val="107000"/>
+              </a:lnSpc>
+              <a:spcAft>
+                <a:spcPts val="800"/>
+              </a:spcAft>
+            </a:pPr>
+            <a:br>
+              <a:rPr lang="it-IT" sz="2000" dirty="0">
+                <a:solidFill>
+                  <a:srgbClr val="262626"/>
+                </a:solidFill>
+                <a:latin typeface="Montserrat SemiBold" panose="00000700000000000000" pitchFamily="2" charset="0"/>
+                <a:ea typeface="Times New Roman" panose="02020603050405020304" pitchFamily="18" charset="0"/>
+              </a:rPr>
+            </a:br>
+            <a:r>
+              <a:rPr lang="it-IT" sz="2000" dirty="0">
+                <a:solidFill>
+                  <a:srgbClr val="262626"/>
+                </a:solidFill>
+                <a:latin typeface="Montserrat SemiBold" panose="00000700000000000000" pitchFamily="2" charset="0"/>
+                <a:ea typeface="Times New Roman" panose="02020603050405020304" pitchFamily="18" charset="0"/>
+              </a:rPr>
+              <a:t>FLY mette a disposizione dello sviluppatore una serie di </a:t>
+            </a:r>
+            <a:r>
+              <a:rPr lang="it-IT" sz="2000" dirty="0">
+                <a:solidFill>
+                  <a:srgbClr val="50B1E1"/>
+                </a:solidFill>
+                <a:latin typeface="Montserrat SemiBold" panose="00000700000000000000" pitchFamily="2" charset="0"/>
+                <a:ea typeface="Times New Roman" panose="02020603050405020304" pitchFamily="18" charset="0"/>
+              </a:rPr>
+              <a:t>costrutti</a:t>
+            </a:r>
+            <a:r>
+              <a:rPr lang="it-IT" sz="2000" dirty="0">
+                <a:solidFill>
+                  <a:srgbClr val="262626"/>
+                </a:solidFill>
+                <a:latin typeface="Montserrat SemiBold" panose="00000700000000000000" pitchFamily="2" charset="0"/>
+                <a:ea typeface="Times New Roman" panose="02020603050405020304" pitchFamily="18" charset="0"/>
+              </a:rPr>
+              <a:t> con il quale è possibile </a:t>
+            </a:r>
+            <a:r>
+              <a:rPr lang="it-IT" sz="2000" dirty="0">
+                <a:solidFill>
+                  <a:srgbClr val="50B1E1"/>
+                </a:solidFill>
+                <a:latin typeface="Montserrat SemiBold" panose="00000700000000000000" pitchFamily="2" charset="0"/>
+                <a:ea typeface="Times New Roman" panose="02020603050405020304" pitchFamily="18" charset="0"/>
+              </a:rPr>
+              <a:t>accedere</a:t>
+            </a:r>
+            <a:r>
+              <a:rPr lang="it-IT" sz="2000" dirty="0">
+                <a:solidFill>
+                  <a:srgbClr val="262626"/>
+                </a:solidFill>
+                <a:latin typeface="Montserrat SemiBold" panose="00000700000000000000" pitchFamily="2" charset="0"/>
+                <a:ea typeface="Times New Roman" panose="02020603050405020304" pitchFamily="18" charset="0"/>
+              </a:rPr>
+              <a:t> e </a:t>
+            </a:r>
+            <a:r>
+              <a:rPr lang="it-IT" sz="2000" dirty="0">
+                <a:solidFill>
+                  <a:srgbClr val="50B1E1"/>
+                </a:solidFill>
+                <a:latin typeface="Montserrat SemiBold" panose="00000700000000000000" pitchFamily="2" charset="0"/>
+                <a:ea typeface="Times New Roman" panose="02020603050405020304" pitchFamily="18" charset="0"/>
+              </a:rPr>
+              <a:t>utilizzare</a:t>
+            </a:r>
+            <a:r>
+              <a:rPr lang="it-IT" sz="2000" dirty="0">
+                <a:solidFill>
+                  <a:srgbClr val="262626"/>
+                </a:solidFill>
+                <a:latin typeface="Montserrat SemiBold" panose="00000700000000000000" pitchFamily="2" charset="0"/>
+                <a:ea typeface="Times New Roman" panose="02020603050405020304" pitchFamily="18" charset="0"/>
+              </a:rPr>
+              <a:t> dati provenienti da </a:t>
+            </a:r>
+            <a:r>
+              <a:rPr lang="it-IT" sz="2000" dirty="0">
+                <a:solidFill>
+                  <a:srgbClr val="50B1E1"/>
+                </a:solidFill>
+                <a:latin typeface="Montserrat SemiBold" panose="00000700000000000000" pitchFamily="2" charset="0"/>
+                <a:ea typeface="Times New Roman" panose="02020603050405020304" pitchFamily="18" charset="0"/>
+              </a:rPr>
+              <a:t>file</a:t>
+            </a:r>
+            <a:r>
+              <a:rPr lang="it-IT" sz="2000" dirty="0">
+                <a:solidFill>
+                  <a:srgbClr val="262626"/>
+                </a:solidFill>
+                <a:latin typeface="Montserrat SemiBold" panose="00000700000000000000" pitchFamily="2" charset="0"/>
+                <a:ea typeface="Times New Roman" panose="02020603050405020304" pitchFamily="18" charset="0"/>
+              </a:rPr>
+              <a:t> e </a:t>
+            </a:r>
+            <a:r>
+              <a:rPr lang="it-IT" sz="2000" dirty="0">
+                <a:solidFill>
+                  <a:srgbClr val="50B1E1"/>
+                </a:solidFill>
+                <a:latin typeface="Montserrat SemiBold" panose="00000700000000000000" pitchFamily="2" charset="0"/>
+                <a:ea typeface="Times New Roman" panose="02020603050405020304" pitchFamily="18" charset="0"/>
+              </a:rPr>
+              <a:t>database relazionali</a:t>
+            </a:r>
+            <a:r>
+              <a:rPr lang="it-IT" sz="2000" dirty="0">
+                <a:solidFill>
+                  <a:srgbClr val="262626"/>
+                </a:solidFill>
+                <a:latin typeface="Montserrat SemiBold" panose="00000700000000000000" pitchFamily="2" charset="0"/>
+                <a:ea typeface="Times New Roman" panose="02020603050405020304" pitchFamily="18" charset="0"/>
+              </a:rPr>
+              <a:t>.</a:t>
+            </a:r>
+          </a:p>
+          <a:p>
+            <a:pPr>
+              <a:lnSpc>
+                <a:spcPct val="107000"/>
+              </a:lnSpc>
+              <a:spcAft>
+                <a:spcPts val="800"/>
+              </a:spcAft>
+            </a:pPr>
+            <a:endParaRPr lang="it-IT" sz="2000" dirty="0">
+              <a:solidFill>
+                <a:srgbClr val="262626"/>
+              </a:solidFill>
+              <a:latin typeface="Montserrat SemiBold" panose="00000700000000000000" pitchFamily="2" charset="0"/>
+              <a:ea typeface="Times New Roman" panose="02020603050405020304" pitchFamily="18" charset="0"/>
+            </a:endParaRPr>
+          </a:p>
+          <a:p>
+            <a:pPr>
+              <a:lnSpc>
+                <a:spcPct val="107000"/>
+              </a:lnSpc>
+              <a:spcAft>
+                <a:spcPts val="800"/>
+              </a:spcAft>
+            </a:pPr>
+            <a:r>
+              <a:rPr lang="it-IT" sz="2000" dirty="0">
+                <a:solidFill>
+                  <a:srgbClr val="262626"/>
+                </a:solidFill>
+                <a:latin typeface="Montserrat SemiBold" panose="00000700000000000000" pitchFamily="2" charset="0"/>
+                <a:ea typeface="Times New Roman" panose="02020603050405020304" pitchFamily="18" charset="0"/>
+              </a:rPr>
+              <a:t>L’aumento della mole di dati e la velocità con cui essi vengono prodotti ha determinato la nascita dei </a:t>
+            </a:r>
+            <a:r>
+              <a:rPr lang="it-IT" sz="2000" dirty="0">
+                <a:solidFill>
+                  <a:srgbClr val="50B1E1"/>
+                </a:solidFill>
+                <a:latin typeface="Montserrat SemiBold" panose="00000700000000000000" pitchFamily="2" charset="0"/>
+                <a:ea typeface="Times New Roman" panose="02020603050405020304" pitchFamily="18" charset="0"/>
+              </a:rPr>
+              <a:t>database non relazionali</a:t>
+            </a:r>
+            <a:r>
+              <a:rPr lang="it-IT" sz="2000" dirty="0">
+                <a:solidFill>
+                  <a:srgbClr val="262626"/>
+                </a:solidFill>
+                <a:latin typeface="Montserrat SemiBold" panose="00000700000000000000" pitchFamily="2" charset="0"/>
+                <a:ea typeface="Times New Roman" panose="02020603050405020304" pitchFamily="18" charset="0"/>
+              </a:rPr>
+              <a:t>.</a:t>
+            </a:r>
+            <a:endParaRPr lang="it-IT" sz="2000" b="1" dirty="0">
+              <a:solidFill>
+                <a:srgbClr val="262626"/>
+              </a:solidFill>
+              <a:latin typeface="Montserrat SemiBold" panose="00000700000000000000" pitchFamily="2" charset="0"/>
+              <a:ea typeface="Times New Roman" panose="02020603050405020304" pitchFamily="18" charset="0"/>
+            </a:endParaRPr>
+          </a:p>
+        </p:txBody>
+      </p:sp>
+      <p:cxnSp>
+        <p:nvCxnSpPr>
+          <p:cNvPr id="13" name="Connettore diritto 12">
+            <a:extLst>
+              <a:ext uri="{FF2B5EF4-FFF2-40B4-BE49-F238E27FC236}">
+                <a16:creationId xmlns:a16="http://schemas.microsoft.com/office/drawing/2014/main" id="{2A2B2832-264C-4A10-9F09-489C2F3ECDE3}"/>
+              </a:ext>
+              <a:ext uri="{C183D7F6-B498-43B3-948B-1728B52AA6E4}">
+                <adec:decorative xmlns:adec="http://schemas.microsoft.com/office/drawing/2017/decorative" val="1"/>
+              </a:ext>
+            </a:extLst>
+          </p:cNvPr>
+          <p:cNvCxnSpPr>
+            <a:cxnSpLocks/>
+          </p:cNvCxnSpPr>
+          <p:nvPr/>
+        </p:nvCxnSpPr>
+        <p:spPr>
+          <a:xfrm>
+            <a:off x="8105775" y="522898"/>
+            <a:ext cx="4086225" cy="0"/>
+          </a:xfrm>
+          <a:prstGeom prst="line">
+            <a:avLst/>
+          </a:prstGeom>
+          <a:ln>
+            <a:solidFill>
+              <a:schemeClr val="accent3">
+                <a:lumMod val="50000"/>
+              </a:schemeClr>
+            </a:solidFill>
+            <a:headEnd type="oval"/>
+          </a:ln>
+        </p:spPr>
+        <p:style>
+          <a:lnRef idx="1">
+            <a:schemeClr val="accent1"/>
+          </a:lnRef>
+          <a:fillRef idx="0">
+            <a:schemeClr val="accent1"/>
+          </a:fillRef>
+          <a:effectRef idx="0">
+            <a:schemeClr val="accent1"/>
+          </a:effectRef>
+          <a:fontRef idx="minor">
+            <a:schemeClr val="tx1"/>
+          </a:fontRef>
+        </p:style>
+      </p:cxnSp>
+      <p:pic>
+        <p:nvPicPr>
+          <p:cNvPr id="3" name="Immagine 2">
+            <a:extLst>
+              <a:ext uri="{FF2B5EF4-FFF2-40B4-BE49-F238E27FC236}">
+                <a16:creationId xmlns:a16="http://schemas.microsoft.com/office/drawing/2014/main" id="{0A4DD598-2B32-488E-A153-40015A43C80F}"/>
+              </a:ext>
+            </a:extLst>
+          </p:cNvPr>
+          <p:cNvPicPr>
+            <a:picLocks noChangeAspect="1"/>
+          </p:cNvPicPr>
+          <p:nvPr/>
+        </p:nvPicPr>
+        <p:blipFill>
+          <a:blip r:embed="rId3">
+            <a:extLst>
+              <a:ext uri="{28A0092B-C50C-407E-A947-70E740481C1C}">
+                <a14:useLocalDpi xmlns:a14="http://schemas.microsoft.com/office/drawing/2010/main" val="0"/>
+              </a:ext>
+            </a:extLst>
+          </a:blip>
+          <a:stretch>
+            <a:fillRect/>
+          </a:stretch>
+        </p:blipFill>
+        <p:spPr>
+          <a:xfrm>
+            <a:off x="6844485" y="1385082"/>
+            <a:ext cx="3726394" cy="3726394"/>
+          </a:xfrm>
+          <a:prstGeom prst="rect">
+            <a:avLst/>
+          </a:prstGeom>
+        </p:spPr>
+      </p:pic>
+    </p:spTree>
+    <p:extLst>
+      <p:ext uri="{BB962C8B-B14F-4D97-AF65-F5344CB8AC3E}">
+        <p14:creationId xmlns:p14="http://schemas.microsoft.com/office/powerpoint/2010/main" val="376249506"/>
+      </p:ext>
+    </p:extLst>
+  </p:cSld>
+  <p:clrMapOvr>
+    <a:masterClrMapping/>
+  </p:clrMapOvr>
+</p:sld>
+</file>
+
+<file path=ppt/slides/slide6.xml><?xml version="1.0" encoding="utf-8"?>
+<p:sld xmlns:a="http://schemas.openxmlformats.org/drawingml/2006/main" xmlns:r="http://schemas.openxmlformats.org/officeDocument/2006/relationships" xmlns:p="http://schemas.openxmlformats.org/presentationml/2006/main">
+  <p:cSld>
+    <p:spTree>
+      <p:nvGrpSpPr>
+        <p:cNvPr id="1" name=""/>
+        <p:cNvGrpSpPr/>
+        <p:nvPr/>
+      </p:nvGrpSpPr>
+      <p:grpSpPr>
+        <a:xfrm>
+          <a:off x="0" y="0"/>
+          <a:ext cx="0" cy="0"/>
+          <a:chOff x="0" y="0"/>
+          <a:chExt cx="0" cy="0"/>
+        </a:xfrm>
+      </p:grpSpPr>
+      <p:sp>
+        <p:nvSpPr>
+          <p:cNvPr id="4" name="Titolo 3" hidden="1">
+            <a:extLst>
+              <a:ext uri="{FF2B5EF4-FFF2-40B4-BE49-F238E27FC236}">
+                <a16:creationId xmlns:a16="http://schemas.microsoft.com/office/drawing/2014/main" id="{B5981CF1-BC08-49F8-B0F9-AAF98EC67450}"/>
+              </a:ext>
+            </a:extLst>
+          </p:cNvPr>
+          <p:cNvSpPr>
+            <a:spLocks noGrp="1"/>
+          </p:cNvSpPr>
+          <p:nvPr>
+            <p:ph type="title" idx="4294967295"/>
+          </p:nvPr>
+        </p:nvSpPr>
+        <p:spPr>
+          <a:xfrm>
+            <a:off x="0" y="365125"/>
+            <a:ext cx="10515600" cy="1325563"/>
+          </a:xfrm>
+        </p:spPr>
+        <p:txBody>
+          <a:bodyPr rtlCol="0"/>
+          <a:lstStyle/>
+          <a:p>
+            <a:r>
+              <a:rPr lang="it-IT" dirty="0"/>
+              <a:t>Analisi progetto diapositiva 2</a:t>
+            </a:r>
+          </a:p>
+        </p:txBody>
+      </p:sp>
+      <p:sp>
+        <p:nvSpPr>
+          <p:cNvPr id="11" name="Titolo 1">
+            <a:extLst>
+              <a:ext uri="{FF2B5EF4-FFF2-40B4-BE49-F238E27FC236}">
+                <a16:creationId xmlns:a16="http://schemas.microsoft.com/office/drawing/2014/main" id="{4E3F5479-058B-4FA8-92E9-18CAB8CDC5C5}"/>
+              </a:ext>
+            </a:extLst>
+          </p:cNvPr>
+          <p:cNvSpPr txBox="1">
+            <a:spLocks/>
+          </p:cNvSpPr>
+          <p:nvPr/>
+        </p:nvSpPr>
+        <p:spPr>
+          <a:xfrm>
+            <a:off x="228600" y="217133"/>
+            <a:ext cx="11734800" cy="443198"/>
+          </a:xfrm>
+          <a:prstGeom prst="rect">
+            <a:avLst/>
+          </a:prstGeom>
+        </p:spPr>
+        <p:txBody>
+          <a:bodyPr vert="horz" wrap="square" lIns="0" tIns="0" rIns="0" bIns="0" rtlCol="0" anchor="t">
+            <a:spAutoFit/>
+          </a:bodyPr>
+          <a:lstStyle>
+            <a:lvl1pPr algn="l" defTabSz="914400" rtl="0" eaLnBrk="1" latinLnBrk="0" hangingPunct="1">
+              <a:lnSpc>
+                <a:spcPct val="90000"/>
+              </a:lnSpc>
+              <a:spcBef>
+                <a:spcPct val="0"/>
+              </a:spcBef>
+              <a:buNone/>
+              <a:defRPr sz="4400" kern="1200">
+                <a:solidFill>
+                  <a:schemeClr val="tx1"/>
+                </a:solidFill>
+                <a:latin typeface="+mj-lt"/>
+                <a:ea typeface="+mj-ea"/>
+                <a:cs typeface="+mj-cs"/>
+              </a:defRPr>
+            </a:lvl1pPr>
+          </a:lstStyle>
+          <a:p>
+            <a:pPr algn="ctr" rtl="0"/>
+            <a:r>
+              <a:rPr lang="it-IT" sz="3200" b="1" dirty="0">
+                <a:solidFill>
+                  <a:schemeClr val="tx1">
+                    <a:lumMod val="75000"/>
+                    <a:lumOff val="25000"/>
+                  </a:schemeClr>
+                </a:solidFill>
+              </a:rPr>
+              <a:t>Database NoSQL</a:t>
             </a:r>
             <a:endParaRPr lang="it-IT" sz="3200" dirty="0">
               <a:solidFill>
@@ -8372,1603 +8630,6 @@
         </p:nvSpPr>
         <p:spPr>
           <a:xfrm>
-            <a:off x="781290" y="1478466"/>
-            <a:ext cx="5314710" cy="4538165"/>
-          </a:xfrm>
-          <a:prstGeom prst="rect">
-            <a:avLst/>
-          </a:prstGeom>
-          <a:noFill/>
-        </p:spPr>
-        <p:txBody>
-          <a:bodyPr wrap="square">
-            <a:spAutoFit/>
-          </a:bodyPr>
-          <a:lstStyle/>
-          <a:p>
-            <a:pPr>
-              <a:lnSpc>
-                <a:spcPct val="107000"/>
-              </a:lnSpc>
-              <a:spcAft>
-                <a:spcPts val="800"/>
-              </a:spcAft>
-            </a:pPr>
-            <a:r>
-              <a:rPr lang="it-IT" sz="2000" b="1" dirty="0">
-                <a:solidFill>
-                  <a:srgbClr val="262626"/>
-                </a:solidFill>
-                <a:latin typeface="Montserrat SemiBold" panose="00000700000000000000" pitchFamily="2" charset="0"/>
-                <a:ea typeface="Times New Roman" panose="02020603050405020304" pitchFamily="18" charset="0"/>
-              </a:rPr>
-              <a:t>Il </a:t>
-            </a:r>
-            <a:r>
-              <a:rPr lang="it-IT" sz="2000" b="1" dirty="0">
-                <a:solidFill>
-                  <a:srgbClr val="50B1E1"/>
-                </a:solidFill>
-                <a:latin typeface="Montserrat SemiBold" panose="00000700000000000000" pitchFamily="2" charset="0"/>
-                <a:ea typeface="Times New Roman" panose="02020603050405020304" pitchFamily="18" charset="0"/>
-              </a:rPr>
-              <a:t>multi-cloud</a:t>
-            </a:r>
-            <a:r>
-              <a:rPr lang="it-IT" sz="2000" b="1" dirty="0">
-                <a:solidFill>
-                  <a:srgbClr val="262626"/>
-                </a:solidFill>
-                <a:latin typeface="Montserrat SemiBold" panose="00000700000000000000" pitchFamily="2" charset="0"/>
-                <a:ea typeface="Times New Roman" panose="02020603050405020304" pitchFamily="18" charset="0"/>
-              </a:rPr>
-              <a:t> è un paradigma nato per trarre vantaggio dall’esistenza di diversi Cloud Provider. Nella pratica consiste nell’integrare all’interno della stessa architettura i servizi offerti da diversi Cloud Provider.</a:t>
-            </a:r>
-          </a:p>
-          <a:p>
-            <a:pPr>
-              <a:lnSpc>
-                <a:spcPct val="107000"/>
-              </a:lnSpc>
-              <a:spcAft>
-                <a:spcPts val="800"/>
-              </a:spcAft>
-            </a:pPr>
-            <a:endParaRPr lang="it-IT" sz="2000" b="1" dirty="0">
-              <a:solidFill>
-                <a:srgbClr val="262626"/>
-              </a:solidFill>
-              <a:latin typeface="Montserrat SemiBold" panose="00000700000000000000" pitchFamily="2" charset="0"/>
-              <a:ea typeface="Times New Roman" panose="02020603050405020304" pitchFamily="18" charset="0"/>
-            </a:endParaRPr>
-          </a:p>
-          <a:p>
-            <a:pPr>
-              <a:lnSpc>
-                <a:spcPct val="107000"/>
-              </a:lnSpc>
-              <a:spcAft>
-                <a:spcPts val="800"/>
-              </a:spcAft>
-            </a:pPr>
-            <a:r>
-              <a:rPr lang="it-IT" sz="2000" b="1" dirty="0">
-                <a:solidFill>
-                  <a:srgbClr val="262626"/>
-                </a:solidFill>
-                <a:latin typeface="Montserrat SemiBold" panose="00000700000000000000" pitchFamily="2" charset="0"/>
-                <a:ea typeface="Times New Roman" panose="02020603050405020304" pitchFamily="18" charset="0"/>
-              </a:rPr>
-              <a:t>L’utilizzo del multi-cloud da luogo a diversi vantaggi:</a:t>
-            </a:r>
-          </a:p>
-          <a:p>
-            <a:pPr marL="342900" indent="-342900">
-              <a:lnSpc>
-                <a:spcPct val="107000"/>
-              </a:lnSpc>
-              <a:spcAft>
-                <a:spcPts val="800"/>
-              </a:spcAft>
-              <a:buFontTx/>
-              <a:buChar char="-"/>
-            </a:pPr>
-            <a:r>
-              <a:rPr lang="it-IT" sz="2000" b="1" dirty="0">
-                <a:solidFill>
-                  <a:srgbClr val="50B1E1"/>
-                </a:solidFill>
-                <a:latin typeface="Montserrat SemiBold" panose="00000700000000000000" pitchFamily="2" charset="0"/>
-                <a:ea typeface="Times New Roman" panose="02020603050405020304" pitchFamily="18" charset="0"/>
-              </a:rPr>
-              <a:t>costo-efficienza</a:t>
-            </a:r>
-            <a:r>
-              <a:rPr lang="it-IT" sz="2000" b="1" dirty="0">
-                <a:solidFill>
-                  <a:srgbClr val="262626"/>
-                </a:solidFill>
-                <a:latin typeface="Montserrat SemiBold" panose="00000700000000000000" pitchFamily="2" charset="0"/>
-                <a:ea typeface="Times New Roman" panose="02020603050405020304" pitchFamily="18" charset="0"/>
-              </a:rPr>
-              <a:t>;</a:t>
-            </a:r>
-          </a:p>
-          <a:p>
-            <a:pPr marL="342900" indent="-342900">
-              <a:lnSpc>
-                <a:spcPct val="107000"/>
-              </a:lnSpc>
-              <a:spcAft>
-                <a:spcPts val="800"/>
-              </a:spcAft>
-              <a:buFontTx/>
-              <a:buChar char="-"/>
-            </a:pPr>
-            <a:r>
-              <a:rPr lang="it-IT" sz="2000" b="1" dirty="0">
-                <a:solidFill>
-                  <a:srgbClr val="50B1E1"/>
-                </a:solidFill>
-                <a:latin typeface="Montserrat SemiBold" panose="00000700000000000000" pitchFamily="2" charset="0"/>
-                <a:ea typeface="Times New Roman" panose="02020603050405020304" pitchFamily="18" charset="0"/>
-              </a:rPr>
-              <a:t>riduzione della dipendenza</a:t>
-            </a:r>
-            <a:r>
-              <a:rPr lang="it-IT" sz="2000" b="1" dirty="0">
-                <a:solidFill>
-                  <a:srgbClr val="262626"/>
-                </a:solidFill>
-                <a:latin typeface="Montserrat SemiBold" panose="00000700000000000000" pitchFamily="2" charset="0"/>
-                <a:ea typeface="Times New Roman" panose="02020603050405020304" pitchFamily="18" charset="0"/>
-              </a:rPr>
-              <a:t>;</a:t>
-            </a:r>
-          </a:p>
-          <a:p>
-            <a:pPr marL="342900" indent="-342900">
-              <a:lnSpc>
-                <a:spcPct val="107000"/>
-              </a:lnSpc>
-              <a:spcAft>
-                <a:spcPts val="800"/>
-              </a:spcAft>
-              <a:buFontTx/>
-              <a:buChar char="-"/>
-            </a:pPr>
-            <a:r>
-              <a:rPr lang="it-IT" sz="2000" b="1" dirty="0">
-                <a:solidFill>
-                  <a:srgbClr val="50B1E1"/>
-                </a:solidFill>
-                <a:latin typeface="Montserrat SemiBold" panose="00000700000000000000" pitchFamily="2" charset="0"/>
-                <a:ea typeface="Times New Roman" panose="02020603050405020304" pitchFamily="18" charset="0"/>
-              </a:rPr>
-              <a:t>tolleranza agli errori</a:t>
-            </a:r>
-            <a:r>
-              <a:rPr lang="it-IT" sz="2000" b="1" dirty="0">
-                <a:solidFill>
-                  <a:srgbClr val="262626"/>
-                </a:solidFill>
-                <a:latin typeface="Montserrat SemiBold" panose="00000700000000000000" pitchFamily="2" charset="0"/>
-                <a:ea typeface="Times New Roman" panose="02020603050405020304" pitchFamily="18" charset="0"/>
-              </a:rPr>
-              <a:t>.</a:t>
-            </a:r>
-          </a:p>
-        </p:txBody>
-      </p:sp>
-      <p:pic>
-        <p:nvPicPr>
-          <p:cNvPr id="3" name="Immagine 2" descr="Immagine che contiene testo, stanza, grafica vettoriale, clipart&#10;&#10;Descrizione generata automaticamente">
-            <a:extLst>
-              <a:ext uri="{FF2B5EF4-FFF2-40B4-BE49-F238E27FC236}">
-                <a16:creationId xmlns:a16="http://schemas.microsoft.com/office/drawing/2014/main" id="{FFE04F1C-1517-4043-A773-75405AC92AD0}"/>
-              </a:ext>
-            </a:extLst>
-          </p:cNvPr>
-          <p:cNvPicPr>
-            <a:picLocks noChangeAspect="1"/>
-          </p:cNvPicPr>
-          <p:nvPr/>
-        </p:nvPicPr>
-        <p:blipFill>
-          <a:blip r:embed="rId3">
-            <a:extLst>
-              <a:ext uri="{28A0092B-C50C-407E-A947-70E740481C1C}">
-                <a14:useLocalDpi xmlns:a14="http://schemas.microsoft.com/office/drawing/2010/main" val="0"/>
-              </a:ext>
-            </a:extLst>
-          </a:blip>
-          <a:stretch>
-            <a:fillRect/>
-          </a:stretch>
-        </p:blipFill>
-        <p:spPr>
-          <a:xfrm>
-            <a:off x="7143226" y="1409294"/>
-            <a:ext cx="3901068" cy="3901068"/>
-          </a:xfrm>
-          <a:prstGeom prst="rect">
-            <a:avLst/>
-          </a:prstGeom>
-        </p:spPr>
-      </p:pic>
-    </p:spTree>
-    <p:extLst>
-      <p:ext uri="{BB962C8B-B14F-4D97-AF65-F5344CB8AC3E}">
-        <p14:creationId xmlns:p14="http://schemas.microsoft.com/office/powerpoint/2010/main" val="3805035624"/>
-      </p:ext>
-    </p:extLst>
-  </p:cSld>
-  <p:clrMapOvr>
-    <a:masterClrMapping/>
-  </p:clrMapOvr>
-</p:sld>
-</file>
-
-<file path=ppt/slides/slide5.xml><?xml version="1.0" encoding="utf-8"?>
-<p:sld xmlns:a="http://schemas.openxmlformats.org/drawingml/2006/main" xmlns:r="http://schemas.openxmlformats.org/officeDocument/2006/relationships" xmlns:p="http://schemas.openxmlformats.org/presentationml/2006/main">
-  <p:cSld>
-    <p:spTree>
-      <p:nvGrpSpPr>
-        <p:cNvPr id="1" name=""/>
-        <p:cNvGrpSpPr/>
-        <p:nvPr/>
-      </p:nvGrpSpPr>
-      <p:grpSpPr>
-        <a:xfrm>
-          <a:off x="0" y="0"/>
-          <a:ext cx="0" cy="0"/>
-          <a:chOff x="0" y="0"/>
-          <a:chExt cx="0" cy="0"/>
-        </a:xfrm>
-      </p:grpSpPr>
-      <p:sp>
-        <p:nvSpPr>
-          <p:cNvPr id="4" name="Titolo 3" hidden="1">
-            <a:extLst>
-              <a:ext uri="{FF2B5EF4-FFF2-40B4-BE49-F238E27FC236}">
-                <a16:creationId xmlns:a16="http://schemas.microsoft.com/office/drawing/2014/main" id="{B5981CF1-BC08-49F8-B0F9-AAF98EC67450}"/>
-              </a:ext>
-            </a:extLst>
-          </p:cNvPr>
-          <p:cNvSpPr>
-            <a:spLocks noGrp="1"/>
-          </p:cNvSpPr>
-          <p:nvPr>
-            <p:ph type="title" idx="4294967295"/>
-          </p:nvPr>
-        </p:nvSpPr>
-        <p:spPr>
-          <a:xfrm>
-            <a:off x="0" y="365125"/>
-            <a:ext cx="10515600" cy="1325563"/>
-          </a:xfrm>
-        </p:spPr>
-        <p:txBody>
-          <a:bodyPr rtlCol="0"/>
-          <a:lstStyle/>
-          <a:p>
-            <a:r>
-              <a:rPr lang="it-IT" dirty="0"/>
-              <a:t>Analisi progetto diapositiva 2</a:t>
-            </a:r>
-          </a:p>
-        </p:txBody>
-      </p:sp>
-      <p:sp>
-        <p:nvSpPr>
-          <p:cNvPr id="11" name="Titolo 1">
-            <a:extLst>
-              <a:ext uri="{FF2B5EF4-FFF2-40B4-BE49-F238E27FC236}">
-                <a16:creationId xmlns:a16="http://schemas.microsoft.com/office/drawing/2014/main" id="{4E3F5479-058B-4FA8-92E9-18CAB8CDC5C5}"/>
-              </a:ext>
-            </a:extLst>
-          </p:cNvPr>
-          <p:cNvSpPr txBox="1">
-            <a:spLocks/>
-          </p:cNvSpPr>
-          <p:nvPr/>
-        </p:nvSpPr>
-        <p:spPr>
-          <a:xfrm>
-            <a:off x="228600" y="217133"/>
-            <a:ext cx="11734800" cy="443198"/>
-          </a:xfrm>
-          <a:prstGeom prst="rect">
-            <a:avLst/>
-          </a:prstGeom>
-        </p:spPr>
-        <p:txBody>
-          <a:bodyPr vert="horz" wrap="square" lIns="0" tIns="0" rIns="0" bIns="0" rtlCol="0" anchor="t">
-            <a:spAutoFit/>
-          </a:bodyPr>
-          <a:lstStyle>
-            <a:lvl1pPr algn="l" defTabSz="914400" rtl="0" eaLnBrk="1" latinLnBrk="0" hangingPunct="1">
-              <a:lnSpc>
-                <a:spcPct val="90000"/>
-              </a:lnSpc>
-              <a:spcBef>
-                <a:spcPct val="0"/>
-              </a:spcBef>
-              <a:buNone/>
-              <a:defRPr sz="4400" kern="1200">
-                <a:solidFill>
-                  <a:schemeClr val="tx1"/>
-                </a:solidFill>
-                <a:latin typeface="+mj-lt"/>
-                <a:ea typeface="+mj-ea"/>
-                <a:cs typeface="+mj-cs"/>
-              </a:defRPr>
-            </a:lvl1pPr>
-          </a:lstStyle>
-          <a:p>
-            <a:pPr algn="ctr" rtl="0"/>
-            <a:r>
-              <a:rPr lang="it-IT" sz="3200" b="1" dirty="0">
-                <a:solidFill>
-                  <a:schemeClr val="tx1">
-                    <a:lumMod val="75000"/>
-                    <a:lumOff val="25000"/>
-                  </a:schemeClr>
-                </a:solidFill>
-              </a:rPr>
-              <a:t>Introduzione a FLY</a:t>
-            </a:r>
-            <a:endParaRPr lang="it-IT" sz="3200" dirty="0">
-              <a:solidFill>
-                <a:schemeClr val="tx1">
-                  <a:lumMod val="75000"/>
-                  <a:lumOff val="25000"/>
-                </a:schemeClr>
-              </a:solidFill>
-            </a:endParaRPr>
-          </a:p>
-        </p:txBody>
-      </p:sp>
-      <p:cxnSp>
-        <p:nvCxnSpPr>
-          <p:cNvPr id="14" name="Connettore diritto 13">
-            <a:extLst>
-              <a:ext uri="{FF2B5EF4-FFF2-40B4-BE49-F238E27FC236}">
-                <a16:creationId xmlns:a16="http://schemas.microsoft.com/office/drawing/2014/main" id="{83E690F4-843A-47A5-8620-4FB01C0D8E68}"/>
-              </a:ext>
-              <a:ext uri="{C183D7F6-B498-43B3-948B-1728B52AA6E4}">
-                <adec:decorative xmlns:adec="http://schemas.microsoft.com/office/drawing/2017/decorative" val="1"/>
-              </a:ext>
-            </a:extLst>
-          </p:cNvPr>
-          <p:cNvCxnSpPr>
-            <a:cxnSpLocks/>
-          </p:cNvCxnSpPr>
-          <p:nvPr/>
-        </p:nvCxnSpPr>
-        <p:spPr>
-          <a:xfrm>
-            <a:off x="0" y="522898"/>
-            <a:ext cx="4086225" cy="0"/>
-          </a:xfrm>
-          <a:prstGeom prst="line">
-            <a:avLst/>
-          </a:prstGeom>
-          <a:ln>
-            <a:solidFill>
-              <a:schemeClr val="accent3">
-                <a:lumMod val="50000"/>
-              </a:schemeClr>
-            </a:solidFill>
-            <a:tailEnd type="oval"/>
-          </a:ln>
-        </p:spPr>
-        <p:style>
-          <a:lnRef idx="1">
-            <a:schemeClr val="accent1"/>
-          </a:lnRef>
-          <a:fillRef idx="0">
-            <a:schemeClr val="accent1"/>
-          </a:fillRef>
-          <a:effectRef idx="0">
-            <a:schemeClr val="accent1"/>
-          </a:effectRef>
-          <a:fontRef idx="minor">
-            <a:schemeClr val="tx1"/>
-          </a:fontRef>
-        </p:style>
-      </p:cxnSp>
-      <p:sp>
-        <p:nvSpPr>
-          <p:cNvPr id="12" name="CasellaDiTesto 11">
-            <a:extLst>
-              <a:ext uri="{FF2B5EF4-FFF2-40B4-BE49-F238E27FC236}">
-                <a16:creationId xmlns:a16="http://schemas.microsoft.com/office/drawing/2014/main" id="{FD4702C9-3125-4377-9BC4-5760A8A23A6A}"/>
-              </a:ext>
-            </a:extLst>
-          </p:cNvPr>
-          <p:cNvSpPr txBox="1"/>
-          <p:nvPr/>
-        </p:nvSpPr>
-        <p:spPr>
-          <a:xfrm>
-            <a:off x="847288" y="1692242"/>
-            <a:ext cx="5314710" cy="4354525"/>
-          </a:xfrm>
-          <a:prstGeom prst="rect">
-            <a:avLst/>
-          </a:prstGeom>
-          <a:noFill/>
-        </p:spPr>
-        <p:txBody>
-          <a:bodyPr wrap="square">
-            <a:spAutoFit/>
-          </a:bodyPr>
-          <a:lstStyle/>
-          <a:p>
-            <a:pPr>
-              <a:lnSpc>
-                <a:spcPct val="107000"/>
-              </a:lnSpc>
-              <a:spcAft>
-                <a:spcPts val="800"/>
-              </a:spcAft>
-            </a:pPr>
-            <a:r>
-              <a:rPr lang="it-IT" sz="2000" b="1" dirty="0">
-                <a:solidFill>
-                  <a:srgbClr val="50B1E1"/>
-                </a:solidFill>
-                <a:effectLst/>
-                <a:latin typeface="Montserrat SemiBold" panose="00000700000000000000" pitchFamily="2" charset="0"/>
-                <a:ea typeface="Times New Roman" panose="02020603050405020304" pitchFamily="18" charset="0"/>
-              </a:rPr>
-              <a:t>FLY</a:t>
-            </a:r>
-            <a:r>
-              <a:rPr lang="it-IT" sz="2000" dirty="0">
-                <a:solidFill>
-                  <a:srgbClr val="262626"/>
-                </a:solidFill>
-                <a:effectLst/>
-                <a:latin typeface="Montserrat SemiBold" panose="00000700000000000000" pitchFamily="2" charset="0"/>
-                <a:ea typeface="Times New Roman" panose="02020603050405020304" pitchFamily="18" charset="0"/>
-              </a:rPr>
-              <a:t> nasce per il Calcolo Scientifico sul </a:t>
-            </a:r>
-            <a:r>
-              <a:rPr lang="it-IT" sz="2000" b="1" dirty="0">
-                <a:solidFill>
-                  <a:srgbClr val="50B1E1"/>
-                </a:solidFill>
-                <a:effectLst/>
-                <a:latin typeface="Montserrat SemiBold" panose="00000700000000000000" pitchFamily="2" charset="0"/>
-                <a:ea typeface="Times New Roman" panose="02020603050405020304" pitchFamily="18" charset="0"/>
-              </a:rPr>
-              <a:t>multi-cloud</a:t>
-            </a:r>
-            <a:r>
-              <a:rPr lang="it-IT" sz="2000" b="1" dirty="0">
-                <a:solidFill>
-                  <a:srgbClr val="262626"/>
-                </a:solidFill>
-                <a:effectLst/>
-                <a:latin typeface="Montserrat SemiBold" panose="00000700000000000000" pitchFamily="2" charset="0"/>
-                <a:ea typeface="Times New Roman" panose="02020603050405020304" pitchFamily="18" charset="0"/>
-              </a:rPr>
-              <a:t> </a:t>
-            </a:r>
-            <a:r>
-              <a:rPr lang="it-IT" sz="2000" dirty="0">
-                <a:solidFill>
-                  <a:srgbClr val="262626"/>
-                </a:solidFill>
-                <a:effectLst/>
-                <a:latin typeface="Montserrat SemiBold" panose="00000700000000000000" pitchFamily="2" charset="0"/>
-                <a:ea typeface="Times New Roman" panose="02020603050405020304" pitchFamily="18" charset="0"/>
-              </a:rPr>
-              <a:t>con l’obiettivo di </a:t>
-            </a:r>
-            <a:r>
-              <a:rPr lang="it-IT" sz="2000" b="1" dirty="0">
-                <a:solidFill>
-                  <a:srgbClr val="50B1E1"/>
-                </a:solidFill>
-                <a:effectLst/>
-                <a:latin typeface="Montserrat SemiBold" panose="00000700000000000000" pitchFamily="2" charset="0"/>
-                <a:ea typeface="Times New Roman" panose="02020603050405020304" pitchFamily="18" charset="0"/>
-              </a:rPr>
-              <a:t>semplificare</a:t>
-            </a:r>
-            <a:r>
-              <a:rPr lang="it-IT" sz="2000" dirty="0">
-                <a:solidFill>
-                  <a:srgbClr val="262626"/>
-                </a:solidFill>
-                <a:effectLst/>
-                <a:latin typeface="Montserrat SemiBold" panose="00000700000000000000" pitchFamily="2" charset="0"/>
-                <a:ea typeface="Times New Roman" panose="02020603050405020304" pitchFamily="18" charset="0"/>
-              </a:rPr>
-              <a:t> lo sviluppo di applicazioni che sfruttino la potenza computazionale offerta da molteplici Cloud Provider, mediante il </a:t>
-            </a:r>
-            <a:r>
-              <a:rPr lang="it-IT" sz="2000" b="1" dirty="0">
-                <a:solidFill>
-                  <a:srgbClr val="50B1E1"/>
-                </a:solidFill>
-                <a:effectLst/>
-                <a:latin typeface="Montserrat SemiBold" panose="00000700000000000000" pitchFamily="2" charset="0"/>
-                <a:ea typeface="Times New Roman" panose="02020603050405020304" pitchFamily="18" charset="0"/>
-              </a:rPr>
-              <a:t>paradigma</a:t>
-            </a:r>
-            <a:r>
-              <a:rPr lang="it-IT" sz="2000" dirty="0">
-                <a:solidFill>
-                  <a:srgbClr val="262626"/>
-                </a:solidFill>
-                <a:effectLst/>
-                <a:latin typeface="Montserrat SemiBold" panose="00000700000000000000" pitchFamily="2" charset="0"/>
-                <a:ea typeface="Times New Roman" panose="02020603050405020304" pitchFamily="18" charset="0"/>
-              </a:rPr>
-              <a:t> </a:t>
-            </a:r>
-            <a:r>
-              <a:rPr lang="it-IT" sz="2000" b="1" dirty="0">
-                <a:solidFill>
-                  <a:srgbClr val="50B1E1"/>
-                </a:solidFill>
-                <a:effectLst/>
-                <a:latin typeface="Montserrat SemiBold" panose="00000700000000000000" pitchFamily="2" charset="0"/>
-                <a:ea typeface="Times New Roman" panose="02020603050405020304" pitchFamily="18" charset="0"/>
-              </a:rPr>
-              <a:t>FaaS</a:t>
-            </a:r>
-            <a:r>
-              <a:rPr lang="it-IT" sz="2000" dirty="0">
-                <a:solidFill>
-                  <a:srgbClr val="262626"/>
-                </a:solidFill>
-                <a:effectLst/>
-                <a:latin typeface="Montserrat SemiBold" panose="00000700000000000000" pitchFamily="2" charset="0"/>
-                <a:ea typeface="Times New Roman" panose="02020603050405020304" pitchFamily="18" charset="0"/>
-              </a:rPr>
-              <a:t> per ottenere alta </a:t>
-            </a:r>
-            <a:r>
-              <a:rPr lang="it-IT" sz="2000" b="1" dirty="0">
-                <a:solidFill>
-                  <a:srgbClr val="50B1E1"/>
-                </a:solidFill>
-                <a:effectLst/>
-                <a:latin typeface="Montserrat SemiBold" panose="00000700000000000000" pitchFamily="2" charset="0"/>
-                <a:ea typeface="Times New Roman" panose="02020603050405020304" pitchFamily="18" charset="0"/>
-              </a:rPr>
-              <a:t>scalabilità</a:t>
-            </a:r>
-            <a:r>
-              <a:rPr lang="it-IT" sz="2000" dirty="0">
-                <a:solidFill>
-                  <a:srgbClr val="262626"/>
-                </a:solidFill>
-                <a:effectLst/>
-                <a:latin typeface="Montserrat SemiBold" panose="00000700000000000000" pitchFamily="2" charset="0"/>
-                <a:ea typeface="Times New Roman" panose="02020603050405020304" pitchFamily="18" charset="0"/>
-              </a:rPr>
-              <a:t> e alte </a:t>
-            </a:r>
-            <a:r>
-              <a:rPr lang="it-IT" sz="2000" b="1" dirty="0">
-                <a:solidFill>
-                  <a:srgbClr val="50B1E1"/>
-                </a:solidFill>
-                <a:effectLst/>
-                <a:latin typeface="Montserrat SemiBold" panose="00000700000000000000" pitchFamily="2" charset="0"/>
-                <a:ea typeface="Times New Roman" panose="02020603050405020304" pitchFamily="18" charset="0"/>
-              </a:rPr>
-              <a:t>prestazioni</a:t>
-            </a:r>
-            <a:r>
-              <a:rPr lang="it-IT" sz="2000" dirty="0">
-                <a:solidFill>
-                  <a:srgbClr val="262626"/>
-                </a:solidFill>
-                <a:effectLst/>
-                <a:latin typeface="Montserrat SemiBold" panose="00000700000000000000" pitchFamily="2" charset="0"/>
-                <a:ea typeface="Times New Roman" panose="02020603050405020304" pitchFamily="18" charset="0"/>
-              </a:rPr>
-              <a:t>.</a:t>
-            </a:r>
-            <a:br>
-              <a:rPr lang="it-IT" sz="2000" dirty="0">
-                <a:solidFill>
-                  <a:srgbClr val="0D0D0D"/>
-                </a:solidFill>
-                <a:latin typeface="Montserrat SemiBold" panose="00000700000000000000" pitchFamily="2" charset="0"/>
-                <a:ea typeface="Times New Roman" panose="02020603050405020304" pitchFamily="18" charset="0"/>
-              </a:rPr>
-            </a:br>
-            <a:br>
-              <a:rPr lang="it-IT" sz="2000" dirty="0">
-                <a:solidFill>
-                  <a:srgbClr val="0D0D0D"/>
-                </a:solidFill>
-                <a:latin typeface="Montserrat SemiBold" panose="00000700000000000000" pitchFamily="2" charset="0"/>
-                <a:ea typeface="Times New Roman" panose="02020603050405020304" pitchFamily="18" charset="0"/>
-              </a:rPr>
-            </a:br>
-            <a:r>
-              <a:rPr lang="it-IT" sz="2000" dirty="0">
-                <a:solidFill>
-                  <a:srgbClr val="0D0D0D"/>
-                </a:solidFill>
-                <a:latin typeface="Montserrat SemiBold" panose="00000700000000000000" pitchFamily="2" charset="0"/>
-                <a:ea typeface="Times New Roman" panose="02020603050405020304" pitchFamily="18" charset="0"/>
-              </a:rPr>
-              <a:t>FLY aggiunge un livello di </a:t>
-            </a:r>
-            <a:r>
-              <a:rPr lang="it-IT" sz="2000" dirty="0">
-                <a:solidFill>
-                  <a:srgbClr val="50B1E1"/>
-                </a:solidFill>
-                <a:latin typeface="Montserrat SemiBold" panose="00000700000000000000" pitchFamily="2" charset="0"/>
-                <a:ea typeface="Times New Roman" panose="02020603050405020304" pitchFamily="18" charset="0"/>
-              </a:rPr>
-              <a:t>astrazione</a:t>
-            </a:r>
-            <a:r>
-              <a:rPr lang="it-IT" sz="2000" dirty="0">
-                <a:solidFill>
-                  <a:srgbClr val="0D0D0D"/>
-                </a:solidFill>
-                <a:latin typeface="Montserrat SemiBold" panose="00000700000000000000" pitchFamily="2" charset="0"/>
-                <a:ea typeface="Times New Roman" panose="02020603050405020304" pitchFamily="18" charset="0"/>
-              </a:rPr>
-              <a:t> tale da rendere </a:t>
-            </a:r>
-            <a:r>
-              <a:rPr lang="it-IT" sz="2000" dirty="0">
-                <a:solidFill>
-                  <a:srgbClr val="50B1E1"/>
-                </a:solidFill>
-                <a:latin typeface="Montserrat SemiBold" panose="00000700000000000000" pitchFamily="2" charset="0"/>
-                <a:ea typeface="Times New Roman" panose="02020603050405020304" pitchFamily="18" charset="0"/>
-              </a:rPr>
-              <a:t>omogenea</a:t>
-            </a:r>
-            <a:r>
-              <a:rPr lang="it-IT" sz="2000" dirty="0">
-                <a:solidFill>
-                  <a:srgbClr val="0D0D0D"/>
-                </a:solidFill>
-                <a:latin typeface="Montserrat SemiBold" panose="00000700000000000000" pitchFamily="2" charset="0"/>
-                <a:ea typeface="Times New Roman" panose="02020603050405020304" pitchFamily="18" charset="0"/>
-              </a:rPr>
-              <a:t> l’interazione con i servizi offerti dai diversi Cloud Provider.</a:t>
-            </a:r>
-            <a:endParaRPr lang="it-IT" sz="2000" dirty="0">
-              <a:solidFill>
-                <a:srgbClr val="262626"/>
-              </a:solidFill>
-              <a:effectLst/>
-              <a:latin typeface="Montserrat SemiBold" panose="00000700000000000000" pitchFamily="2" charset="0"/>
-              <a:ea typeface="Times New Roman" panose="02020603050405020304" pitchFamily="18" charset="0"/>
-            </a:endParaRPr>
-          </a:p>
-        </p:txBody>
-      </p:sp>
-      <p:cxnSp>
-        <p:nvCxnSpPr>
-          <p:cNvPr id="10" name="Connettore diritto 9">
-            <a:extLst>
-              <a:ext uri="{FF2B5EF4-FFF2-40B4-BE49-F238E27FC236}">
-                <a16:creationId xmlns:a16="http://schemas.microsoft.com/office/drawing/2014/main" id="{2A762262-C229-4416-B03D-105B254E18BC}"/>
-              </a:ext>
-              <a:ext uri="{C183D7F6-B498-43B3-948B-1728B52AA6E4}">
-                <adec:decorative xmlns:adec="http://schemas.microsoft.com/office/drawing/2017/decorative" val="1"/>
-              </a:ext>
-            </a:extLst>
-          </p:cNvPr>
-          <p:cNvCxnSpPr>
-            <a:cxnSpLocks/>
-          </p:cNvCxnSpPr>
-          <p:nvPr/>
-        </p:nvCxnSpPr>
-        <p:spPr>
-          <a:xfrm>
-            <a:off x="8105775" y="522898"/>
-            <a:ext cx="4086225" cy="0"/>
-          </a:xfrm>
-          <a:prstGeom prst="line">
-            <a:avLst/>
-          </a:prstGeom>
-          <a:ln>
-            <a:solidFill>
-              <a:schemeClr val="accent3">
-                <a:lumMod val="50000"/>
-              </a:schemeClr>
-            </a:solidFill>
-            <a:headEnd type="oval"/>
-          </a:ln>
-        </p:spPr>
-        <p:style>
-          <a:lnRef idx="1">
-            <a:schemeClr val="accent1"/>
-          </a:lnRef>
-          <a:fillRef idx="0">
-            <a:schemeClr val="accent1"/>
-          </a:fillRef>
-          <a:effectRef idx="0">
-            <a:schemeClr val="accent1"/>
-          </a:effectRef>
-          <a:fontRef idx="minor">
-            <a:schemeClr val="tx1"/>
-          </a:fontRef>
-        </p:style>
-      </p:cxnSp>
-      <p:pic>
-        <p:nvPicPr>
-          <p:cNvPr id="13" name="Elemento grafico 12">
-            <a:extLst>
-              <a:ext uri="{FF2B5EF4-FFF2-40B4-BE49-F238E27FC236}">
-                <a16:creationId xmlns:a16="http://schemas.microsoft.com/office/drawing/2014/main" id="{E2735990-DC47-4E8F-83A0-5710FF6644CE}"/>
-              </a:ext>
-            </a:extLst>
-          </p:cNvPr>
-          <p:cNvPicPr>
-            <a:picLocks noChangeAspect="1"/>
-          </p:cNvPicPr>
-          <p:nvPr/>
-        </p:nvPicPr>
-        <p:blipFill>
-          <a:blip r:embed="rId3">
-            <a:extLst>
-              <a:ext uri="{28A0092B-C50C-407E-A947-70E740481C1C}">
-                <a14:useLocalDpi xmlns:a14="http://schemas.microsoft.com/office/drawing/2010/main" val="0"/>
-              </a:ext>
-              <a:ext uri="{96DAC541-7B7A-43D3-8B79-37D633B846F1}">
-                <asvg:svgBlip xmlns:asvg="http://schemas.microsoft.com/office/drawing/2016/SVG/main" r:embed="rId4"/>
-              </a:ext>
-            </a:extLst>
-          </a:blip>
-          <a:stretch>
-            <a:fillRect/>
-          </a:stretch>
-        </p:blipFill>
-        <p:spPr>
-          <a:xfrm>
-            <a:off x="6673371" y="1142982"/>
-            <a:ext cx="4572036" cy="4572036"/>
-          </a:xfrm>
-          <a:prstGeom prst="rect">
-            <a:avLst/>
-          </a:prstGeom>
-        </p:spPr>
-      </p:pic>
-    </p:spTree>
-    <p:extLst>
-      <p:ext uri="{BB962C8B-B14F-4D97-AF65-F5344CB8AC3E}">
-        <p14:creationId xmlns:p14="http://schemas.microsoft.com/office/powerpoint/2010/main" val="2484678588"/>
-      </p:ext>
-    </p:extLst>
-  </p:cSld>
-  <p:clrMapOvr>
-    <a:masterClrMapping/>
-  </p:clrMapOvr>
-</p:sld>
-</file>
-
-<file path=ppt/slides/slide6.xml><?xml version="1.0" encoding="utf-8"?>
-<p:sld xmlns:a="http://schemas.openxmlformats.org/drawingml/2006/main" xmlns:r="http://schemas.openxmlformats.org/officeDocument/2006/relationships" xmlns:p="http://schemas.openxmlformats.org/presentationml/2006/main">
-  <p:cSld>
-    <p:spTree>
-      <p:nvGrpSpPr>
-        <p:cNvPr id="1" name=""/>
-        <p:cNvGrpSpPr/>
-        <p:nvPr/>
-      </p:nvGrpSpPr>
-      <p:grpSpPr>
-        <a:xfrm>
-          <a:off x="0" y="0"/>
-          <a:ext cx="0" cy="0"/>
-          <a:chOff x="0" y="0"/>
-          <a:chExt cx="0" cy="0"/>
-        </a:xfrm>
-      </p:grpSpPr>
-      <p:sp>
-        <p:nvSpPr>
-          <p:cNvPr id="4" name="Titolo 3" hidden="1">
-            <a:extLst>
-              <a:ext uri="{FF2B5EF4-FFF2-40B4-BE49-F238E27FC236}">
-                <a16:creationId xmlns:a16="http://schemas.microsoft.com/office/drawing/2014/main" id="{B5981CF1-BC08-49F8-B0F9-AAF98EC67450}"/>
-              </a:ext>
-            </a:extLst>
-          </p:cNvPr>
-          <p:cNvSpPr>
-            <a:spLocks noGrp="1"/>
-          </p:cNvSpPr>
-          <p:nvPr>
-            <p:ph type="title" idx="4294967295"/>
-          </p:nvPr>
-        </p:nvSpPr>
-        <p:spPr>
-          <a:xfrm>
-            <a:off x="0" y="365125"/>
-            <a:ext cx="10515600" cy="1325563"/>
-          </a:xfrm>
-        </p:spPr>
-        <p:txBody>
-          <a:bodyPr rtlCol="0"/>
-          <a:lstStyle/>
-          <a:p>
-            <a:r>
-              <a:rPr lang="it-IT" dirty="0"/>
-              <a:t>Analisi progetto diapositiva 2</a:t>
-            </a:r>
-          </a:p>
-        </p:txBody>
-      </p:sp>
-      <p:cxnSp>
-        <p:nvCxnSpPr>
-          <p:cNvPr id="8" name="Connettore diritto 7">
-            <a:extLst>
-              <a:ext uri="{FF2B5EF4-FFF2-40B4-BE49-F238E27FC236}">
-                <a16:creationId xmlns:a16="http://schemas.microsoft.com/office/drawing/2014/main" id="{D0986099-F5F2-4E8B-BE17-81194861A00C}"/>
-              </a:ext>
-              <a:ext uri="{C183D7F6-B498-43B3-948B-1728B52AA6E4}">
-                <adec:decorative xmlns:adec="http://schemas.microsoft.com/office/drawing/2017/decorative" val="1"/>
-              </a:ext>
-            </a:extLst>
-          </p:cNvPr>
-          <p:cNvCxnSpPr>
-            <a:cxnSpLocks/>
-          </p:cNvCxnSpPr>
-          <p:nvPr/>
-        </p:nvCxnSpPr>
-        <p:spPr>
-          <a:xfrm>
-            <a:off x="8105775" y="522898"/>
-            <a:ext cx="4086225" cy="0"/>
-          </a:xfrm>
-          <a:prstGeom prst="line">
-            <a:avLst/>
-          </a:prstGeom>
-          <a:ln>
-            <a:solidFill>
-              <a:schemeClr val="accent3">
-                <a:lumMod val="50000"/>
-              </a:schemeClr>
-            </a:solidFill>
-            <a:headEnd type="oval"/>
-          </a:ln>
-        </p:spPr>
-        <p:style>
-          <a:lnRef idx="1">
-            <a:schemeClr val="accent1"/>
-          </a:lnRef>
-          <a:fillRef idx="0">
-            <a:schemeClr val="accent1"/>
-          </a:fillRef>
-          <a:effectRef idx="0">
-            <a:schemeClr val="accent1"/>
-          </a:effectRef>
-          <a:fontRef idx="minor">
-            <a:schemeClr val="tx1"/>
-          </a:fontRef>
-        </p:style>
-      </p:cxnSp>
-      <p:sp>
-        <p:nvSpPr>
-          <p:cNvPr id="11" name="Titolo 1">
-            <a:extLst>
-              <a:ext uri="{FF2B5EF4-FFF2-40B4-BE49-F238E27FC236}">
-                <a16:creationId xmlns:a16="http://schemas.microsoft.com/office/drawing/2014/main" id="{4E3F5479-058B-4FA8-92E9-18CAB8CDC5C5}"/>
-              </a:ext>
-            </a:extLst>
-          </p:cNvPr>
-          <p:cNvSpPr txBox="1">
-            <a:spLocks/>
-          </p:cNvSpPr>
-          <p:nvPr/>
-        </p:nvSpPr>
-        <p:spPr>
-          <a:xfrm>
-            <a:off x="228600" y="217133"/>
-            <a:ext cx="11734800" cy="443198"/>
-          </a:xfrm>
-          <a:prstGeom prst="rect">
-            <a:avLst/>
-          </a:prstGeom>
-        </p:spPr>
-        <p:txBody>
-          <a:bodyPr vert="horz" wrap="square" lIns="0" tIns="0" rIns="0" bIns="0" rtlCol="0" anchor="t">
-            <a:spAutoFit/>
-          </a:bodyPr>
-          <a:lstStyle>
-            <a:lvl1pPr algn="l" defTabSz="914400" rtl="0" eaLnBrk="1" latinLnBrk="0" hangingPunct="1">
-              <a:lnSpc>
-                <a:spcPct val="90000"/>
-              </a:lnSpc>
-              <a:spcBef>
-                <a:spcPct val="0"/>
-              </a:spcBef>
-              <a:buNone/>
-              <a:defRPr sz="4400" kern="1200">
-                <a:solidFill>
-                  <a:schemeClr val="tx1"/>
-                </a:solidFill>
-                <a:latin typeface="+mj-lt"/>
-                <a:ea typeface="+mj-ea"/>
-                <a:cs typeface="+mj-cs"/>
-              </a:defRPr>
-            </a:lvl1pPr>
-          </a:lstStyle>
-          <a:p>
-            <a:pPr algn="ctr" rtl="0"/>
-            <a:r>
-              <a:rPr lang="it-IT" sz="3200" b="1" dirty="0">
-                <a:solidFill>
-                  <a:schemeClr val="tx1">
-                    <a:lumMod val="75000"/>
-                    <a:lumOff val="25000"/>
-                  </a:schemeClr>
-                </a:solidFill>
-              </a:rPr>
-              <a:t>Gestire i dati in FLY</a:t>
-            </a:r>
-            <a:endParaRPr lang="it-IT" sz="3200" dirty="0">
-              <a:solidFill>
-                <a:schemeClr val="tx1">
-                  <a:lumMod val="75000"/>
-                  <a:lumOff val="25000"/>
-                </a:schemeClr>
-              </a:solidFill>
-            </a:endParaRPr>
-          </a:p>
-        </p:txBody>
-      </p:sp>
-      <p:cxnSp>
-        <p:nvCxnSpPr>
-          <p:cNvPr id="14" name="Connettore diritto 13">
-            <a:extLst>
-              <a:ext uri="{FF2B5EF4-FFF2-40B4-BE49-F238E27FC236}">
-                <a16:creationId xmlns:a16="http://schemas.microsoft.com/office/drawing/2014/main" id="{83E690F4-843A-47A5-8620-4FB01C0D8E68}"/>
-              </a:ext>
-              <a:ext uri="{C183D7F6-B498-43B3-948B-1728B52AA6E4}">
-                <adec:decorative xmlns:adec="http://schemas.microsoft.com/office/drawing/2017/decorative" val="1"/>
-              </a:ext>
-            </a:extLst>
-          </p:cNvPr>
-          <p:cNvCxnSpPr>
-            <a:cxnSpLocks/>
-          </p:cNvCxnSpPr>
-          <p:nvPr/>
-        </p:nvCxnSpPr>
-        <p:spPr>
-          <a:xfrm>
-            <a:off x="0" y="522898"/>
-            <a:ext cx="4086225" cy="0"/>
-          </a:xfrm>
-          <a:prstGeom prst="line">
-            <a:avLst/>
-          </a:prstGeom>
-          <a:ln>
-            <a:solidFill>
-              <a:schemeClr val="accent3">
-                <a:lumMod val="50000"/>
-              </a:schemeClr>
-            </a:solidFill>
-            <a:tailEnd type="oval"/>
-          </a:ln>
-        </p:spPr>
-        <p:style>
-          <a:lnRef idx="1">
-            <a:schemeClr val="accent1"/>
-          </a:lnRef>
-          <a:fillRef idx="0">
-            <a:schemeClr val="accent1"/>
-          </a:fillRef>
-          <a:effectRef idx="0">
-            <a:schemeClr val="accent1"/>
-          </a:effectRef>
-          <a:fontRef idx="minor">
-            <a:schemeClr val="tx1"/>
-          </a:fontRef>
-        </p:style>
-      </p:cxnSp>
-      <p:sp>
-        <p:nvSpPr>
-          <p:cNvPr id="12" name="CasellaDiTesto 11">
-            <a:extLst>
-              <a:ext uri="{FF2B5EF4-FFF2-40B4-BE49-F238E27FC236}">
-                <a16:creationId xmlns:a16="http://schemas.microsoft.com/office/drawing/2014/main" id="{FD4702C9-3125-4377-9BC4-5760A8A23A6A}"/>
-              </a:ext>
-            </a:extLst>
-          </p:cNvPr>
-          <p:cNvSpPr txBox="1"/>
-          <p:nvPr/>
-        </p:nvSpPr>
-        <p:spPr>
-          <a:xfrm>
-            <a:off x="781290" y="1283350"/>
-            <a:ext cx="5314710" cy="4991623"/>
-          </a:xfrm>
-          <a:prstGeom prst="rect">
-            <a:avLst/>
-          </a:prstGeom>
-          <a:noFill/>
-        </p:spPr>
-        <p:txBody>
-          <a:bodyPr wrap="square">
-            <a:spAutoFit/>
-          </a:bodyPr>
-          <a:lstStyle/>
-          <a:p>
-            <a:pPr>
-              <a:lnSpc>
-                <a:spcPct val="107000"/>
-              </a:lnSpc>
-              <a:spcAft>
-                <a:spcPts val="800"/>
-              </a:spcAft>
-            </a:pPr>
-            <a:r>
-              <a:rPr lang="it-IT" sz="2000" dirty="0">
-                <a:solidFill>
-                  <a:srgbClr val="262626"/>
-                </a:solidFill>
-                <a:latin typeface="Montserrat SemiBold" panose="00000700000000000000" pitchFamily="2" charset="0"/>
-                <a:ea typeface="Times New Roman" panose="02020603050405020304" pitchFamily="18" charset="0"/>
-              </a:rPr>
-              <a:t>L’ambito del Calcolo Scientifico richiede la necessità di interagire con dati provenienti da </a:t>
-            </a:r>
-            <a:r>
-              <a:rPr lang="it-IT" sz="2000" dirty="0">
-                <a:solidFill>
-                  <a:srgbClr val="50B1E1"/>
-                </a:solidFill>
-                <a:latin typeface="Montserrat SemiBold" panose="00000700000000000000" pitchFamily="2" charset="0"/>
-                <a:ea typeface="Times New Roman" panose="02020603050405020304" pitchFamily="18" charset="0"/>
-              </a:rPr>
-              <a:t>sorgenti esterne</a:t>
-            </a:r>
-            <a:r>
-              <a:rPr lang="it-IT" sz="2000" dirty="0">
-                <a:solidFill>
-                  <a:srgbClr val="262626"/>
-                </a:solidFill>
-                <a:latin typeface="Montserrat SemiBold" panose="00000700000000000000" pitchFamily="2" charset="0"/>
-                <a:ea typeface="Times New Roman" panose="02020603050405020304" pitchFamily="18" charset="0"/>
-              </a:rPr>
-              <a:t>.</a:t>
-            </a:r>
-          </a:p>
-          <a:p>
-            <a:pPr>
-              <a:lnSpc>
-                <a:spcPct val="107000"/>
-              </a:lnSpc>
-              <a:spcAft>
-                <a:spcPts val="800"/>
-              </a:spcAft>
-            </a:pPr>
-            <a:br>
-              <a:rPr lang="it-IT" sz="2000" dirty="0">
-                <a:solidFill>
-                  <a:srgbClr val="262626"/>
-                </a:solidFill>
-                <a:latin typeface="Montserrat SemiBold" panose="00000700000000000000" pitchFamily="2" charset="0"/>
-                <a:ea typeface="Times New Roman" panose="02020603050405020304" pitchFamily="18" charset="0"/>
-              </a:rPr>
-            </a:br>
-            <a:r>
-              <a:rPr lang="it-IT" sz="2000" dirty="0">
-                <a:solidFill>
-                  <a:srgbClr val="262626"/>
-                </a:solidFill>
-                <a:latin typeface="Montserrat SemiBold" panose="00000700000000000000" pitchFamily="2" charset="0"/>
-                <a:ea typeface="Times New Roman" panose="02020603050405020304" pitchFamily="18" charset="0"/>
-              </a:rPr>
-              <a:t>FLY mette a disposizione dello sviluppatore una serie di </a:t>
-            </a:r>
-            <a:r>
-              <a:rPr lang="it-IT" sz="2000" dirty="0">
-                <a:solidFill>
-                  <a:srgbClr val="50B1E1"/>
-                </a:solidFill>
-                <a:latin typeface="Montserrat SemiBold" panose="00000700000000000000" pitchFamily="2" charset="0"/>
-                <a:ea typeface="Times New Roman" panose="02020603050405020304" pitchFamily="18" charset="0"/>
-              </a:rPr>
-              <a:t>costrutti</a:t>
-            </a:r>
-            <a:r>
-              <a:rPr lang="it-IT" sz="2000" dirty="0">
-                <a:solidFill>
-                  <a:srgbClr val="262626"/>
-                </a:solidFill>
-                <a:latin typeface="Montserrat SemiBold" panose="00000700000000000000" pitchFamily="2" charset="0"/>
-                <a:ea typeface="Times New Roman" panose="02020603050405020304" pitchFamily="18" charset="0"/>
-              </a:rPr>
-              <a:t> con il quale è possibile </a:t>
-            </a:r>
-            <a:r>
-              <a:rPr lang="it-IT" sz="2000" dirty="0">
-                <a:solidFill>
-                  <a:srgbClr val="50B1E1"/>
-                </a:solidFill>
-                <a:latin typeface="Montserrat SemiBold" panose="00000700000000000000" pitchFamily="2" charset="0"/>
-                <a:ea typeface="Times New Roman" panose="02020603050405020304" pitchFamily="18" charset="0"/>
-              </a:rPr>
-              <a:t>accedere</a:t>
-            </a:r>
-            <a:r>
-              <a:rPr lang="it-IT" sz="2000" dirty="0">
-                <a:solidFill>
-                  <a:srgbClr val="262626"/>
-                </a:solidFill>
-                <a:latin typeface="Montserrat SemiBold" panose="00000700000000000000" pitchFamily="2" charset="0"/>
-                <a:ea typeface="Times New Roman" panose="02020603050405020304" pitchFamily="18" charset="0"/>
-              </a:rPr>
-              <a:t> e </a:t>
-            </a:r>
-            <a:r>
-              <a:rPr lang="it-IT" sz="2000" dirty="0">
-                <a:solidFill>
-                  <a:srgbClr val="50B1E1"/>
-                </a:solidFill>
-                <a:latin typeface="Montserrat SemiBold" panose="00000700000000000000" pitchFamily="2" charset="0"/>
-                <a:ea typeface="Times New Roman" panose="02020603050405020304" pitchFamily="18" charset="0"/>
-              </a:rPr>
-              <a:t>utilizzare</a:t>
-            </a:r>
-            <a:r>
-              <a:rPr lang="it-IT" sz="2000" dirty="0">
-                <a:solidFill>
-                  <a:srgbClr val="262626"/>
-                </a:solidFill>
-                <a:latin typeface="Montserrat SemiBold" panose="00000700000000000000" pitchFamily="2" charset="0"/>
-                <a:ea typeface="Times New Roman" panose="02020603050405020304" pitchFamily="18" charset="0"/>
-              </a:rPr>
-              <a:t> dati provenienti da </a:t>
-            </a:r>
-            <a:r>
-              <a:rPr lang="it-IT" sz="2000" dirty="0">
-                <a:solidFill>
-                  <a:srgbClr val="50B1E1"/>
-                </a:solidFill>
-                <a:latin typeface="Montserrat SemiBold" panose="00000700000000000000" pitchFamily="2" charset="0"/>
-                <a:ea typeface="Times New Roman" panose="02020603050405020304" pitchFamily="18" charset="0"/>
-              </a:rPr>
-              <a:t>file</a:t>
-            </a:r>
-            <a:r>
-              <a:rPr lang="it-IT" sz="2000" dirty="0">
-                <a:solidFill>
-                  <a:srgbClr val="262626"/>
-                </a:solidFill>
-                <a:latin typeface="Montserrat SemiBold" panose="00000700000000000000" pitchFamily="2" charset="0"/>
-                <a:ea typeface="Times New Roman" panose="02020603050405020304" pitchFamily="18" charset="0"/>
-              </a:rPr>
-              <a:t> e </a:t>
-            </a:r>
-            <a:r>
-              <a:rPr lang="it-IT" sz="2000" dirty="0">
-                <a:solidFill>
-                  <a:srgbClr val="50B1E1"/>
-                </a:solidFill>
-                <a:latin typeface="Montserrat SemiBold" panose="00000700000000000000" pitchFamily="2" charset="0"/>
-                <a:ea typeface="Times New Roman" panose="02020603050405020304" pitchFamily="18" charset="0"/>
-              </a:rPr>
-              <a:t>database relazionali</a:t>
-            </a:r>
-            <a:r>
-              <a:rPr lang="it-IT" sz="2000" dirty="0">
-                <a:solidFill>
-                  <a:srgbClr val="262626"/>
-                </a:solidFill>
-                <a:latin typeface="Montserrat SemiBold" panose="00000700000000000000" pitchFamily="2" charset="0"/>
-                <a:ea typeface="Times New Roman" panose="02020603050405020304" pitchFamily="18" charset="0"/>
-              </a:rPr>
-              <a:t>.</a:t>
-            </a:r>
-          </a:p>
-          <a:p>
-            <a:pPr>
-              <a:lnSpc>
-                <a:spcPct val="107000"/>
-              </a:lnSpc>
-              <a:spcAft>
-                <a:spcPts val="800"/>
-              </a:spcAft>
-            </a:pPr>
-            <a:endParaRPr lang="it-IT" sz="2000" dirty="0">
-              <a:solidFill>
-                <a:srgbClr val="262626"/>
-              </a:solidFill>
-              <a:latin typeface="Montserrat SemiBold" panose="00000700000000000000" pitchFamily="2" charset="0"/>
-              <a:ea typeface="Times New Roman" panose="02020603050405020304" pitchFamily="18" charset="0"/>
-            </a:endParaRPr>
-          </a:p>
-          <a:p>
-            <a:pPr>
-              <a:lnSpc>
-                <a:spcPct val="107000"/>
-              </a:lnSpc>
-              <a:spcAft>
-                <a:spcPts val="800"/>
-              </a:spcAft>
-            </a:pPr>
-            <a:r>
-              <a:rPr lang="it-IT" sz="2000" dirty="0">
-                <a:solidFill>
-                  <a:srgbClr val="262626"/>
-                </a:solidFill>
-                <a:latin typeface="Montserrat SemiBold" panose="00000700000000000000" pitchFamily="2" charset="0"/>
-                <a:ea typeface="Times New Roman" panose="02020603050405020304" pitchFamily="18" charset="0"/>
-              </a:rPr>
-              <a:t>L’aumento della mole di dati e la velocità con cui essi vengono prodotti ha determinato la nascita dei </a:t>
-            </a:r>
-            <a:r>
-              <a:rPr lang="it-IT" sz="2000" dirty="0">
-                <a:solidFill>
-                  <a:srgbClr val="50B1E1"/>
-                </a:solidFill>
-                <a:latin typeface="Montserrat SemiBold" panose="00000700000000000000" pitchFamily="2" charset="0"/>
-                <a:ea typeface="Times New Roman" panose="02020603050405020304" pitchFamily="18" charset="0"/>
-              </a:rPr>
-              <a:t>database non relazionali</a:t>
-            </a:r>
-            <a:r>
-              <a:rPr lang="it-IT" sz="2000" dirty="0">
-                <a:solidFill>
-                  <a:srgbClr val="262626"/>
-                </a:solidFill>
-                <a:latin typeface="Montserrat SemiBold" panose="00000700000000000000" pitchFamily="2" charset="0"/>
-                <a:ea typeface="Times New Roman" panose="02020603050405020304" pitchFamily="18" charset="0"/>
-              </a:rPr>
-              <a:t>.</a:t>
-            </a:r>
-            <a:endParaRPr lang="it-IT" sz="2000" b="1" dirty="0">
-              <a:solidFill>
-                <a:srgbClr val="262626"/>
-              </a:solidFill>
-              <a:latin typeface="Montserrat SemiBold" panose="00000700000000000000" pitchFamily="2" charset="0"/>
-              <a:ea typeface="Times New Roman" panose="02020603050405020304" pitchFamily="18" charset="0"/>
-            </a:endParaRPr>
-          </a:p>
-        </p:txBody>
-      </p:sp>
-      <p:cxnSp>
-        <p:nvCxnSpPr>
-          <p:cNvPr id="13" name="Connettore diritto 12">
-            <a:extLst>
-              <a:ext uri="{FF2B5EF4-FFF2-40B4-BE49-F238E27FC236}">
-                <a16:creationId xmlns:a16="http://schemas.microsoft.com/office/drawing/2014/main" id="{2A2B2832-264C-4A10-9F09-489C2F3ECDE3}"/>
-              </a:ext>
-              <a:ext uri="{C183D7F6-B498-43B3-948B-1728B52AA6E4}">
-                <adec:decorative xmlns:adec="http://schemas.microsoft.com/office/drawing/2017/decorative" val="1"/>
-              </a:ext>
-            </a:extLst>
-          </p:cNvPr>
-          <p:cNvCxnSpPr>
-            <a:cxnSpLocks/>
-          </p:cNvCxnSpPr>
-          <p:nvPr/>
-        </p:nvCxnSpPr>
-        <p:spPr>
-          <a:xfrm>
-            <a:off x="8105775" y="522898"/>
-            <a:ext cx="4086225" cy="0"/>
-          </a:xfrm>
-          <a:prstGeom prst="line">
-            <a:avLst/>
-          </a:prstGeom>
-          <a:ln>
-            <a:solidFill>
-              <a:schemeClr val="accent3">
-                <a:lumMod val="50000"/>
-              </a:schemeClr>
-            </a:solidFill>
-            <a:headEnd type="oval"/>
-          </a:ln>
-        </p:spPr>
-        <p:style>
-          <a:lnRef idx="1">
-            <a:schemeClr val="accent1"/>
-          </a:lnRef>
-          <a:fillRef idx="0">
-            <a:schemeClr val="accent1"/>
-          </a:fillRef>
-          <a:effectRef idx="0">
-            <a:schemeClr val="accent1"/>
-          </a:effectRef>
-          <a:fontRef idx="minor">
-            <a:schemeClr val="tx1"/>
-          </a:fontRef>
-        </p:style>
-      </p:cxnSp>
-      <p:pic>
-        <p:nvPicPr>
-          <p:cNvPr id="3" name="Immagine 2">
-            <a:extLst>
-              <a:ext uri="{FF2B5EF4-FFF2-40B4-BE49-F238E27FC236}">
-                <a16:creationId xmlns:a16="http://schemas.microsoft.com/office/drawing/2014/main" id="{0A4DD598-2B32-488E-A153-40015A43C80F}"/>
-              </a:ext>
-            </a:extLst>
-          </p:cNvPr>
-          <p:cNvPicPr>
-            <a:picLocks noChangeAspect="1"/>
-          </p:cNvPicPr>
-          <p:nvPr/>
-        </p:nvPicPr>
-        <p:blipFill>
-          <a:blip r:embed="rId3">
-            <a:extLst>
-              <a:ext uri="{28A0092B-C50C-407E-A947-70E740481C1C}">
-                <a14:useLocalDpi xmlns:a14="http://schemas.microsoft.com/office/drawing/2010/main" val="0"/>
-              </a:ext>
-            </a:extLst>
-          </a:blip>
-          <a:stretch>
-            <a:fillRect/>
-          </a:stretch>
-        </p:blipFill>
-        <p:spPr>
-          <a:xfrm>
-            <a:off x="6844485" y="1385082"/>
-            <a:ext cx="3726394" cy="3726394"/>
-          </a:xfrm>
-          <a:prstGeom prst="rect">
-            <a:avLst/>
-          </a:prstGeom>
-        </p:spPr>
-      </p:pic>
-    </p:spTree>
-    <p:extLst>
-      <p:ext uri="{BB962C8B-B14F-4D97-AF65-F5344CB8AC3E}">
-        <p14:creationId xmlns:p14="http://schemas.microsoft.com/office/powerpoint/2010/main" val="376249506"/>
-      </p:ext>
-    </p:extLst>
-  </p:cSld>
-  <p:clrMapOvr>
-    <a:masterClrMapping/>
-  </p:clrMapOvr>
-</p:sld>
-</file>
-
-<file path=ppt/slides/slide7.xml><?xml version="1.0" encoding="utf-8"?>
-<p:sld xmlns:a="http://schemas.openxmlformats.org/drawingml/2006/main" xmlns:r="http://schemas.openxmlformats.org/officeDocument/2006/relationships" xmlns:p="http://schemas.openxmlformats.org/presentationml/2006/main">
-  <p:cSld>
-    <p:spTree>
-      <p:nvGrpSpPr>
-        <p:cNvPr id="1" name=""/>
-        <p:cNvGrpSpPr/>
-        <p:nvPr/>
-      </p:nvGrpSpPr>
-      <p:grpSpPr>
-        <a:xfrm>
-          <a:off x="0" y="0"/>
-          <a:ext cx="0" cy="0"/>
-          <a:chOff x="0" y="0"/>
-          <a:chExt cx="0" cy="0"/>
-        </a:xfrm>
-      </p:grpSpPr>
-      <p:sp>
-        <p:nvSpPr>
-          <p:cNvPr id="4" name="Titolo 3" hidden="1">
-            <a:extLst>
-              <a:ext uri="{FF2B5EF4-FFF2-40B4-BE49-F238E27FC236}">
-                <a16:creationId xmlns:a16="http://schemas.microsoft.com/office/drawing/2014/main" id="{B5981CF1-BC08-49F8-B0F9-AAF98EC67450}"/>
-              </a:ext>
-            </a:extLst>
-          </p:cNvPr>
-          <p:cNvSpPr>
-            <a:spLocks noGrp="1"/>
-          </p:cNvSpPr>
-          <p:nvPr>
-            <p:ph type="title" idx="4294967295"/>
-          </p:nvPr>
-        </p:nvSpPr>
-        <p:spPr>
-          <a:xfrm>
-            <a:off x="0" y="365125"/>
-            <a:ext cx="10515600" cy="1325563"/>
-          </a:xfrm>
-        </p:spPr>
-        <p:txBody>
-          <a:bodyPr rtlCol="0"/>
-          <a:lstStyle/>
-          <a:p>
-            <a:r>
-              <a:rPr lang="it-IT" dirty="0"/>
-              <a:t>Analisi progetto diapositiva 2</a:t>
-            </a:r>
-          </a:p>
-        </p:txBody>
-      </p:sp>
-      <p:sp>
-        <p:nvSpPr>
-          <p:cNvPr id="11" name="Titolo 1">
-            <a:extLst>
-              <a:ext uri="{FF2B5EF4-FFF2-40B4-BE49-F238E27FC236}">
-                <a16:creationId xmlns:a16="http://schemas.microsoft.com/office/drawing/2014/main" id="{4E3F5479-058B-4FA8-92E9-18CAB8CDC5C5}"/>
-              </a:ext>
-            </a:extLst>
-          </p:cNvPr>
-          <p:cNvSpPr txBox="1">
-            <a:spLocks/>
-          </p:cNvSpPr>
-          <p:nvPr/>
-        </p:nvSpPr>
-        <p:spPr>
-          <a:xfrm>
-            <a:off x="228600" y="217133"/>
-            <a:ext cx="11734800" cy="443198"/>
-          </a:xfrm>
-          <a:prstGeom prst="rect">
-            <a:avLst/>
-          </a:prstGeom>
-        </p:spPr>
-        <p:txBody>
-          <a:bodyPr vert="horz" wrap="square" lIns="0" tIns="0" rIns="0" bIns="0" rtlCol="0" anchor="t">
-            <a:spAutoFit/>
-          </a:bodyPr>
-          <a:lstStyle>
-            <a:lvl1pPr algn="l" defTabSz="914400" rtl="0" eaLnBrk="1" latinLnBrk="0" hangingPunct="1">
-              <a:lnSpc>
-                <a:spcPct val="90000"/>
-              </a:lnSpc>
-              <a:spcBef>
-                <a:spcPct val="0"/>
-              </a:spcBef>
-              <a:buNone/>
-              <a:defRPr sz="4400" kern="1200">
-                <a:solidFill>
-                  <a:schemeClr val="tx1"/>
-                </a:solidFill>
-                <a:latin typeface="+mj-lt"/>
-                <a:ea typeface="+mj-ea"/>
-                <a:cs typeface="+mj-cs"/>
-              </a:defRPr>
-            </a:lvl1pPr>
-          </a:lstStyle>
-          <a:p>
-            <a:pPr algn="ctr" rtl="0"/>
-            <a:r>
-              <a:rPr lang="it-IT" sz="3200" b="1" dirty="0">
-                <a:solidFill>
-                  <a:schemeClr val="tx1">
-                    <a:lumMod val="75000"/>
-                    <a:lumOff val="25000"/>
-                  </a:schemeClr>
-                </a:solidFill>
-              </a:rPr>
-              <a:t>Database NoSQL</a:t>
-            </a:r>
-            <a:endParaRPr lang="it-IT" sz="3200" dirty="0">
-              <a:solidFill>
-                <a:schemeClr val="tx1">
-                  <a:lumMod val="75000"/>
-                  <a:lumOff val="25000"/>
-                </a:schemeClr>
-              </a:solidFill>
-            </a:endParaRPr>
-          </a:p>
-        </p:txBody>
-      </p:sp>
-      <p:cxnSp>
-        <p:nvCxnSpPr>
-          <p:cNvPr id="14" name="Connettore diritto 13">
-            <a:extLst>
-              <a:ext uri="{FF2B5EF4-FFF2-40B4-BE49-F238E27FC236}">
-                <a16:creationId xmlns:a16="http://schemas.microsoft.com/office/drawing/2014/main" id="{83E690F4-843A-47A5-8620-4FB01C0D8E68}"/>
-              </a:ext>
-              <a:ext uri="{C183D7F6-B498-43B3-948B-1728B52AA6E4}">
-                <adec:decorative xmlns:adec="http://schemas.microsoft.com/office/drawing/2017/decorative" val="1"/>
-              </a:ext>
-            </a:extLst>
-          </p:cNvPr>
-          <p:cNvCxnSpPr>
-            <a:cxnSpLocks/>
-          </p:cNvCxnSpPr>
-          <p:nvPr/>
-        </p:nvCxnSpPr>
-        <p:spPr>
-          <a:xfrm>
-            <a:off x="0" y="522898"/>
-            <a:ext cx="4086225" cy="0"/>
-          </a:xfrm>
-          <a:prstGeom prst="line">
-            <a:avLst/>
-          </a:prstGeom>
-          <a:ln>
-            <a:solidFill>
-              <a:schemeClr val="accent3">
-                <a:lumMod val="50000"/>
-              </a:schemeClr>
-            </a:solidFill>
-            <a:tailEnd type="oval"/>
-          </a:ln>
-        </p:spPr>
-        <p:style>
-          <a:lnRef idx="1">
-            <a:schemeClr val="accent1"/>
-          </a:lnRef>
-          <a:fillRef idx="0">
-            <a:schemeClr val="accent1"/>
-          </a:fillRef>
-          <a:effectRef idx="0">
-            <a:schemeClr val="accent1"/>
-          </a:effectRef>
-          <a:fontRef idx="minor">
-            <a:schemeClr val="tx1"/>
-          </a:fontRef>
-        </p:style>
-      </p:cxnSp>
-      <p:cxnSp>
-        <p:nvCxnSpPr>
-          <p:cNvPr id="10" name="Connettore diritto 9">
-            <a:extLst>
-              <a:ext uri="{FF2B5EF4-FFF2-40B4-BE49-F238E27FC236}">
-                <a16:creationId xmlns:a16="http://schemas.microsoft.com/office/drawing/2014/main" id="{2A762262-C229-4416-B03D-105B254E18BC}"/>
-              </a:ext>
-              <a:ext uri="{C183D7F6-B498-43B3-948B-1728B52AA6E4}">
-                <adec:decorative xmlns:adec="http://schemas.microsoft.com/office/drawing/2017/decorative" val="1"/>
-              </a:ext>
-            </a:extLst>
-          </p:cNvPr>
-          <p:cNvCxnSpPr>
-            <a:cxnSpLocks/>
-          </p:cNvCxnSpPr>
-          <p:nvPr/>
-        </p:nvCxnSpPr>
-        <p:spPr>
-          <a:xfrm>
-            <a:off x="8105775" y="522898"/>
-            <a:ext cx="4086225" cy="0"/>
-          </a:xfrm>
-          <a:prstGeom prst="line">
-            <a:avLst/>
-          </a:prstGeom>
-          <a:ln>
-            <a:solidFill>
-              <a:schemeClr val="accent3">
-                <a:lumMod val="50000"/>
-              </a:schemeClr>
-            </a:solidFill>
-            <a:headEnd type="oval"/>
-          </a:ln>
-        </p:spPr>
-        <p:style>
-          <a:lnRef idx="1">
-            <a:schemeClr val="accent1"/>
-          </a:lnRef>
-          <a:fillRef idx="0">
-            <a:schemeClr val="accent1"/>
-          </a:fillRef>
-          <a:effectRef idx="0">
-            <a:schemeClr val="accent1"/>
-          </a:effectRef>
-          <a:fontRef idx="minor">
-            <a:schemeClr val="tx1"/>
-          </a:fontRef>
-        </p:style>
-      </p:cxnSp>
-      <p:sp>
-        <p:nvSpPr>
-          <p:cNvPr id="7" name="CasellaDiTesto 6">
-            <a:extLst>
-              <a:ext uri="{FF2B5EF4-FFF2-40B4-BE49-F238E27FC236}">
-                <a16:creationId xmlns:a16="http://schemas.microsoft.com/office/drawing/2014/main" id="{0A3E5162-0904-4EEF-AF99-8D53FFC1D3CD}"/>
-              </a:ext>
-            </a:extLst>
-          </p:cNvPr>
-          <p:cNvSpPr txBox="1"/>
-          <p:nvPr/>
-        </p:nvSpPr>
-        <p:spPr>
-          <a:xfrm>
             <a:off x="617149" y="1313805"/>
             <a:ext cx="5314710" cy="4230389"/>
           </a:xfrm>
@@ -10271,7 +8932,7 @@
 </p:sld>
 </file>
 
-<file path=ppt/slides/slide8.xml><?xml version="1.0" encoding="utf-8"?>
+<file path=ppt/slides/slide7.xml><?xml version="1.0" encoding="utf-8"?>
 <p:sld xmlns:a="http://schemas.openxmlformats.org/drawingml/2006/main" xmlns:r="http://schemas.openxmlformats.org/officeDocument/2006/relationships" xmlns:p="http://schemas.openxmlformats.org/presentationml/2006/main">
   <p:cSld>
     <p:spTree>
@@ -10747,7 +9408,7 @@
 </p:sld>
 </file>
 
-<file path=ppt/slides/slide9.xml><?xml version="1.0" encoding="utf-8"?>
+<file path=ppt/slides/slide8.xml><?xml version="1.0" encoding="utf-8"?>
 <p:sld xmlns:a="http://schemas.openxmlformats.org/drawingml/2006/main" xmlns:r="http://schemas.openxmlformats.org/officeDocument/2006/relationships" xmlns:p="http://schemas.openxmlformats.org/presentationml/2006/main">
   <p:cSld>
     <p:spTree>
@@ -11552,6 +10213,732 @@
     <p:extLst>
       <p:ext uri="{BB962C8B-B14F-4D97-AF65-F5344CB8AC3E}">
         <p14:creationId xmlns:p14="http://schemas.microsoft.com/office/powerpoint/2010/main" val="142855946"/>
+      </p:ext>
+    </p:extLst>
+  </p:cSld>
+  <p:clrMapOvr>
+    <a:masterClrMapping/>
+  </p:clrMapOvr>
+</p:sld>
+</file>
+
+<file path=ppt/slides/slide9.xml><?xml version="1.0" encoding="utf-8"?>
+<p:sld xmlns:a="http://schemas.openxmlformats.org/drawingml/2006/main" xmlns:r="http://schemas.openxmlformats.org/officeDocument/2006/relationships" xmlns:p="http://schemas.openxmlformats.org/presentationml/2006/main">
+  <p:cSld>
+    <p:spTree>
+      <p:nvGrpSpPr>
+        <p:cNvPr id="1" name=""/>
+        <p:cNvGrpSpPr/>
+        <p:nvPr/>
+      </p:nvGrpSpPr>
+      <p:grpSpPr>
+        <a:xfrm>
+          <a:off x="0" y="0"/>
+          <a:ext cx="0" cy="0"/>
+          <a:chOff x="0" y="0"/>
+          <a:chExt cx="0" cy="0"/>
+        </a:xfrm>
+      </p:grpSpPr>
+      <p:sp>
+        <p:nvSpPr>
+          <p:cNvPr id="4" name="Titolo 3" hidden="1">
+            <a:extLst>
+              <a:ext uri="{FF2B5EF4-FFF2-40B4-BE49-F238E27FC236}">
+                <a16:creationId xmlns:a16="http://schemas.microsoft.com/office/drawing/2014/main" id="{B5981CF1-BC08-49F8-B0F9-AAF98EC67450}"/>
+              </a:ext>
+            </a:extLst>
+          </p:cNvPr>
+          <p:cNvSpPr>
+            <a:spLocks noGrp="1"/>
+          </p:cNvSpPr>
+          <p:nvPr>
+            <p:ph type="title" idx="4294967295"/>
+          </p:nvPr>
+        </p:nvSpPr>
+        <p:spPr>
+          <a:xfrm>
+            <a:off x="0" y="365125"/>
+            <a:ext cx="10515600" cy="1325563"/>
+          </a:xfrm>
+        </p:spPr>
+        <p:txBody>
+          <a:bodyPr rtlCol="0"/>
+          <a:lstStyle/>
+          <a:p>
+            <a:r>
+              <a:rPr lang="it-IT" dirty="0"/>
+              <a:t>Analisi progetto diapositiva 2</a:t>
+            </a:r>
+          </a:p>
+        </p:txBody>
+      </p:sp>
+      <p:cxnSp>
+        <p:nvCxnSpPr>
+          <p:cNvPr id="8" name="Connettore diritto 7">
+            <a:extLst>
+              <a:ext uri="{FF2B5EF4-FFF2-40B4-BE49-F238E27FC236}">
+                <a16:creationId xmlns:a16="http://schemas.microsoft.com/office/drawing/2014/main" id="{D0986099-F5F2-4E8B-BE17-81194861A00C}"/>
+              </a:ext>
+              <a:ext uri="{C183D7F6-B498-43B3-948B-1728B52AA6E4}">
+                <adec:decorative xmlns:adec="http://schemas.microsoft.com/office/drawing/2017/decorative" val="1"/>
+              </a:ext>
+            </a:extLst>
+          </p:cNvPr>
+          <p:cNvCxnSpPr>
+            <a:cxnSpLocks/>
+          </p:cNvCxnSpPr>
+          <p:nvPr/>
+        </p:nvCxnSpPr>
+        <p:spPr>
+          <a:xfrm>
+            <a:off x="8105775" y="522898"/>
+            <a:ext cx="4086225" cy="0"/>
+          </a:xfrm>
+          <a:prstGeom prst="line">
+            <a:avLst/>
+          </a:prstGeom>
+          <a:ln>
+            <a:solidFill>
+              <a:schemeClr val="accent3">
+                <a:lumMod val="50000"/>
+              </a:schemeClr>
+            </a:solidFill>
+            <a:headEnd type="oval"/>
+          </a:ln>
+        </p:spPr>
+        <p:style>
+          <a:lnRef idx="1">
+            <a:schemeClr val="accent1"/>
+          </a:lnRef>
+          <a:fillRef idx="0">
+            <a:schemeClr val="accent1"/>
+          </a:fillRef>
+          <a:effectRef idx="0">
+            <a:schemeClr val="accent1"/>
+          </a:effectRef>
+          <a:fontRef idx="minor">
+            <a:schemeClr val="tx1"/>
+          </a:fontRef>
+        </p:style>
+      </p:cxnSp>
+      <p:sp>
+        <p:nvSpPr>
+          <p:cNvPr id="11" name="Titolo 1">
+            <a:extLst>
+              <a:ext uri="{FF2B5EF4-FFF2-40B4-BE49-F238E27FC236}">
+                <a16:creationId xmlns:a16="http://schemas.microsoft.com/office/drawing/2014/main" id="{4E3F5479-058B-4FA8-92E9-18CAB8CDC5C5}"/>
+              </a:ext>
+            </a:extLst>
+          </p:cNvPr>
+          <p:cNvSpPr txBox="1">
+            <a:spLocks/>
+          </p:cNvSpPr>
+          <p:nvPr/>
+        </p:nvSpPr>
+        <p:spPr>
+          <a:xfrm>
+            <a:off x="228600" y="217133"/>
+            <a:ext cx="11734800" cy="886397"/>
+          </a:xfrm>
+          <a:prstGeom prst="rect">
+            <a:avLst/>
+          </a:prstGeom>
+        </p:spPr>
+        <p:txBody>
+          <a:bodyPr vert="horz" wrap="square" lIns="0" tIns="0" rIns="0" bIns="0" rtlCol="0" anchor="t">
+            <a:spAutoFit/>
+          </a:bodyPr>
+          <a:lstStyle>
+            <a:lvl1pPr algn="l" defTabSz="914400" rtl="0" eaLnBrk="1" latinLnBrk="0" hangingPunct="1">
+              <a:lnSpc>
+                <a:spcPct val="90000"/>
+              </a:lnSpc>
+              <a:spcBef>
+                <a:spcPct val="0"/>
+              </a:spcBef>
+              <a:buNone/>
+              <a:defRPr sz="4400" kern="1200">
+                <a:solidFill>
+                  <a:schemeClr val="tx1"/>
+                </a:solidFill>
+                <a:latin typeface="+mj-lt"/>
+                <a:ea typeface="+mj-ea"/>
+                <a:cs typeface="+mj-cs"/>
+              </a:defRPr>
+            </a:lvl1pPr>
+          </a:lstStyle>
+          <a:p>
+            <a:pPr algn="ctr" rtl="0"/>
+            <a:r>
+              <a:rPr lang="it-IT" sz="3200" b="1" dirty="0">
+                <a:solidFill>
+                  <a:schemeClr val="tx1">
+                    <a:lumMod val="75000"/>
+                    <a:lumOff val="25000"/>
+                  </a:schemeClr>
+                </a:solidFill>
+              </a:rPr>
+              <a:t>Manipolare i dati</a:t>
+            </a:r>
+          </a:p>
+          <a:p>
+            <a:pPr algn="ctr" rtl="0"/>
+            <a:r>
+              <a:rPr lang="it-IT" sz="3200" b="1" dirty="0">
+                <a:solidFill>
+                  <a:schemeClr val="tx1">
+                    <a:lumMod val="75000"/>
+                    <a:lumOff val="25000"/>
+                  </a:schemeClr>
+                </a:solidFill>
+              </a:rPr>
+              <a:t>all’interno del cluster</a:t>
+            </a:r>
+          </a:p>
+        </p:txBody>
+      </p:sp>
+      <p:cxnSp>
+        <p:nvCxnSpPr>
+          <p:cNvPr id="14" name="Connettore diritto 13">
+            <a:extLst>
+              <a:ext uri="{FF2B5EF4-FFF2-40B4-BE49-F238E27FC236}">
+                <a16:creationId xmlns:a16="http://schemas.microsoft.com/office/drawing/2014/main" id="{83E690F4-843A-47A5-8620-4FB01C0D8E68}"/>
+              </a:ext>
+              <a:ext uri="{C183D7F6-B498-43B3-948B-1728B52AA6E4}">
+                <adec:decorative xmlns:adec="http://schemas.microsoft.com/office/drawing/2017/decorative" val="1"/>
+              </a:ext>
+            </a:extLst>
+          </p:cNvPr>
+          <p:cNvCxnSpPr>
+            <a:cxnSpLocks/>
+          </p:cNvCxnSpPr>
+          <p:nvPr/>
+        </p:nvCxnSpPr>
+        <p:spPr>
+          <a:xfrm>
+            <a:off x="0" y="522898"/>
+            <a:ext cx="4086225" cy="0"/>
+          </a:xfrm>
+          <a:prstGeom prst="line">
+            <a:avLst/>
+          </a:prstGeom>
+          <a:ln>
+            <a:solidFill>
+              <a:schemeClr val="accent3">
+                <a:lumMod val="50000"/>
+              </a:schemeClr>
+            </a:solidFill>
+            <a:tailEnd type="oval"/>
+          </a:ln>
+        </p:spPr>
+        <p:style>
+          <a:lnRef idx="1">
+            <a:schemeClr val="accent1"/>
+          </a:lnRef>
+          <a:fillRef idx="0">
+            <a:schemeClr val="accent1"/>
+          </a:fillRef>
+          <a:effectRef idx="0">
+            <a:schemeClr val="accent1"/>
+          </a:effectRef>
+          <a:fontRef idx="minor">
+            <a:schemeClr val="tx1"/>
+          </a:fontRef>
+        </p:style>
+      </p:cxnSp>
+      <p:sp>
+        <p:nvSpPr>
+          <p:cNvPr id="6" name="CasellaDiTesto 5">
+            <a:extLst>
+              <a:ext uri="{FF2B5EF4-FFF2-40B4-BE49-F238E27FC236}">
+                <a16:creationId xmlns:a16="http://schemas.microsoft.com/office/drawing/2014/main" id="{00B95089-CAF3-4B35-99BA-523EDE338C0F}"/>
+              </a:ext>
+            </a:extLst>
+          </p:cNvPr>
+          <p:cNvSpPr txBox="1"/>
+          <p:nvPr/>
+        </p:nvSpPr>
+        <p:spPr>
+          <a:xfrm>
+            <a:off x="1247723" y="2818508"/>
+            <a:ext cx="9696554" cy="1015663"/>
+          </a:xfrm>
+          <a:prstGeom prst="rect">
+            <a:avLst/>
+          </a:prstGeom>
+          <a:noFill/>
+        </p:spPr>
+        <p:txBody>
+          <a:bodyPr wrap="square">
+            <a:spAutoFit/>
+          </a:bodyPr>
+          <a:lstStyle/>
+          <a:p>
+            <a:r>
+              <a:rPr lang="it-IT" sz="2000" dirty="0">
+                <a:solidFill>
+                  <a:srgbClr val="262626"/>
+                </a:solidFill>
+                <a:latin typeface="Montserrat" panose="00000500000000000000"/>
+                <a:ea typeface="Times New Roman" panose="02020603050405020304" pitchFamily="18" charset="0"/>
+              </a:rPr>
+              <a:t>var query = [</a:t>
+            </a:r>
+            <a:r>
+              <a:rPr lang="it-IT" sz="2000" dirty="0">
+                <a:solidFill>
+                  <a:srgbClr val="50B1E1"/>
+                </a:solidFill>
+                <a:latin typeface="Montserrat" panose="00000500000000000000"/>
+                <a:ea typeface="Times New Roman" panose="02020603050405020304" pitchFamily="18" charset="0"/>
+              </a:rPr>
+              <a:t>type</a:t>
+            </a:r>
+            <a:r>
+              <a:rPr lang="it-IT" sz="2000" dirty="0">
+                <a:solidFill>
+                  <a:srgbClr val="262626"/>
+                </a:solidFill>
+                <a:latin typeface="Montserrat" panose="00000500000000000000"/>
+                <a:ea typeface="Times New Roman" panose="02020603050405020304" pitchFamily="18" charset="0"/>
+              </a:rPr>
+              <a:t> = ‘</a:t>
+            </a:r>
+            <a:r>
+              <a:rPr lang="it-IT" sz="2000" b="1" dirty="0">
+                <a:solidFill>
+                  <a:srgbClr val="262626"/>
+                </a:solidFill>
+                <a:latin typeface="Montserrat" panose="00000500000000000000"/>
+                <a:ea typeface="Times New Roman" panose="02020603050405020304" pitchFamily="18" charset="0"/>
+              </a:rPr>
+              <a:t>query</a:t>
+            </a:r>
+            <a:r>
+              <a:rPr lang="it-IT" sz="2000" dirty="0">
+                <a:solidFill>
+                  <a:srgbClr val="262626"/>
+                </a:solidFill>
+                <a:latin typeface="Montserrat" panose="00000500000000000000"/>
+                <a:ea typeface="Times New Roman" panose="02020603050405020304" pitchFamily="18" charset="0"/>
+              </a:rPr>
+              <a:t>’, </a:t>
+            </a:r>
+            <a:r>
+              <a:rPr lang="it-IT" sz="2000" dirty="0">
+                <a:solidFill>
+                  <a:srgbClr val="50B1E1"/>
+                </a:solidFill>
+                <a:latin typeface="Montserrat" panose="00000500000000000000"/>
+                <a:ea typeface="Times New Roman" panose="02020603050405020304" pitchFamily="18" charset="0"/>
+              </a:rPr>
+              <a:t>query_type </a:t>
+            </a:r>
+            <a:r>
+              <a:rPr lang="it-IT" sz="2000" dirty="0">
+                <a:solidFill>
+                  <a:srgbClr val="262626"/>
+                </a:solidFill>
+                <a:latin typeface="Montserrat" panose="00000500000000000000"/>
+                <a:ea typeface="Times New Roman" panose="02020603050405020304" pitchFamily="18" charset="0"/>
+              </a:rPr>
+              <a:t>= ‘…’, </a:t>
+            </a:r>
+            <a:r>
+              <a:rPr lang="it-IT" sz="2000" dirty="0">
+                <a:solidFill>
+                  <a:srgbClr val="50B1E1"/>
+                </a:solidFill>
+                <a:latin typeface="Montserrat" panose="00000500000000000000"/>
+                <a:ea typeface="Times New Roman" panose="02020603050405020304" pitchFamily="18" charset="0"/>
+              </a:rPr>
+              <a:t>database</a:t>
+            </a:r>
+            <a:r>
+              <a:rPr lang="it-IT" sz="2000" dirty="0">
+                <a:solidFill>
+                  <a:srgbClr val="262626"/>
+                </a:solidFill>
+                <a:latin typeface="Montserrat" panose="00000500000000000000"/>
+                <a:ea typeface="Times New Roman" panose="02020603050405020304" pitchFamily="18" charset="0"/>
+              </a:rPr>
+              <a:t> = dbAWS, </a:t>
+            </a:r>
+            <a:r>
+              <a:rPr lang="it-IT" sz="2000" dirty="0">
+                <a:solidFill>
+                  <a:srgbClr val="50B1E1"/>
+                </a:solidFill>
+                <a:latin typeface="Montserrat" panose="00000500000000000000"/>
+                <a:ea typeface="Times New Roman" panose="02020603050405020304" pitchFamily="18" charset="0"/>
+              </a:rPr>
+              <a:t>query</a:t>
+            </a:r>
+            <a:r>
+              <a:rPr lang="it-IT" sz="2000" dirty="0">
+                <a:solidFill>
+                  <a:srgbClr val="262626"/>
+                </a:solidFill>
+                <a:latin typeface="Montserrat" panose="00000500000000000000"/>
+                <a:ea typeface="Times New Roman" panose="02020603050405020304" pitchFamily="18" charset="0"/>
+              </a:rPr>
+              <a:t> = ‘…’]</a:t>
+            </a:r>
+          </a:p>
+          <a:p>
+            <a:endParaRPr lang="it-IT" sz="2000" dirty="0">
+              <a:solidFill>
+                <a:srgbClr val="262626"/>
+              </a:solidFill>
+              <a:latin typeface="Montserrat" panose="00000500000000000000"/>
+            </a:endParaRPr>
+          </a:p>
+          <a:p>
+            <a:r>
+              <a:rPr lang="it-IT" sz="2000" dirty="0">
+                <a:solidFill>
+                  <a:srgbClr val="262626"/>
+                </a:solidFill>
+                <a:latin typeface="Montserrat" panose="00000500000000000000"/>
+              </a:rPr>
+              <a:t>query.execute()</a:t>
+            </a:r>
+            <a:endParaRPr lang="it-IT" sz="2000" dirty="0"/>
+          </a:p>
+        </p:txBody>
+      </p:sp>
+      <p:sp>
+        <p:nvSpPr>
+          <p:cNvPr id="7" name="Rettangolo 6">
+            <a:extLst>
+              <a:ext uri="{FF2B5EF4-FFF2-40B4-BE49-F238E27FC236}">
+                <a16:creationId xmlns:a16="http://schemas.microsoft.com/office/drawing/2014/main" id="{283D20D6-3C25-4AB2-BA8B-3D509359CCB3}"/>
+              </a:ext>
+            </a:extLst>
+          </p:cNvPr>
+          <p:cNvSpPr/>
+          <p:nvPr/>
+        </p:nvSpPr>
+        <p:spPr>
+          <a:xfrm>
+            <a:off x="1186023" y="2697637"/>
+            <a:ext cx="9819954" cy="1257404"/>
+          </a:xfrm>
+          <a:prstGeom prst="rect">
+            <a:avLst/>
+          </a:prstGeom>
+          <a:noFill/>
+          <a:ln w="38100">
+            <a:solidFill>
+              <a:srgbClr val="50B1E1"/>
+            </a:solidFill>
+          </a:ln>
+        </p:spPr>
+        <p:style>
+          <a:lnRef idx="2">
+            <a:schemeClr val="accent1">
+              <a:shade val="50000"/>
+            </a:schemeClr>
+          </a:lnRef>
+          <a:fillRef idx="1">
+            <a:schemeClr val="accent1"/>
+          </a:fillRef>
+          <a:effectRef idx="0">
+            <a:schemeClr val="accent1"/>
+          </a:effectRef>
+          <a:fontRef idx="minor">
+            <a:schemeClr val="lt1"/>
+          </a:fontRef>
+        </p:style>
+        <p:txBody>
+          <a:bodyPr rtlCol="0" anchor="ctr"/>
+          <a:lstStyle/>
+          <a:p>
+            <a:pPr algn="ctr"/>
+            <a:endParaRPr lang="it-IT"/>
+          </a:p>
+        </p:txBody>
+      </p:sp>
+      <p:sp>
+        <p:nvSpPr>
+          <p:cNvPr id="9" name="CasellaDiTesto 8">
+            <a:extLst>
+              <a:ext uri="{FF2B5EF4-FFF2-40B4-BE49-F238E27FC236}">
+                <a16:creationId xmlns:a16="http://schemas.microsoft.com/office/drawing/2014/main" id="{9CA7301D-D149-49F4-AF9C-AC754D5A9084}"/>
+              </a:ext>
+            </a:extLst>
+          </p:cNvPr>
+          <p:cNvSpPr txBox="1"/>
+          <p:nvPr/>
+        </p:nvSpPr>
+        <p:spPr>
+          <a:xfrm>
+            <a:off x="1319108" y="1606676"/>
+            <a:ext cx="9553784" cy="707886"/>
+          </a:xfrm>
+          <a:prstGeom prst="rect">
+            <a:avLst/>
+          </a:prstGeom>
+          <a:noFill/>
+        </p:spPr>
+        <p:txBody>
+          <a:bodyPr wrap="square">
+            <a:spAutoFit/>
+          </a:bodyPr>
+          <a:lstStyle/>
+          <a:p>
+            <a:pPr algn="ctr"/>
+            <a:r>
+              <a:rPr lang="it-IT" sz="2000" dirty="0">
+                <a:solidFill>
+                  <a:srgbClr val="262626"/>
+                </a:solidFill>
+                <a:latin typeface="Montserrat SemiBold" panose="00000700000000000000" pitchFamily="2" charset="0"/>
+                <a:ea typeface="Times New Roman" panose="02020603050405020304" pitchFamily="18" charset="0"/>
+              </a:rPr>
+              <a:t>Per poter effettuare interrogazioni sul database è stata implementato all’interno di FLY l’entità </a:t>
+            </a:r>
+            <a:r>
+              <a:rPr lang="it-IT" sz="2000" b="1" dirty="0">
+                <a:solidFill>
+                  <a:srgbClr val="50B1E1"/>
+                </a:solidFill>
+                <a:latin typeface="Montserrat SemiBold" panose="00000700000000000000" pitchFamily="2" charset="0"/>
+                <a:ea typeface="Times New Roman" panose="02020603050405020304" pitchFamily="18" charset="0"/>
+              </a:rPr>
+              <a:t>query</a:t>
+            </a:r>
+            <a:r>
+              <a:rPr lang="it-IT" sz="2000" dirty="0">
+                <a:solidFill>
+                  <a:srgbClr val="262626"/>
+                </a:solidFill>
+                <a:latin typeface="Montserrat SemiBold" panose="00000700000000000000" pitchFamily="2" charset="0"/>
+                <a:ea typeface="Times New Roman" panose="02020603050405020304" pitchFamily="18" charset="0"/>
+              </a:rPr>
+              <a:t>. </a:t>
+            </a:r>
+            <a:endParaRPr lang="it-IT" sz="2000" dirty="0"/>
+          </a:p>
+        </p:txBody>
+      </p:sp>
+      <p:sp>
+        <p:nvSpPr>
+          <p:cNvPr id="10" name="CasellaDiTesto 9">
+            <a:extLst>
+              <a:ext uri="{FF2B5EF4-FFF2-40B4-BE49-F238E27FC236}">
+                <a16:creationId xmlns:a16="http://schemas.microsoft.com/office/drawing/2014/main" id="{25AA1044-9BC3-44A9-BEB1-2AE849684117}"/>
+              </a:ext>
+            </a:extLst>
+          </p:cNvPr>
+          <p:cNvSpPr txBox="1"/>
+          <p:nvPr/>
+        </p:nvSpPr>
+        <p:spPr>
+          <a:xfrm>
+            <a:off x="1072595" y="4743492"/>
+            <a:ext cx="10046810" cy="1015663"/>
+          </a:xfrm>
+          <a:prstGeom prst="rect">
+            <a:avLst/>
+          </a:prstGeom>
+          <a:noFill/>
+        </p:spPr>
+        <p:txBody>
+          <a:bodyPr wrap="square">
+            <a:spAutoFit/>
+          </a:bodyPr>
+          <a:lstStyle/>
+          <a:p>
+            <a:r>
+              <a:rPr lang="it-IT" sz="2000" dirty="0">
+                <a:solidFill>
+                  <a:srgbClr val="262626"/>
+                </a:solidFill>
+                <a:latin typeface="Montserrat" panose="00000500000000000000"/>
+                <a:ea typeface="Times New Roman" panose="02020603050405020304" pitchFamily="18" charset="0"/>
+              </a:rPr>
+              <a:t>var query = [</a:t>
+            </a:r>
+            <a:r>
+              <a:rPr lang="it-IT" sz="2000" dirty="0">
+                <a:solidFill>
+                  <a:srgbClr val="50B1E1"/>
+                </a:solidFill>
+                <a:latin typeface="Montserrat" panose="00000500000000000000"/>
+                <a:ea typeface="Times New Roman" panose="02020603050405020304" pitchFamily="18" charset="0"/>
+              </a:rPr>
+              <a:t>type</a:t>
+            </a:r>
+            <a:r>
+              <a:rPr lang="it-IT" sz="2000" dirty="0">
+                <a:solidFill>
+                  <a:srgbClr val="262626"/>
+                </a:solidFill>
+                <a:latin typeface="Montserrat" panose="00000500000000000000"/>
+                <a:ea typeface="Times New Roman" panose="02020603050405020304" pitchFamily="18" charset="0"/>
+              </a:rPr>
+              <a:t> = ‘</a:t>
+            </a:r>
+            <a:r>
+              <a:rPr lang="it-IT" sz="2000" b="1" dirty="0">
+                <a:solidFill>
+                  <a:srgbClr val="262626"/>
+                </a:solidFill>
+                <a:latin typeface="Montserrat" panose="00000500000000000000"/>
+                <a:ea typeface="Times New Roman" panose="02020603050405020304" pitchFamily="18" charset="0"/>
+              </a:rPr>
+              <a:t>query</a:t>
+            </a:r>
+            <a:r>
+              <a:rPr lang="it-IT" sz="2000" dirty="0">
+                <a:solidFill>
+                  <a:srgbClr val="262626"/>
+                </a:solidFill>
+                <a:latin typeface="Montserrat" panose="00000500000000000000"/>
+                <a:ea typeface="Times New Roman" panose="02020603050405020304" pitchFamily="18" charset="0"/>
+              </a:rPr>
+              <a:t>’, </a:t>
+            </a:r>
+            <a:r>
+              <a:rPr lang="it-IT" sz="2000" dirty="0">
+                <a:solidFill>
+                  <a:srgbClr val="50B1E1"/>
+                </a:solidFill>
+                <a:latin typeface="Montserrat" panose="00000500000000000000"/>
+                <a:ea typeface="Times New Roman" panose="02020603050405020304" pitchFamily="18" charset="0"/>
+              </a:rPr>
+              <a:t>query_type </a:t>
+            </a:r>
+            <a:r>
+              <a:rPr lang="it-IT" sz="2000" dirty="0">
+                <a:solidFill>
+                  <a:srgbClr val="262626"/>
+                </a:solidFill>
+                <a:latin typeface="Montserrat" panose="00000500000000000000"/>
+                <a:ea typeface="Times New Roman" panose="02020603050405020304" pitchFamily="18" charset="0"/>
+              </a:rPr>
+              <a:t>= ‘…’, </a:t>
+            </a:r>
+            <a:r>
+              <a:rPr lang="it-IT" sz="2000" dirty="0">
+                <a:solidFill>
+                  <a:srgbClr val="50B1E1"/>
+                </a:solidFill>
+                <a:latin typeface="Montserrat" panose="00000500000000000000"/>
+                <a:ea typeface="Times New Roman" panose="02020603050405020304" pitchFamily="18" charset="0"/>
+              </a:rPr>
+              <a:t>database</a:t>
+            </a:r>
+            <a:r>
+              <a:rPr lang="it-IT" sz="2000" dirty="0">
+                <a:solidFill>
+                  <a:srgbClr val="262626"/>
+                </a:solidFill>
+                <a:latin typeface="Montserrat" panose="00000500000000000000"/>
+                <a:ea typeface="Times New Roman" panose="02020603050405020304" pitchFamily="18" charset="0"/>
+              </a:rPr>
+              <a:t> = dbAZURE, </a:t>
+            </a:r>
+            <a:r>
+              <a:rPr lang="it-IT" sz="2000" dirty="0">
+                <a:solidFill>
+                  <a:srgbClr val="50B1E1"/>
+                </a:solidFill>
+                <a:latin typeface="Montserrat" panose="00000500000000000000"/>
+                <a:ea typeface="Times New Roman" panose="02020603050405020304" pitchFamily="18" charset="0"/>
+              </a:rPr>
+              <a:t>query</a:t>
+            </a:r>
+            <a:r>
+              <a:rPr lang="it-IT" sz="2000" dirty="0">
+                <a:solidFill>
+                  <a:srgbClr val="262626"/>
+                </a:solidFill>
+                <a:latin typeface="Montserrat" panose="00000500000000000000"/>
+                <a:ea typeface="Times New Roman" panose="02020603050405020304" pitchFamily="18" charset="0"/>
+              </a:rPr>
+              <a:t> = ‘…’]</a:t>
+            </a:r>
+          </a:p>
+          <a:p>
+            <a:endParaRPr lang="it-IT" sz="2000" dirty="0">
+              <a:solidFill>
+                <a:srgbClr val="262626"/>
+              </a:solidFill>
+              <a:latin typeface="Montserrat" panose="00000500000000000000"/>
+            </a:endParaRPr>
+          </a:p>
+          <a:p>
+            <a:r>
+              <a:rPr lang="it-IT" sz="2000" dirty="0">
+                <a:solidFill>
+                  <a:srgbClr val="262626"/>
+                </a:solidFill>
+                <a:latin typeface="Montserrat" panose="00000500000000000000"/>
+              </a:rPr>
+              <a:t>query.execute()</a:t>
+            </a:r>
+            <a:endParaRPr lang="it-IT" sz="2000" dirty="0"/>
+          </a:p>
+        </p:txBody>
+      </p:sp>
+      <p:sp>
+        <p:nvSpPr>
+          <p:cNvPr id="12" name="Rettangolo 11">
+            <a:extLst>
+              <a:ext uri="{FF2B5EF4-FFF2-40B4-BE49-F238E27FC236}">
+                <a16:creationId xmlns:a16="http://schemas.microsoft.com/office/drawing/2014/main" id="{F47108D2-83BC-4E07-8272-2849FC7345E1}"/>
+              </a:ext>
+            </a:extLst>
+          </p:cNvPr>
+          <p:cNvSpPr/>
+          <p:nvPr/>
+        </p:nvSpPr>
+        <p:spPr>
+          <a:xfrm>
+            <a:off x="974011" y="4622621"/>
+            <a:ext cx="10243977" cy="1257404"/>
+          </a:xfrm>
+          <a:prstGeom prst="rect">
+            <a:avLst/>
+          </a:prstGeom>
+          <a:noFill/>
+          <a:ln w="38100">
+            <a:solidFill>
+              <a:srgbClr val="50B1E1"/>
+            </a:solidFill>
+          </a:ln>
+        </p:spPr>
+        <p:style>
+          <a:lnRef idx="2">
+            <a:schemeClr val="accent1">
+              <a:shade val="50000"/>
+            </a:schemeClr>
+          </a:lnRef>
+          <a:fillRef idx="1">
+            <a:schemeClr val="accent1"/>
+          </a:fillRef>
+          <a:effectRef idx="0">
+            <a:schemeClr val="accent1"/>
+          </a:effectRef>
+          <a:fontRef idx="minor">
+            <a:schemeClr val="lt1"/>
+          </a:fontRef>
+        </p:style>
+        <p:txBody>
+          <a:bodyPr rtlCol="0" anchor="ctr"/>
+          <a:lstStyle/>
+          <a:p>
+            <a:pPr algn="ctr"/>
+            <a:endParaRPr lang="it-IT"/>
+          </a:p>
+        </p:txBody>
+      </p:sp>
+    </p:spTree>
+    <p:extLst>
+      <p:ext uri="{BB962C8B-B14F-4D97-AF65-F5344CB8AC3E}">
+        <p14:creationId xmlns:p14="http://schemas.microsoft.com/office/powerpoint/2010/main" val="2553102470"/>
       </p:ext>
     </p:extLst>
   </p:cSld>
